--- a/slides.pptx
+++ b/slides.pptx
@@ -225,7 +225,7 @@
           <a:p>
             <a:fld id="{502C3FCC-702D-D241-BC99-01F661F44051}" type="datetimeFigureOut">
               <a:rPr lang="en-US" smtClean="0"/>
-              <a:t>2012-11-28</a:t>
+              <a:t>2012-12-08</a:t>
             </a:fld>
             <a:endParaRPr lang="en-US"/>
           </a:p>
@@ -391,7 +391,7 @@
           <a:p>
             <a:fld id="{3350954E-1BAE-8E4B-B945-8628C5B2AD17}" type="datetimeFigureOut">
               <a:rPr lang="en-US" smtClean="0"/>
-              <a:t>2012-11-28</a:t>
+              <a:t>2012-12-08</a:t>
             </a:fld>
             <a:endParaRPr lang="en-US"/>
           </a:p>
@@ -5696,11 +5696,7 @@
               <a:pPr algn="ctr"/>
               <a:r>
                 <a:rPr lang="en-US" sz="2400" b="1" dirty="0" smtClean="0"/>
-                <a:t>Data M</a:t>
-              </a:r>
-              <a:r>
-                <a:rPr lang="en-US" sz="2400" b="1" dirty="0" smtClean="0"/>
-                <a:t>odel</a:t>
+                <a:t>Data Model</a:t>
               </a:r>
               <a:endParaRPr lang="en-US" sz="2400" b="1" dirty="0"/>
             </a:p>
@@ -14484,7 +14480,7 @@
         <p:spPr/>
         <p:txBody>
           <a:bodyPr>
-            <a:normAutofit lnSpcReduction="10000"/>
+            <a:normAutofit/>
           </a:bodyPr>
           <a:lstStyle/>
           <a:p>
@@ -14498,16 +14494,31 @@
             </a:r>
           </a:p>
           <a:p>
+            <a:r>
+              <a:rPr lang="en-US" dirty="0" err="1" smtClean="0"/>
+              <a:t>Cytoscape</a:t>
+            </a:r>
+            <a:r>
+              <a:rPr lang="en-US" dirty="0" smtClean="0"/>
+              <a:t> 3.0</a:t>
+            </a:r>
+          </a:p>
+          <a:p>
             <a:pPr lvl="1"/>
             <a:r>
               <a:rPr lang="en-US" dirty="0" smtClean="0"/>
-              <a:t>Java 7 might be ok</a:t>
-            </a:r>
+              <a:t>TBD</a:t>
+            </a:r>
+            <a:endParaRPr lang="en-US" dirty="0" smtClean="0"/>
           </a:p>
           <a:p>
             <a:r>
               <a:rPr lang="en-US" dirty="0" smtClean="0"/>
-              <a:t>Maven 3.0</a:t>
+              <a:t>Maven </a:t>
+            </a:r>
+            <a:r>
+              <a:rPr lang="en-US" dirty="0" smtClean="0"/>
+              <a:t>3.0</a:t>
             </a:r>
           </a:p>
           <a:p>
@@ -14534,50 +14545,25 @@
             <a:endParaRPr lang="en-US" dirty="0" smtClean="0"/>
           </a:p>
           <a:p>
-            <a:pPr lvl="2"/>
-            <a:r>
-              <a:rPr lang="en-US" dirty="0" smtClean="0"/>
-              <a:t>Or USB key</a:t>
-            </a:r>
-          </a:p>
-          <a:p>
             <a:r>
               <a:rPr lang="en-US" dirty="0" smtClean="0"/>
               <a:t>Starter code</a:t>
             </a:r>
-            <a:endParaRPr lang="en-US" dirty="0" smtClean="0"/>
           </a:p>
           <a:p>
             <a:pPr lvl="1"/>
+            <a:r>
+              <a:rPr lang="en-US" dirty="0">
+                <a:hlinkClick r:id="rId3"/>
+              </a:rPr>
+              <a:t>http://tinyurl.com/cy3-</a:t>
+            </a:r>
             <a:r>
               <a:rPr lang="en-US" dirty="0" smtClean="0">
                 <a:hlinkClick r:id="rId3"/>
               </a:rPr>
-              <a:t>http</a:t>
-            </a:r>
-            <a:r>
-              <a:rPr lang="en-US" dirty="0" smtClean="0">
-                <a:hlinkClick r:id="rId3"/>
-              </a:rPr>
-              <a:t>://code.cytoscape.org</a:t>
-            </a:r>
-            <a:r>
-              <a:rPr lang="en-US" dirty="0" smtClean="0">
-                <a:hlinkClick r:id="rId3"/>
-              </a:rPr>
-              <a:t>/TBD</a:t>
-            </a:r>
-            <a:endParaRPr lang="en-US" dirty="0" smtClean="0"/>
-          </a:p>
-          <a:p>
-            <a:pPr lvl="2"/>
-            <a:r>
-              <a:rPr lang="en-US" dirty="0" smtClean="0"/>
-              <a:t>Or USB key</a:t>
-            </a:r>
-            <a:endParaRPr lang="en-US" dirty="0" smtClean="0"/>
-          </a:p>
-          <a:p>
+              <a:t>tutorial</a:t>
+            </a:r>
             <a:endParaRPr lang="en-US" dirty="0" smtClean="0"/>
           </a:p>
         </p:txBody>
@@ -14743,26 +14729,6 @@
             <a:r>
               <a:rPr lang="en-US" dirty="0" err="1" smtClean="0"/>
               <a:t>VisualStyle</a:t>
-            </a:r>
-            <a:endParaRPr lang="en-US" dirty="0" smtClean="0"/>
-          </a:p>
-          <a:p>
-            <a:pPr lvl="1"/>
-            <a:r>
-              <a:rPr lang="en-US" dirty="0" smtClean="0"/>
-              <a:t>Need to create mapping between an edge </a:t>
-            </a:r>
-            <a:r>
-              <a:rPr lang="en-US" dirty="0" err="1" smtClean="0"/>
-              <a:t>CyColumn</a:t>
-            </a:r>
-            <a:r>
-              <a:rPr lang="en-US" dirty="0" smtClean="0"/>
-              <a:t> and EDGE_UNSELECTED_PAINT </a:t>
-            </a:r>
-            <a:r>
-              <a:rPr lang="en-US" dirty="0" err="1" smtClean="0"/>
-              <a:t>VisualProperty</a:t>
             </a:r>
             <a:endParaRPr lang="en-US" dirty="0" smtClean="0"/>
           </a:p>

--- a/slides.pptx
+++ b/slides.pptx
@@ -17199,48 +17199,34 @@
           <a:p>
             <a:pPr lvl="1"/>
             <a:r>
-              <a:rPr lang="en-US" dirty="0" smtClean="0"/>
-              <a:t>TBD</a:t>
-            </a:r>
-            <a:endParaRPr lang="en-US" dirty="0" smtClean="0"/>
-          </a:p>
-          <a:p>
-            <a:r>
-              <a:rPr lang="en-US" dirty="0" smtClean="0"/>
-              <a:t>Maven </a:t>
-            </a:r>
-            <a:r>
-              <a:rPr lang="en-US" dirty="0" smtClean="0"/>
-              <a:t>3.0</a:t>
-            </a:r>
-          </a:p>
-          <a:p>
-            <a:pPr lvl="1"/>
-            <a:r>
-              <a:rPr lang="en-US" dirty="0" smtClean="0"/>
-              <a:t>Build system</a:t>
-            </a:r>
-          </a:p>
-          <a:p>
-            <a:pPr lvl="1"/>
-            <a:r>
               <a:rPr lang="en-US" dirty="0">
                 <a:hlinkClick r:id="rId2"/>
               </a:rPr>
-              <a:t>http://maven.apache.org/</a:t>
+              <a:t>http://chianti.ucsd.edu/cytoscape-3.0.0</a:t>
             </a:r>
             <a:r>
               <a:rPr lang="en-US" dirty="0" smtClean="0">
                 <a:hlinkClick r:id="rId2"/>
               </a:rPr>
-              <a:t>download.html</a:t>
+              <a:t>/</a:t>
             </a:r>
             <a:endParaRPr lang="en-US" dirty="0" smtClean="0"/>
           </a:p>
           <a:p>
             <a:r>
               <a:rPr lang="en-US" dirty="0" smtClean="0"/>
-              <a:t>Starter code</a:t>
+              <a:t>Maven </a:t>
+            </a:r>
+            <a:r>
+              <a:rPr lang="en-US" dirty="0" smtClean="0"/>
+              <a:t>3.0</a:t>
+            </a:r>
+          </a:p>
+          <a:p>
+            <a:pPr lvl="1"/>
+            <a:r>
+              <a:rPr lang="en-US" dirty="0" smtClean="0"/>
+              <a:t>Build system</a:t>
             </a:r>
           </a:p>
           <a:p>
@@ -17249,11 +17235,33 @@
               <a:rPr lang="en-US" dirty="0">
                 <a:hlinkClick r:id="rId3"/>
               </a:rPr>
-              <a:t>http://tinyurl.com/cy3-</a:t>
+              <a:t>http://maven.apache.org/</a:t>
             </a:r>
             <a:r>
               <a:rPr lang="en-US" dirty="0" smtClean="0">
                 <a:hlinkClick r:id="rId3"/>
+              </a:rPr>
+              <a:t>download.html</a:t>
+            </a:r>
+            <a:endParaRPr lang="en-US" dirty="0" smtClean="0"/>
+          </a:p>
+          <a:p>
+            <a:r>
+              <a:rPr lang="en-US" dirty="0" smtClean="0"/>
+              <a:t>Starter code</a:t>
+            </a:r>
+          </a:p>
+          <a:p>
+            <a:pPr lvl="1"/>
+            <a:r>
+              <a:rPr lang="en-US" dirty="0">
+                <a:hlinkClick r:id="rId4"/>
+              </a:rPr>
+              <a:t>http://tinyurl.com/cy3-</a:t>
+            </a:r>
+            <a:r>
+              <a:rPr lang="en-US" dirty="0" smtClean="0">
+                <a:hlinkClick r:id="rId4"/>
               </a:rPr>
               <a:t>tutorial</a:t>
             </a:r>
@@ -22073,16 +22081,12 @@
           <a:p>
             <a:pPr lvl="1"/>
             <a:r>
-              <a:rPr lang="en-US" smtClean="0"/>
+              <a:rPr lang="en-US" dirty="0" smtClean="0"/>
               <a:t>M</a:t>
             </a:r>
             <a:r>
-              <a:rPr lang="en-US" smtClean="0"/>
-              <a:t>ap “</a:t>
-            </a:r>
-            <a:r>
               <a:rPr lang="en-US" dirty="0" smtClean="0"/>
-              <a:t>reachable” column to </a:t>
+              <a:t>ap “reachable” column to </a:t>
             </a:r>
             <a:r>
               <a:rPr lang="en-US" dirty="0" err="1" smtClean="0"/>

--- a/slides.pptx
+++ b/slides.pptx
@@ -5,15 +5,15 @@
     <p:sldMasterId id="2147483648" r:id="rId1"/>
   </p:sldMasterIdLst>
   <p:notesMasterIdLst>
-    <p:notesMasterId r:id="rId41"/>
+    <p:notesMasterId r:id="rId47"/>
   </p:notesMasterIdLst>
   <p:handoutMasterIdLst>
-    <p:handoutMasterId r:id="rId42"/>
+    <p:handoutMasterId r:id="rId48"/>
   </p:handoutMasterIdLst>
   <p:sldIdLst>
-    <p:sldId id="256" r:id="rId2"/>
-    <p:sldId id="258" r:id="rId3"/>
-    <p:sldId id="257" r:id="rId4"/>
+    <p:sldId id="257" r:id="rId2"/>
+    <p:sldId id="256" r:id="rId3"/>
+    <p:sldId id="258" r:id="rId4"/>
     <p:sldId id="273" r:id="rId5"/>
     <p:sldId id="274" r:id="rId6"/>
     <p:sldId id="276" r:id="rId7"/>
@@ -48,8 +48,14 @@
     <p:sldId id="285" r:id="rId36"/>
     <p:sldId id="286" r:id="rId37"/>
     <p:sldId id="283" r:id="rId38"/>
-    <p:sldId id="266" r:id="rId39"/>
-    <p:sldId id="293" r:id="rId40"/>
+    <p:sldId id="297" r:id="rId39"/>
+    <p:sldId id="298" r:id="rId40"/>
+    <p:sldId id="299" r:id="rId41"/>
+    <p:sldId id="300" r:id="rId42"/>
+    <p:sldId id="301" r:id="rId43"/>
+    <p:sldId id="302" r:id="rId44"/>
+    <p:sldId id="266" r:id="rId45"/>
+    <p:sldId id="293" r:id="rId46"/>
   </p:sldIdLst>
   <p:sldSz cx="9144000" cy="6858000" type="screen4x3"/>
   <p:notesSz cx="6858000" cy="9144000"/>
@@ -233,7 +239,7 @@
           <a:p>
             <a:fld id="{502C3FCC-702D-D241-BC99-01F661F44051}" type="datetimeFigureOut">
               <a:rPr lang="en-US" smtClean="0"/>
-              <a:t>2012-12-08</a:t>
+              <a:t>2013-10-08</a:t>
             </a:fld>
             <a:endParaRPr lang="en-US"/>
           </a:p>
@@ -399,7 +405,7 @@
           <a:p>
             <a:fld id="{3350954E-1BAE-8E4B-B945-8628C5B2AD17}" type="datetimeFigureOut">
               <a:rPr lang="en-US" smtClean="0"/>
-              <a:t>2012-12-08</a:t>
+              <a:t>2013-10-08</a:t>
             </a:fld>
             <a:endParaRPr lang="en-US"/>
           </a:p>
@@ -849,9 +855,9 @@
           <a:p>
             <a:r>
               <a:rPr lang="en-US" smtClean="0"/>
-              <a:t>2012-12-14</a:t>
-            </a:r>
-            <a:endParaRPr lang="en-US"/>
+              <a:t>2013-10-10</a:t>
+            </a:r>
+            <a:endParaRPr lang="en-US" dirty="0"/>
           </a:p>
         </p:txBody>
       </p:sp>
@@ -871,10 +877,18 @@
           <a:lstStyle/>
           <a:p>
             <a:r>
-              <a:rPr lang="en-US" smtClean="0"/>
-              <a:t>9th Annual Cytoscape Workshop: Developer Tutorial</a:t>
-            </a:r>
-            <a:endParaRPr lang="en-US"/>
+              <a:rPr lang="en-US" dirty="0" smtClean="0"/>
+              <a:t>10th Annual </a:t>
+            </a:r>
+            <a:r>
+              <a:rPr lang="en-US" dirty="0" err="1" smtClean="0"/>
+              <a:t>Cytoscape</a:t>
+            </a:r>
+            <a:r>
+              <a:rPr lang="en-US" dirty="0" smtClean="0"/>
+              <a:t> Workshop: Developer Tutorial</a:t>
+            </a:r>
+            <a:endParaRPr lang="en-US" dirty="0"/>
           </a:p>
         </p:txBody>
       </p:sp>
@@ -1023,7 +1037,7 @@
           <a:p>
             <a:r>
               <a:rPr lang="en-US" smtClean="0"/>
-              <a:t>2012-12-14</a:t>
+              <a:t>2013-10-10</a:t>
             </a:r>
             <a:endParaRPr lang="en-US"/>
           </a:p>
@@ -1046,7 +1060,7 @@
           <a:p>
             <a:r>
               <a:rPr lang="en-US" smtClean="0"/>
-              <a:t>9th Annual Cytoscape Workshop: Developer Tutorial</a:t>
+              <a:t>10th Annual Cytoscape Workshop: Developer Tutorial</a:t>
             </a:r>
             <a:endParaRPr lang="en-US"/>
           </a:p>
@@ -1207,7 +1221,7 @@
           <a:p>
             <a:r>
               <a:rPr lang="en-US" smtClean="0"/>
-              <a:t>2012-12-14</a:t>
+              <a:t>2013-10-10</a:t>
             </a:r>
             <a:endParaRPr lang="en-US"/>
           </a:p>
@@ -1230,7 +1244,7 @@
           <a:p>
             <a:r>
               <a:rPr lang="en-US" smtClean="0"/>
-              <a:t>9th Annual Cytoscape Workshop: Developer Tutorial</a:t>
+              <a:t>10th Annual Cytoscape Workshop: Developer Tutorial</a:t>
             </a:r>
             <a:endParaRPr lang="en-US"/>
           </a:p>
@@ -1381,7 +1395,7 @@
           <a:p>
             <a:r>
               <a:rPr lang="en-US" smtClean="0"/>
-              <a:t>2012-12-14</a:t>
+              <a:t>2013-10-10</a:t>
             </a:r>
             <a:endParaRPr lang="en-US"/>
           </a:p>
@@ -1404,7 +1418,7 @@
           <a:p>
             <a:r>
               <a:rPr lang="en-US" smtClean="0"/>
-              <a:t>9th Annual Cytoscape Workshop: Developer Tutorial</a:t>
+              <a:t>10th Annual Cytoscape Workshop: Developer Tutorial</a:t>
             </a:r>
             <a:endParaRPr lang="en-US"/>
           </a:p>
@@ -1631,7 +1645,7 @@
           <a:p>
             <a:r>
               <a:rPr lang="en-US" smtClean="0"/>
-              <a:t>2012-12-14</a:t>
+              <a:t>2013-10-10</a:t>
             </a:r>
             <a:endParaRPr lang="en-US"/>
           </a:p>
@@ -1654,7 +1668,7 @@
           <a:p>
             <a:r>
               <a:rPr lang="en-US" smtClean="0"/>
-              <a:t>9th Annual Cytoscape Workshop: Developer Tutorial</a:t>
+              <a:t>10th Annual Cytoscape Workshop: Developer Tutorial</a:t>
             </a:r>
             <a:endParaRPr lang="en-US"/>
           </a:p>
@@ -1923,7 +1937,7 @@
           <a:p>
             <a:r>
               <a:rPr lang="en-US" smtClean="0"/>
-              <a:t>2012-12-14</a:t>
+              <a:t>2013-10-10</a:t>
             </a:r>
             <a:endParaRPr lang="en-US"/>
           </a:p>
@@ -1946,7 +1960,7 @@
           <a:p>
             <a:r>
               <a:rPr lang="en-US" smtClean="0"/>
-              <a:t>9th Annual Cytoscape Workshop: Developer Tutorial</a:t>
+              <a:t>10th Annual Cytoscape Workshop: Developer Tutorial</a:t>
             </a:r>
             <a:endParaRPr lang="en-US"/>
           </a:p>
@@ -2349,7 +2363,7 @@
           <a:p>
             <a:r>
               <a:rPr lang="en-US" smtClean="0"/>
-              <a:t>2012-12-14</a:t>
+              <a:t>2013-10-10</a:t>
             </a:r>
             <a:endParaRPr lang="en-US"/>
           </a:p>
@@ -2372,7 +2386,7 @@
           <a:p>
             <a:r>
               <a:rPr lang="en-US" smtClean="0"/>
-              <a:t>9th Annual Cytoscape Workshop: Developer Tutorial</a:t>
+              <a:t>10th Annual Cytoscape Workshop: Developer Tutorial</a:t>
             </a:r>
             <a:endParaRPr lang="en-US"/>
           </a:p>
@@ -2471,7 +2485,7 @@
           <a:p>
             <a:r>
               <a:rPr lang="en-US" smtClean="0"/>
-              <a:t>2012-12-14</a:t>
+              <a:t>2013-10-10</a:t>
             </a:r>
             <a:endParaRPr lang="en-US"/>
           </a:p>
@@ -2494,7 +2508,7 @@
           <a:p>
             <a:r>
               <a:rPr lang="en-US" smtClean="0"/>
-              <a:t>9th Annual Cytoscape Workshop: Developer Tutorial</a:t>
+              <a:t>10th Annual Cytoscape Workshop: Developer Tutorial</a:t>
             </a:r>
             <a:endParaRPr lang="en-US"/>
           </a:p>
@@ -2570,7 +2584,7 @@
           <a:p>
             <a:r>
               <a:rPr lang="en-US" smtClean="0"/>
-              <a:t>2012-12-14</a:t>
+              <a:t>2013-10-10</a:t>
             </a:r>
             <a:endParaRPr lang="en-US"/>
           </a:p>
@@ -2593,7 +2607,7 @@
           <a:p>
             <a:r>
               <a:rPr lang="en-US" smtClean="0"/>
-              <a:t>9th Annual Cytoscape Workshop: Developer Tutorial</a:t>
+              <a:t>10th Annual Cytoscape Workshop: Developer Tutorial</a:t>
             </a:r>
             <a:endParaRPr lang="en-US"/>
           </a:p>
@@ -2851,7 +2865,7 @@
           <a:p>
             <a:r>
               <a:rPr lang="en-US" smtClean="0"/>
-              <a:t>2012-12-14</a:t>
+              <a:t>2013-10-10</a:t>
             </a:r>
             <a:endParaRPr lang="en-US"/>
           </a:p>
@@ -2874,7 +2888,7 @@
           <a:p>
             <a:r>
               <a:rPr lang="en-US" smtClean="0"/>
-              <a:t>9th Annual Cytoscape Workshop: Developer Tutorial</a:t>
+              <a:t>10th Annual Cytoscape Workshop: Developer Tutorial</a:t>
             </a:r>
             <a:endParaRPr lang="en-US"/>
           </a:p>
@@ -3108,7 +3122,7 @@
           <a:p>
             <a:r>
               <a:rPr lang="en-US" smtClean="0"/>
-              <a:t>2012-12-14</a:t>
+              <a:t>2013-10-10</a:t>
             </a:r>
             <a:endParaRPr lang="en-US"/>
           </a:p>
@@ -3131,7 +3145,7 @@
           <a:p>
             <a:r>
               <a:rPr lang="en-US" smtClean="0"/>
-              <a:t>9th Annual Cytoscape Workshop: Developer Tutorial</a:t>
+              <a:t>10th Annual Cytoscape Workshop: Developer Tutorial</a:t>
             </a:r>
             <a:endParaRPr lang="en-US"/>
           </a:p>
@@ -3325,9 +3339,9 @@
           <a:p>
             <a:r>
               <a:rPr lang="en-US" smtClean="0"/>
-              <a:t>2012-12-14</a:t>
-            </a:r>
-            <a:endParaRPr lang="en-US"/>
+              <a:t>2013-10-10</a:t>
+            </a:r>
+            <a:endParaRPr lang="en-US" dirty="0"/>
           </a:p>
         </p:txBody>
       </p:sp>
@@ -3365,10 +3379,18 @@
           </a:lstStyle>
           <a:p>
             <a:r>
-              <a:rPr lang="en-US" smtClean="0"/>
-              <a:t>9th Annual Cytoscape Workshop: Developer Tutorial</a:t>
-            </a:r>
-            <a:endParaRPr lang="en-US"/>
+              <a:rPr lang="en-US" dirty="0" smtClean="0"/>
+              <a:t>10th Annual </a:t>
+            </a:r>
+            <a:r>
+              <a:rPr lang="en-US" dirty="0" err="1" smtClean="0"/>
+              <a:t>Cytoscape</a:t>
+            </a:r>
+            <a:r>
+              <a:rPr lang="en-US" dirty="0" smtClean="0"/>
+              <a:t> Workshop: Developer Tutorial</a:t>
+            </a:r>
+            <a:endParaRPr lang="en-US" dirty="0"/>
           </a:p>
         </p:txBody>
       </p:sp>
@@ -3712,7 +3734,7 @@
             <a:spLocks noGrp="1"/>
           </p:cNvSpPr>
           <p:nvPr>
-            <p:ph type="ctrTitle"/>
+            <p:ph type="title"/>
           </p:nvPr>
         </p:nvSpPr>
         <p:spPr/>
@@ -3722,7 +3744,7 @@
           <a:p>
             <a:r>
               <a:rPr lang="en-US" dirty="0" smtClean="0"/>
-              <a:t>Developer Tutorial</a:t>
+              <a:t>Prerequisites</a:t>
             </a:r>
             <a:endParaRPr lang="en-US" dirty="0"/>
           </a:p>
@@ -3730,94 +3752,241 @@
       </p:sp>
       <p:sp>
         <p:nvSpPr>
-          <p:cNvPr id="3" name="Subtitle 2"/>
+          <p:cNvPr id="3" name="Content Placeholder 2"/>
           <p:cNvSpPr>
             <a:spLocks noGrp="1"/>
           </p:cNvSpPr>
           <p:nvPr>
-            <p:ph type="subTitle" idx="1"/>
+            <p:ph idx="1"/>
           </p:nvPr>
         </p:nvSpPr>
         <p:spPr/>
         <p:txBody>
           <a:bodyPr>
-            <a:normAutofit fontScale="70000" lnSpcReduction="20000"/>
+            <a:normAutofit fontScale="85000" lnSpcReduction="20000"/>
           </a:bodyPr>
           <a:lstStyle/>
           <a:p>
             <a:r>
-              <a:rPr lang="en-US" b="1" dirty="0" smtClean="0"/>
-              <a:t>Jason Montojo</a:t>
-            </a:r>
-          </a:p>
-          <a:p>
+              <a:rPr lang="en-US" dirty="0"/>
+              <a:t>Java </a:t>
+            </a:r>
             <a:r>
               <a:rPr lang="en-US" dirty="0" smtClean="0"/>
-              <a:t>University of Toronto</a:t>
-            </a:r>
-          </a:p>
-          <a:p>
+              <a:t>6</a:t>
+            </a:r>
+          </a:p>
+          <a:p>
+            <a:pPr lvl="1"/>
+            <a:r>
+              <a:rPr lang="en-US" smtClean="0"/>
+              <a:t>Java </a:t>
+            </a:r>
+            <a:r>
+              <a:rPr lang="en-US" smtClean="0"/>
+              <a:t>7 </a:t>
+            </a:r>
+            <a:r>
+              <a:rPr lang="en-US" dirty="0" smtClean="0"/>
+              <a:t>works, but unstable on </a:t>
+            </a:r>
+            <a:r>
+              <a:rPr lang="en-US" smtClean="0"/>
+              <a:t>latest Ubuntu</a:t>
+            </a:r>
             <a:endParaRPr lang="en-US" dirty="0" smtClean="0"/>
           </a:p>
           <a:p>
             <a:r>
-              <a:rPr lang="en-US" b="1" dirty="0" smtClean="0"/>
-              <a:t>9</a:t>
-            </a:r>
-            <a:r>
-              <a:rPr lang="en-US" b="1" baseline="30000" dirty="0" smtClean="0"/>
-              <a:t>th</a:t>
-            </a:r>
-            <a:r>
-              <a:rPr lang="en-US" b="1" dirty="0" smtClean="0"/>
-              <a:t> Annual </a:t>
-            </a:r>
-            <a:r>
-              <a:rPr lang="en-US" b="1" dirty="0" err="1" smtClean="0"/>
+              <a:rPr lang="en-US" dirty="0" err="1" smtClean="0"/>
               <a:t>Cytoscape</a:t>
             </a:r>
             <a:r>
-              <a:rPr lang="en-US" b="1" dirty="0" smtClean="0"/>
-              <a:t> Workshop</a:t>
-            </a:r>
-          </a:p>
-          <a:p>
-            <a:r>
               <a:rPr lang="en-US" dirty="0" smtClean="0"/>
-              <a:t>December 13-14 2012, UCSF</a:t>
+              <a:t> </a:t>
+            </a:r>
+            <a:r>
+              <a:rPr lang="en-US" dirty="0" smtClean="0"/>
+              <a:t>3.0.X</a:t>
+            </a:r>
+            <a:endParaRPr lang="en-US" dirty="0" smtClean="0"/>
+          </a:p>
+          <a:p>
+            <a:pPr lvl="1"/>
+            <a:r>
+              <a:rPr lang="en-US" dirty="0">
+                <a:hlinkClick r:id="rId2"/>
+              </a:rPr>
+              <a:t>http://chianti.ucsd.edu/cytoscape-</a:t>
+            </a:r>
+            <a:r>
+              <a:rPr lang="en-US" dirty="0" smtClean="0">
+                <a:hlinkClick r:id="rId2"/>
+              </a:rPr>
+              <a:t>3.0.2/</a:t>
+            </a:r>
+            <a:endParaRPr lang="en-US" dirty="0" smtClean="0"/>
+          </a:p>
+          <a:p>
+            <a:r>
+              <a:rPr lang="en-US" dirty="0" smtClean="0"/>
+              <a:t>Maven </a:t>
+            </a:r>
+            <a:r>
+              <a:rPr lang="en-US" dirty="0" smtClean="0"/>
+              <a:t>3.0.X</a:t>
+            </a:r>
+            <a:endParaRPr lang="en-US" dirty="0" smtClean="0"/>
+          </a:p>
+          <a:p>
+            <a:pPr lvl="1"/>
+            <a:r>
+              <a:rPr lang="en-US" dirty="0" smtClean="0"/>
+              <a:t>Build </a:t>
+            </a:r>
+            <a:r>
+              <a:rPr lang="en-US" dirty="0" smtClean="0"/>
+              <a:t>system</a:t>
+            </a:r>
+          </a:p>
+          <a:p>
+            <a:pPr lvl="1"/>
+            <a:r>
+              <a:rPr lang="en-US" dirty="0" smtClean="0"/>
+              <a:t>Don’t get 3.1.X (not fully tested)</a:t>
+            </a:r>
+            <a:endParaRPr lang="en-US" dirty="0" smtClean="0"/>
+          </a:p>
+          <a:p>
+            <a:pPr lvl="1"/>
+            <a:r>
+              <a:rPr lang="en-US" dirty="0">
+                <a:hlinkClick r:id="rId3"/>
+              </a:rPr>
+              <a:t>http://maven.apache.org/</a:t>
+            </a:r>
+            <a:r>
+              <a:rPr lang="en-US" dirty="0" smtClean="0">
+                <a:hlinkClick r:id="rId3"/>
+              </a:rPr>
+              <a:t>download.html</a:t>
+            </a:r>
+            <a:endParaRPr lang="en-US" dirty="0" smtClean="0"/>
+          </a:p>
+          <a:p>
+            <a:r>
+              <a:rPr lang="en-US" dirty="0" smtClean="0"/>
+              <a:t>Starter </a:t>
+            </a:r>
+            <a:r>
+              <a:rPr lang="en-US" dirty="0" smtClean="0"/>
+              <a:t>code</a:t>
+            </a:r>
+            <a:endParaRPr lang="en-US" dirty="0" smtClean="0"/>
+          </a:p>
+          <a:p>
+            <a:pPr lvl="1"/>
+            <a:r>
+              <a:rPr lang="en-US" dirty="0">
+                <a:hlinkClick r:id="rId4"/>
+              </a:rPr>
+              <a:t>http://tinyurl.com/cy3-</a:t>
+            </a:r>
+            <a:r>
+              <a:rPr lang="en-US" dirty="0" smtClean="0">
+                <a:hlinkClick r:id="rId4"/>
+              </a:rPr>
+              <a:t>tutorial</a:t>
             </a:r>
             <a:endParaRPr lang="en-US" dirty="0"/>
           </a:p>
-        </p:txBody>
-      </p:sp>
-      <p:pic>
-        <p:nvPicPr>
-          <p:cNvPr id="4" name="Picture 3"/>
-          <p:cNvPicPr>
-            <a:picLocks noChangeAspect="1"/>
-          </p:cNvPicPr>
-          <p:nvPr/>
-        </p:nvPicPr>
-        <p:blipFill>
-          <a:blip r:embed="rId2"/>
-          <a:stretch>
-            <a:fillRect/>
-          </a:stretch>
-        </p:blipFill>
-        <p:spPr>
-          <a:xfrm>
-            <a:off x="1571822" y="251189"/>
-            <a:ext cx="6011736" cy="2157956"/>
-          </a:xfrm>
-          <a:prstGeom prst="rect">
-            <a:avLst/>
-          </a:prstGeom>
-        </p:spPr>
-      </p:pic>
+          <a:p>
+            <a:pPr lvl="1"/>
+            <a:r>
+              <a:rPr lang="en-US" dirty="0" smtClean="0"/>
+              <a:t>Click on “Download ZIP” </a:t>
+            </a:r>
+            <a:r>
+              <a:rPr lang="en-US" dirty="0" smtClean="0"/>
+              <a:t>in right sidebar</a:t>
+            </a:r>
+            <a:endParaRPr lang="en-US" dirty="0" smtClean="0"/>
+          </a:p>
+        </p:txBody>
+      </p:sp>
+      <p:sp>
+        <p:nvSpPr>
+          <p:cNvPr id="4" name="Date Placeholder 3"/>
+          <p:cNvSpPr>
+            <a:spLocks noGrp="1"/>
+          </p:cNvSpPr>
+          <p:nvPr>
+            <p:ph type="dt" sz="half" idx="10"/>
+          </p:nvPr>
+        </p:nvSpPr>
+        <p:spPr/>
+        <p:txBody>
+          <a:bodyPr/>
+          <a:lstStyle/>
+          <a:p>
+            <a:r>
+              <a:rPr lang="en-US" smtClean="0"/>
+              <a:t>2013-10-10</a:t>
+            </a:r>
+            <a:endParaRPr lang="en-US"/>
+          </a:p>
+        </p:txBody>
+      </p:sp>
+      <p:sp>
+        <p:nvSpPr>
+          <p:cNvPr id="5" name="Footer Placeholder 4"/>
+          <p:cNvSpPr>
+            <a:spLocks noGrp="1"/>
+          </p:cNvSpPr>
+          <p:nvPr>
+            <p:ph type="ftr" sz="quarter" idx="11"/>
+          </p:nvPr>
+        </p:nvSpPr>
+        <p:spPr/>
+        <p:txBody>
+          <a:bodyPr/>
+          <a:lstStyle/>
+          <a:p>
+            <a:r>
+              <a:rPr lang="en-US" smtClean="0"/>
+              <a:t>10th Annual Cytoscape Workshop: Developer Tutorial</a:t>
+            </a:r>
+            <a:endParaRPr lang="en-US"/>
+          </a:p>
+        </p:txBody>
+      </p:sp>
+      <p:sp>
+        <p:nvSpPr>
+          <p:cNvPr id="6" name="Slide Number Placeholder 5"/>
+          <p:cNvSpPr>
+            <a:spLocks noGrp="1"/>
+          </p:cNvSpPr>
+          <p:nvPr>
+            <p:ph type="sldNum" sz="quarter" idx="12"/>
+          </p:nvPr>
+        </p:nvSpPr>
+        <p:spPr/>
+        <p:txBody>
+          <a:bodyPr/>
+          <a:lstStyle/>
+          <a:p>
+            <a:fld id="{C95C7C89-7756-A247-827B-20C7D5DE1444}" type="slidenum">
+              <a:rPr lang="en-US" smtClean="0"/>
+              <a:t>1</a:t>
+            </a:fld>
+            <a:endParaRPr lang="en-US"/>
+          </a:p>
+        </p:txBody>
+      </p:sp>
     </p:spTree>
     <p:extLst>
       <p:ext uri="{BB962C8B-B14F-4D97-AF65-F5344CB8AC3E}">
-        <p14:creationId xmlns:p14="http://schemas.microsoft.com/office/powerpoint/2010/main" val="836463017"/>
+        <p14:creationId xmlns:p14="http://schemas.microsoft.com/office/powerpoint/2010/main" val="3702379997"/>
       </p:ext>
     </p:extLst>
   </p:cSld>
@@ -3827,9 +3996,448 @@
   <p:timing>
     <p:tnLst>
       <p:par>
-        <p:cTn xmlns:p14="http://schemas.microsoft.com/office/powerpoint/2010/main" id="1" dur="indefinite" restart="never" nodeType="tmRoot"/>
+        <p:cTn xmlns:p14="http://schemas.microsoft.com/office/powerpoint/2010/main" id="1" dur="indefinite" restart="never" nodeType="tmRoot">
+          <p:childTnLst>
+            <p:seq concurrent="1" nextAc="seek">
+              <p:cTn id="2" dur="indefinite" nodeType="mainSeq">
+                <p:childTnLst>
+                  <p:par>
+                    <p:cTn id="3" fill="hold">
+                      <p:stCondLst>
+                        <p:cond delay="indefinite"/>
+                      </p:stCondLst>
+                      <p:childTnLst>
+                        <p:par>
+                          <p:cTn id="4" fill="hold">
+                            <p:stCondLst>
+                              <p:cond delay="0"/>
+                            </p:stCondLst>
+                            <p:childTnLst>
+                              <p:par>
+                                <p:cTn id="5" presetID="1" presetClass="entr" presetSubtype="0" fill="hold" grpId="0" nodeType="clickEffect">
+                                  <p:stCondLst>
+                                    <p:cond delay="0"/>
+                                  </p:stCondLst>
+                                  <p:childTnLst>
+                                    <p:set>
+                                      <p:cBhvr>
+                                        <p:cTn id="6" dur="1" fill="hold">
+                                          <p:stCondLst>
+                                            <p:cond delay="0"/>
+                                          </p:stCondLst>
+                                        </p:cTn>
+                                        <p:tgtEl>
+                                          <p:spTgt spid="3">
+                                            <p:txEl>
+                                              <p:pRg st="0" end="0"/>
+                                            </p:txEl>
+                                          </p:spTgt>
+                                        </p:tgtEl>
+                                        <p:attrNameLst>
+                                          <p:attrName>style.visibility</p:attrName>
+                                        </p:attrNameLst>
+                                      </p:cBhvr>
+                                      <p:to>
+                                        <p:strVal val="visible"/>
+                                      </p:to>
+                                    </p:set>
+                                  </p:childTnLst>
+                                </p:cTn>
+                              </p:par>
+                              <p:par>
+                                <p:cTn id="7" presetID="1" presetClass="entr" presetSubtype="0" fill="hold" grpId="0" nodeType="withEffect">
+                                  <p:stCondLst>
+                                    <p:cond delay="0"/>
+                                  </p:stCondLst>
+                                  <p:childTnLst>
+                                    <p:set>
+                                      <p:cBhvr>
+                                        <p:cTn id="8" dur="1" fill="hold">
+                                          <p:stCondLst>
+                                            <p:cond delay="0"/>
+                                          </p:stCondLst>
+                                        </p:cTn>
+                                        <p:tgtEl>
+                                          <p:spTgt spid="3">
+                                            <p:txEl>
+                                              <p:pRg st="1" end="1"/>
+                                            </p:txEl>
+                                          </p:spTgt>
+                                        </p:tgtEl>
+                                        <p:attrNameLst>
+                                          <p:attrName>style.visibility</p:attrName>
+                                        </p:attrNameLst>
+                                      </p:cBhvr>
+                                      <p:to>
+                                        <p:strVal val="visible"/>
+                                      </p:to>
+                                    </p:set>
+                                  </p:childTnLst>
+                                </p:cTn>
+                              </p:par>
+                            </p:childTnLst>
+                          </p:cTn>
+                        </p:par>
+                      </p:childTnLst>
+                    </p:cTn>
+                  </p:par>
+                  <p:par>
+                    <p:cTn id="9" fill="hold">
+                      <p:stCondLst>
+                        <p:cond delay="indefinite"/>
+                      </p:stCondLst>
+                      <p:childTnLst>
+                        <p:par>
+                          <p:cTn id="10" fill="hold">
+                            <p:stCondLst>
+                              <p:cond delay="0"/>
+                            </p:stCondLst>
+                            <p:childTnLst>
+                              <p:par>
+                                <p:cTn id="11" presetID="1" presetClass="entr" presetSubtype="0" fill="hold" grpId="0" nodeType="clickEffect">
+                                  <p:stCondLst>
+                                    <p:cond delay="0"/>
+                                  </p:stCondLst>
+                                  <p:childTnLst>
+                                    <p:set>
+                                      <p:cBhvr>
+                                        <p:cTn id="12" dur="1" fill="hold">
+                                          <p:stCondLst>
+                                            <p:cond delay="0"/>
+                                          </p:stCondLst>
+                                        </p:cTn>
+                                        <p:tgtEl>
+                                          <p:spTgt spid="3">
+                                            <p:txEl>
+                                              <p:pRg st="2" end="2"/>
+                                            </p:txEl>
+                                          </p:spTgt>
+                                        </p:tgtEl>
+                                        <p:attrNameLst>
+                                          <p:attrName>style.visibility</p:attrName>
+                                        </p:attrNameLst>
+                                      </p:cBhvr>
+                                      <p:to>
+                                        <p:strVal val="visible"/>
+                                      </p:to>
+                                    </p:set>
+                                  </p:childTnLst>
+                                </p:cTn>
+                              </p:par>
+                              <p:par>
+                                <p:cTn id="13" presetID="1" presetClass="entr" presetSubtype="0" fill="hold" grpId="0" nodeType="withEffect">
+                                  <p:stCondLst>
+                                    <p:cond delay="0"/>
+                                  </p:stCondLst>
+                                  <p:childTnLst>
+                                    <p:set>
+                                      <p:cBhvr>
+                                        <p:cTn id="14" dur="1" fill="hold">
+                                          <p:stCondLst>
+                                            <p:cond delay="0"/>
+                                          </p:stCondLst>
+                                        </p:cTn>
+                                        <p:tgtEl>
+                                          <p:spTgt spid="3">
+                                            <p:txEl>
+                                              <p:pRg st="3" end="3"/>
+                                            </p:txEl>
+                                          </p:spTgt>
+                                        </p:tgtEl>
+                                        <p:attrNameLst>
+                                          <p:attrName>style.visibility</p:attrName>
+                                        </p:attrNameLst>
+                                      </p:cBhvr>
+                                      <p:to>
+                                        <p:strVal val="visible"/>
+                                      </p:to>
+                                    </p:set>
+                                  </p:childTnLst>
+                                </p:cTn>
+                              </p:par>
+                            </p:childTnLst>
+                          </p:cTn>
+                        </p:par>
+                      </p:childTnLst>
+                    </p:cTn>
+                  </p:par>
+                  <p:par>
+                    <p:cTn id="15" fill="hold">
+                      <p:stCondLst>
+                        <p:cond delay="indefinite"/>
+                      </p:stCondLst>
+                      <p:childTnLst>
+                        <p:par>
+                          <p:cTn id="16" fill="hold">
+                            <p:stCondLst>
+                              <p:cond delay="0"/>
+                            </p:stCondLst>
+                            <p:childTnLst>
+                              <p:par>
+                                <p:cTn id="17" presetID="1" presetClass="entr" presetSubtype="0" fill="hold" grpId="0" nodeType="clickEffect">
+                                  <p:stCondLst>
+                                    <p:cond delay="0"/>
+                                  </p:stCondLst>
+                                  <p:childTnLst>
+                                    <p:set>
+                                      <p:cBhvr>
+                                        <p:cTn id="18" dur="1" fill="hold">
+                                          <p:stCondLst>
+                                            <p:cond delay="0"/>
+                                          </p:stCondLst>
+                                        </p:cTn>
+                                        <p:tgtEl>
+                                          <p:spTgt spid="3">
+                                            <p:txEl>
+                                              <p:pRg st="4" end="4"/>
+                                            </p:txEl>
+                                          </p:spTgt>
+                                        </p:tgtEl>
+                                        <p:attrNameLst>
+                                          <p:attrName>style.visibility</p:attrName>
+                                        </p:attrNameLst>
+                                      </p:cBhvr>
+                                      <p:to>
+                                        <p:strVal val="visible"/>
+                                      </p:to>
+                                    </p:set>
+                                  </p:childTnLst>
+                                </p:cTn>
+                              </p:par>
+                              <p:par>
+                                <p:cTn id="19" presetID="1" presetClass="entr" presetSubtype="0" fill="hold" grpId="0" nodeType="withEffect">
+                                  <p:stCondLst>
+                                    <p:cond delay="0"/>
+                                  </p:stCondLst>
+                                  <p:childTnLst>
+                                    <p:set>
+                                      <p:cBhvr>
+                                        <p:cTn id="20" dur="1" fill="hold">
+                                          <p:stCondLst>
+                                            <p:cond delay="0"/>
+                                          </p:stCondLst>
+                                        </p:cTn>
+                                        <p:tgtEl>
+                                          <p:spTgt spid="3">
+                                            <p:txEl>
+                                              <p:pRg st="5" end="5"/>
+                                            </p:txEl>
+                                          </p:spTgt>
+                                        </p:tgtEl>
+                                        <p:attrNameLst>
+                                          <p:attrName>style.visibility</p:attrName>
+                                        </p:attrNameLst>
+                                      </p:cBhvr>
+                                      <p:to>
+                                        <p:strVal val="visible"/>
+                                      </p:to>
+                                    </p:set>
+                                  </p:childTnLst>
+                                </p:cTn>
+                              </p:par>
+                              <p:par>
+                                <p:cTn id="21" presetID="1" presetClass="entr" presetSubtype="0" fill="hold" grpId="0" nodeType="withEffect">
+                                  <p:stCondLst>
+                                    <p:cond delay="0"/>
+                                  </p:stCondLst>
+                                  <p:childTnLst>
+                                    <p:set>
+                                      <p:cBhvr>
+                                        <p:cTn id="22" dur="1" fill="hold">
+                                          <p:stCondLst>
+                                            <p:cond delay="0"/>
+                                          </p:stCondLst>
+                                        </p:cTn>
+                                        <p:tgtEl>
+                                          <p:spTgt spid="3">
+                                            <p:txEl>
+                                              <p:pRg st="6" end="6"/>
+                                            </p:txEl>
+                                          </p:spTgt>
+                                        </p:tgtEl>
+                                        <p:attrNameLst>
+                                          <p:attrName>style.visibility</p:attrName>
+                                        </p:attrNameLst>
+                                      </p:cBhvr>
+                                      <p:to>
+                                        <p:strVal val="visible"/>
+                                      </p:to>
+                                    </p:set>
+                                  </p:childTnLst>
+                                </p:cTn>
+                              </p:par>
+                              <p:par>
+                                <p:cTn id="23" presetID="1" presetClass="entr" presetSubtype="0" fill="hold" grpId="0" nodeType="withEffect">
+                                  <p:stCondLst>
+                                    <p:cond delay="0"/>
+                                  </p:stCondLst>
+                                  <p:childTnLst>
+                                    <p:set>
+                                      <p:cBhvr>
+                                        <p:cTn id="24" dur="1" fill="hold">
+                                          <p:stCondLst>
+                                            <p:cond delay="0"/>
+                                          </p:stCondLst>
+                                        </p:cTn>
+                                        <p:tgtEl>
+                                          <p:spTgt spid="3">
+                                            <p:txEl>
+                                              <p:pRg st="7" end="7"/>
+                                            </p:txEl>
+                                          </p:spTgt>
+                                        </p:tgtEl>
+                                        <p:attrNameLst>
+                                          <p:attrName>style.visibility</p:attrName>
+                                        </p:attrNameLst>
+                                      </p:cBhvr>
+                                      <p:to>
+                                        <p:strVal val="visible"/>
+                                      </p:to>
+                                    </p:set>
+                                  </p:childTnLst>
+                                </p:cTn>
+                              </p:par>
+                            </p:childTnLst>
+                          </p:cTn>
+                        </p:par>
+                      </p:childTnLst>
+                    </p:cTn>
+                  </p:par>
+                  <p:par>
+                    <p:cTn id="25" fill="hold">
+                      <p:stCondLst>
+                        <p:cond delay="indefinite"/>
+                      </p:stCondLst>
+                      <p:childTnLst>
+                        <p:par>
+                          <p:cTn id="26" fill="hold">
+                            <p:stCondLst>
+                              <p:cond delay="0"/>
+                            </p:stCondLst>
+                            <p:childTnLst>
+                              <p:par>
+                                <p:cTn id="27" presetID="1" presetClass="entr" presetSubtype="0" fill="hold" grpId="0" nodeType="clickEffect">
+                                  <p:stCondLst>
+                                    <p:cond delay="0"/>
+                                  </p:stCondLst>
+                                  <p:childTnLst>
+                                    <p:set>
+                                      <p:cBhvr>
+                                        <p:cTn id="28" dur="1" fill="hold">
+                                          <p:stCondLst>
+                                            <p:cond delay="0"/>
+                                          </p:stCondLst>
+                                        </p:cTn>
+                                        <p:tgtEl>
+                                          <p:spTgt spid="3">
+                                            <p:txEl>
+                                              <p:pRg st="8" end="8"/>
+                                            </p:txEl>
+                                          </p:spTgt>
+                                        </p:tgtEl>
+                                        <p:attrNameLst>
+                                          <p:attrName>style.visibility</p:attrName>
+                                        </p:attrNameLst>
+                                      </p:cBhvr>
+                                      <p:to>
+                                        <p:strVal val="visible"/>
+                                      </p:to>
+                                    </p:set>
+                                  </p:childTnLst>
+                                </p:cTn>
+                              </p:par>
+                              <p:par>
+                                <p:cTn id="29" presetID="1" presetClass="entr" presetSubtype="0" fill="hold" grpId="0" nodeType="withEffect">
+                                  <p:stCondLst>
+                                    <p:cond delay="0"/>
+                                  </p:stCondLst>
+                                  <p:childTnLst>
+                                    <p:set>
+                                      <p:cBhvr>
+                                        <p:cTn id="30" dur="1" fill="hold">
+                                          <p:stCondLst>
+                                            <p:cond delay="0"/>
+                                          </p:stCondLst>
+                                        </p:cTn>
+                                        <p:tgtEl>
+                                          <p:spTgt spid="3">
+                                            <p:txEl>
+                                              <p:pRg st="9" end="9"/>
+                                            </p:txEl>
+                                          </p:spTgt>
+                                        </p:tgtEl>
+                                        <p:attrNameLst>
+                                          <p:attrName>style.visibility</p:attrName>
+                                        </p:attrNameLst>
+                                      </p:cBhvr>
+                                      <p:to>
+                                        <p:strVal val="visible"/>
+                                      </p:to>
+                                    </p:set>
+                                  </p:childTnLst>
+                                </p:cTn>
+                              </p:par>
+                              <p:par>
+                                <p:cTn id="31" presetID="1" presetClass="entr" presetSubtype="0" fill="hold" grpId="0" nodeType="withEffect">
+                                  <p:stCondLst>
+                                    <p:cond delay="0"/>
+                                  </p:stCondLst>
+                                  <p:childTnLst>
+                                    <p:set>
+                                      <p:cBhvr>
+                                        <p:cTn id="32" dur="1" fill="hold">
+                                          <p:stCondLst>
+                                            <p:cond delay="0"/>
+                                          </p:stCondLst>
+                                        </p:cTn>
+                                        <p:tgtEl>
+                                          <p:spTgt spid="3">
+                                            <p:txEl>
+                                              <p:pRg st="10" end="10"/>
+                                            </p:txEl>
+                                          </p:spTgt>
+                                        </p:tgtEl>
+                                        <p:attrNameLst>
+                                          <p:attrName>style.visibility</p:attrName>
+                                        </p:attrNameLst>
+                                      </p:cBhvr>
+                                      <p:to>
+                                        <p:strVal val="visible"/>
+                                      </p:to>
+                                    </p:set>
+                                  </p:childTnLst>
+                                </p:cTn>
+                              </p:par>
+                            </p:childTnLst>
+                          </p:cTn>
+                        </p:par>
+                      </p:childTnLst>
+                    </p:cTn>
+                  </p:par>
+                </p:childTnLst>
+              </p:cTn>
+              <p:prevCondLst>
+                <p:cond evt="onPrev" delay="0">
+                  <p:tgtEl>
+                    <p:sldTgt/>
+                  </p:tgtEl>
+                </p:cond>
+              </p:prevCondLst>
+              <p:nextCondLst>
+                <p:cond evt="onNext" delay="0">
+                  <p:tgtEl>
+                    <p:sldTgt/>
+                  </p:tgtEl>
+                </p:cond>
+              </p:nextCondLst>
+            </p:seq>
+          </p:childTnLst>
+        </p:cTn>
       </p:par>
     </p:tnLst>
+    <p:bldLst>
+      <p:bldP spid="3" grpId="0" build="p"/>
+    </p:bldLst>
   </p:timing>
 </p:sld>
 </file>
@@ -3983,7 +4591,7 @@
           <a:p>
             <a:r>
               <a:rPr lang="en-US" smtClean="0"/>
-              <a:t>2012-12-14</a:t>
+              <a:t>2013-10-10</a:t>
             </a:r>
             <a:endParaRPr lang="en-US"/>
           </a:p>
@@ -4006,7 +4614,7 @@
           <a:p>
             <a:r>
               <a:rPr lang="en-US" smtClean="0"/>
-              <a:t>9th Annual Cytoscape Workshop: Developer Tutorial</a:t>
+              <a:t>10th Annual Cytoscape Workshop: Developer Tutorial</a:t>
             </a:r>
             <a:endParaRPr lang="en-US"/>
           </a:p>
@@ -4300,7 +4908,6 @@
               <a:rPr lang="en-US" dirty="0" smtClean="0"/>
               <a:t> gradient</a:t>
             </a:r>
-            <a:endParaRPr lang="en-US" dirty="0" smtClean="0"/>
           </a:p>
           <a:p>
             <a:pPr lvl="2"/>
@@ -4332,7 +4939,7 @@
           <a:p>
             <a:r>
               <a:rPr lang="en-US" smtClean="0"/>
-              <a:t>2012-12-14</a:t>
+              <a:t>2013-10-10</a:t>
             </a:r>
             <a:endParaRPr lang="en-US"/>
           </a:p>
@@ -4355,7 +4962,7 @@
           <a:p>
             <a:r>
               <a:rPr lang="en-US" smtClean="0"/>
-              <a:t>9th Annual Cytoscape Workshop: Developer Tutorial</a:t>
+              <a:t>10th Annual Cytoscape Workshop: Developer Tutorial</a:t>
             </a:r>
             <a:endParaRPr lang="en-US"/>
           </a:p>
@@ -5045,7 +5652,6 @@
               <a:rPr lang="en-US" dirty="0" smtClean="0"/>
               <a:t> is determined for a View:</a:t>
             </a:r>
-            <a:endParaRPr lang="en-US" dirty="0" smtClean="0"/>
           </a:p>
           <a:p>
             <a:pPr marL="914400" lvl="1" indent="-514350">
@@ -5136,7 +5742,7 @@
           <a:p>
             <a:r>
               <a:rPr lang="en-US" smtClean="0"/>
-              <a:t>2012-12-14</a:t>
+              <a:t>2013-10-10</a:t>
             </a:r>
             <a:endParaRPr lang="en-US"/>
           </a:p>
@@ -5159,7 +5765,7 @@
           <a:p>
             <a:r>
               <a:rPr lang="en-US" smtClean="0"/>
-              <a:t>9th Annual Cytoscape Workshop: Developer Tutorial</a:t>
+              <a:t>10th Annual Cytoscape Workshop: Developer Tutorial</a:t>
             </a:r>
             <a:endParaRPr lang="en-US"/>
           </a:p>
@@ -5604,7 +6210,7 @@
           <a:p>
             <a:r>
               <a:rPr lang="en-US" smtClean="0"/>
-              <a:t>2012-12-14</a:t>
+              <a:t>2013-10-10</a:t>
             </a:r>
             <a:endParaRPr lang="en-US"/>
           </a:p>
@@ -5627,7 +6233,7 @@
           <a:p>
             <a:r>
               <a:rPr lang="en-US" smtClean="0"/>
-              <a:t>9th Annual Cytoscape Workshop: Developer Tutorial</a:t>
+              <a:t>10th Annual Cytoscape Workshop: Developer Tutorial</a:t>
             </a:r>
             <a:endParaRPr lang="en-US"/>
           </a:p>
@@ -6583,13 +7189,8 @@
             <a:pPr lvl="1"/>
             <a:r>
               <a:rPr lang="en-US" dirty="0" smtClean="0"/>
-              <a:t>Triggered when bundle is </a:t>
-            </a:r>
-            <a:r>
-              <a:rPr lang="en-US" dirty="0" smtClean="0"/>
-              <a:t>started/stopped</a:t>
-            </a:r>
-            <a:endParaRPr lang="en-US" dirty="0" smtClean="0"/>
+              <a:t>Triggered when bundle is started/stopped</a:t>
+            </a:r>
           </a:p>
         </p:txBody>
       </p:sp>
@@ -6610,7 +7211,7 @@
           <a:p>
             <a:r>
               <a:rPr lang="en-US" smtClean="0"/>
-              <a:t>2012-12-14</a:t>
+              <a:t>2013-10-10</a:t>
             </a:r>
             <a:endParaRPr lang="en-US"/>
           </a:p>
@@ -6633,7 +7234,7 @@
           <a:p>
             <a:r>
               <a:rPr lang="en-US" smtClean="0"/>
-              <a:t>9th Annual Cytoscape Workshop: Developer Tutorial</a:t>
+              <a:t>10th Annual Cytoscape Workshop: Developer Tutorial</a:t>
             </a:r>
             <a:endParaRPr lang="en-US"/>
           </a:p>
@@ -7563,7 +8164,7 @@
           <a:p>
             <a:r>
               <a:rPr lang="en-US" smtClean="0"/>
-              <a:t>2012-12-14</a:t>
+              <a:t>2013-10-10</a:t>
             </a:r>
             <a:endParaRPr lang="en-US"/>
           </a:p>
@@ -7586,7 +8187,7 @@
           <a:p>
             <a:r>
               <a:rPr lang="en-US" smtClean="0"/>
-              <a:t>9th Annual Cytoscape Workshop: Developer Tutorial</a:t>
+              <a:t>10th Annual Cytoscape Workshop: Developer Tutorial</a:t>
             </a:r>
             <a:endParaRPr lang="en-US"/>
           </a:p>
@@ -8300,7 +8901,7 @@
           <a:p>
             <a:r>
               <a:rPr lang="en-US" smtClean="0"/>
-              <a:t>2012-12-14</a:t>
+              <a:t>2013-10-10</a:t>
             </a:r>
             <a:endParaRPr lang="en-US"/>
           </a:p>
@@ -8323,7 +8924,7 @@
           <a:p>
             <a:r>
               <a:rPr lang="en-US" smtClean="0"/>
-              <a:t>9th Annual Cytoscape Workshop: Developer Tutorial</a:t>
+              <a:t>10th Annual Cytoscape Workshop: Developer Tutorial</a:t>
             </a:r>
             <a:endParaRPr lang="en-US"/>
           </a:p>
@@ -8801,7 +9402,7 @@
           <a:p>
             <a:r>
               <a:rPr lang="en-US" smtClean="0"/>
-              <a:t>2012-12-14</a:t>
+              <a:t>2013-10-10</a:t>
             </a:r>
             <a:endParaRPr lang="en-US"/>
           </a:p>
@@ -8824,7 +9425,7 @@
           <a:p>
             <a:r>
               <a:rPr lang="en-US" smtClean="0"/>
-              <a:t>9th Annual Cytoscape Workshop: Developer Tutorial</a:t>
+              <a:t>10th Annual Cytoscape Workshop: Developer Tutorial</a:t>
             </a:r>
             <a:endParaRPr lang="en-US"/>
           </a:p>
@@ -9498,7 +10099,7 @@
           <a:p>
             <a:r>
               <a:rPr lang="en-US" smtClean="0"/>
-              <a:t>2012-12-14</a:t>
+              <a:t>2013-10-10</a:t>
             </a:r>
             <a:endParaRPr lang="en-US"/>
           </a:p>
@@ -9521,7 +10122,7 @@
           <a:p>
             <a:r>
               <a:rPr lang="en-US" smtClean="0"/>
-              <a:t>9th Annual Cytoscape Workshop: Developer Tutorial</a:t>
+              <a:t>10th Annual Cytoscape Workshop: Developer Tutorial</a:t>
             </a:r>
             <a:endParaRPr lang="en-US"/>
           </a:p>
@@ -9664,11 +10265,7 @@
             <a:pPr lvl="2"/>
             <a:r>
               <a:rPr lang="en-US" dirty="0" smtClean="0"/>
-              <a:t>No </a:t>
-            </a:r>
-            <a:r>
-              <a:rPr lang="en-US" dirty="0" smtClean="0"/>
-              <a:t>exports</a:t>
+              <a:t>No exports</a:t>
             </a:r>
           </a:p>
           <a:p>
@@ -9690,7 +10287,6 @@
               <a:rPr lang="en-US" dirty="0" smtClean="0"/>
               <a:t>Console application, for scripts</a:t>
             </a:r>
-            <a:endParaRPr lang="en-US" dirty="0" smtClean="0"/>
           </a:p>
         </p:txBody>
       </p:sp>
@@ -9711,7 +10307,7 @@
           <a:p>
             <a:r>
               <a:rPr lang="en-US" smtClean="0"/>
-              <a:t>2012-12-14</a:t>
+              <a:t>2013-10-10</a:t>
             </a:r>
             <a:endParaRPr lang="en-US"/>
           </a:p>
@@ -9734,7 +10330,7 @@
           <a:p>
             <a:r>
               <a:rPr lang="en-US" smtClean="0"/>
-              <a:t>9th Annual Cytoscape Workshop: Developer Tutorial</a:t>
+              <a:t>10th Annual Cytoscape Workshop: Developer Tutorial</a:t>
             </a:r>
             <a:endParaRPr lang="en-US"/>
           </a:p>
@@ -10647,7 +11243,7 @@
             <a:spLocks noGrp="1"/>
           </p:cNvSpPr>
           <p:nvPr>
-            <p:ph type="title"/>
+            <p:ph type="ctrTitle"/>
           </p:nvPr>
         </p:nvSpPr>
         <p:spPr/>
@@ -10657,7 +11253,7 @@
           <a:p>
             <a:r>
               <a:rPr lang="en-US" dirty="0" smtClean="0"/>
-              <a:t>Overview</a:t>
+              <a:t>Developer Tutorial</a:t>
             </a:r>
             <a:endParaRPr lang="en-US" dirty="0"/>
           </a:p>
@@ -10665,148 +11261,119 @@
       </p:sp>
       <p:sp>
         <p:nvSpPr>
-          <p:cNvPr id="3" name="Content Placeholder 2"/>
+          <p:cNvPr id="3" name="Subtitle 2"/>
           <p:cNvSpPr>
             <a:spLocks noGrp="1"/>
           </p:cNvSpPr>
           <p:nvPr>
-            <p:ph idx="1"/>
-          </p:nvPr>
-        </p:nvSpPr>
-        <p:spPr/>
+            <p:ph type="subTitle" idx="1"/>
+          </p:nvPr>
+        </p:nvSpPr>
+        <p:spPr>
+          <a:xfrm>
+            <a:off x="1371600" y="3886200"/>
+            <a:ext cx="6400800" cy="2391368"/>
+          </a:xfrm>
+        </p:spPr>
         <p:txBody>
           <a:bodyPr>
-            <a:normAutofit/>
+            <a:normAutofit fontScale="70000" lnSpcReduction="20000"/>
           </a:bodyPr>
           <a:lstStyle/>
           <a:p>
             <a:r>
+              <a:rPr lang="en-US" b="1" dirty="0" smtClean="0"/>
+              <a:t>Jason Montojo</a:t>
+            </a:r>
+          </a:p>
+          <a:p>
+            <a:r>
               <a:rPr lang="en-US" dirty="0" smtClean="0"/>
-              <a:t>Prerequisites</a:t>
+              <a:t>Bader Lab</a:t>
             </a:r>
           </a:p>
           <a:p>
             <a:r>
               <a:rPr lang="en-US" dirty="0" smtClean="0"/>
-              <a:t>Concepts</a:t>
-            </a:r>
-          </a:p>
-          <a:p>
-            <a:pPr lvl="1"/>
+              <a:t>University </a:t>
+            </a:r>
             <a:r>
               <a:rPr lang="en-US" dirty="0" smtClean="0"/>
-              <a:t>Data/view model</a:t>
+              <a:t>of Toronto</a:t>
+            </a:r>
+          </a:p>
+          <a:p>
+            <a:endParaRPr lang="en-US" dirty="0" smtClean="0"/>
+          </a:p>
+          <a:p>
+            <a:r>
+              <a:rPr lang="en-US" b="1" dirty="0" smtClean="0"/>
+              <a:t>10</a:t>
+            </a:r>
+            <a:r>
+              <a:rPr lang="en-US" b="1" baseline="30000" dirty="0" smtClean="0"/>
+              <a:t>th</a:t>
+            </a:r>
+            <a:r>
+              <a:rPr lang="en-US" b="1" dirty="0" smtClean="0"/>
+              <a:t> Annual </a:t>
+            </a:r>
+            <a:r>
+              <a:rPr lang="en-US" b="1" dirty="0" err="1" smtClean="0"/>
+              <a:t>Cytoscape</a:t>
+            </a:r>
+            <a:r>
+              <a:rPr lang="en-US" b="1" dirty="0" smtClean="0"/>
+              <a:t> Workshop</a:t>
             </a:r>
           </a:p>
           <a:p>
             <a:r>
               <a:rPr lang="en-US" dirty="0" smtClean="0"/>
-              <a:t>Architecture</a:t>
-            </a:r>
-          </a:p>
-          <a:p>
-            <a:pPr lvl="1"/>
+              <a:t>October 9-10 2013</a:t>
+            </a:r>
+          </a:p>
+          <a:p>
+            <a:r>
+              <a:rPr lang="en-US" dirty="0" err="1" smtClean="0"/>
+              <a:t>Institut</a:t>
+            </a:r>
             <a:r>
               <a:rPr lang="en-US" dirty="0" smtClean="0"/>
-              <a:t>Bundles</a:t>
-            </a:r>
-          </a:p>
-          <a:p>
-            <a:pPr lvl="1"/>
-            <a:r>
-              <a:rPr lang="en-US" dirty="0" smtClean="0"/>
-              <a:t>Services</a:t>
-            </a:r>
-          </a:p>
-          <a:p>
-            <a:pPr lvl="1"/>
-            <a:r>
-              <a:rPr lang="en-US" dirty="0" smtClean="0"/>
-              <a:t>Factories</a:t>
-            </a:r>
-          </a:p>
-          <a:p>
-            <a:pPr lvl="1"/>
-            <a:r>
-              <a:rPr lang="en-US" dirty="0" smtClean="0"/>
-              <a:t>Managers</a:t>
-            </a:r>
-          </a:p>
-        </p:txBody>
-      </p:sp>
-      <p:sp>
-        <p:nvSpPr>
-          <p:cNvPr id="4" name="Date Placeholder 3"/>
-          <p:cNvSpPr>
-            <a:spLocks noGrp="1"/>
-          </p:cNvSpPr>
-          <p:nvPr>
-            <p:ph type="dt" sz="half" idx="10"/>
-          </p:nvPr>
-        </p:nvSpPr>
-        <p:spPr/>
-        <p:txBody>
-          <a:bodyPr/>
-          <a:lstStyle/>
-          <a:p>
-            <a:r>
-              <a:rPr lang="en-US" smtClean="0"/>
-              <a:t>2012-12-14</a:t>
-            </a:r>
-            <a:endParaRPr lang="en-US"/>
-          </a:p>
-        </p:txBody>
-      </p:sp>
-      <p:sp>
-        <p:nvSpPr>
-          <p:cNvPr id="5" name="Footer Placeholder 4"/>
-          <p:cNvSpPr>
-            <a:spLocks noGrp="1"/>
-          </p:cNvSpPr>
-          <p:nvPr>
-            <p:ph type="ftr" sz="quarter" idx="11"/>
-          </p:nvPr>
-        </p:nvSpPr>
-        <p:spPr/>
-        <p:txBody>
-          <a:bodyPr/>
-          <a:lstStyle/>
-          <a:p>
-            <a:r>
-              <a:rPr lang="en-US" smtClean="0"/>
-              <a:t>9th Annual Cytoscape Workshop: Developer Tutorial</a:t>
-            </a:r>
-            <a:endParaRPr lang="en-US"/>
-          </a:p>
-        </p:txBody>
-      </p:sp>
-      <p:sp>
-        <p:nvSpPr>
-          <p:cNvPr id="6" name="Slide Number Placeholder 5"/>
-          <p:cNvSpPr>
-            <a:spLocks noGrp="1"/>
-          </p:cNvSpPr>
-          <p:nvPr>
-            <p:ph type="sldNum" sz="quarter" idx="12"/>
-          </p:nvPr>
-        </p:nvSpPr>
-        <p:spPr/>
-        <p:txBody>
-          <a:bodyPr/>
-          <a:lstStyle/>
-          <a:p>
-            <a:fld id="{C95C7C89-7756-A247-827B-20C7D5DE1444}" type="slidenum">
-              <a:rPr lang="en-US" smtClean="0"/>
-              <a:t>2</a:t>
-            </a:fld>
-            <a:endParaRPr lang="en-US"/>
-          </a:p>
-        </p:txBody>
-      </p:sp>
+              <a:t> Pasteur, Paris</a:t>
+            </a:r>
+            <a:endParaRPr lang="en-US" dirty="0"/>
+          </a:p>
+        </p:txBody>
+      </p:sp>
+      <p:pic>
+        <p:nvPicPr>
+          <p:cNvPr id="4" name="Picture 3"/>
+          <p:cNvPicPr>
+            <a:picLocks noChangeAspect="1"/>
+          </p:cNvPicPr>
+          <p:nvPr/>
+        </p:nvPicPr>
+        <p:blipFill>
+          <a:blip r:embed="rId2"/>
+          <a:stretch>
+            <a:fillRect/>
+          </a:stretch>
+        </p:blipFill>
+        <p:spPr>
+          <a:xfrm>
+            <a:off x="1571822" y="251189"/>
+            <a:ext cx="6011736" cy="2157956"/>
+          </a:xfrm>
+          <a:prstGeom prst="rect">
+            <a:avLst/>
+          </a:prstGeom>
+        </p:spPr>
+      </p:pic>
     </p:spTree>
     <p:extLst>
       <p:ext uri="{BB962C8B-B14F-4D97-AF65-F5344CB8AC3E}">
-        <p14:creationId xmlns:p14="http://schemas.microsoft.com/office/powerpoint/2010/main" val="338698625"/>
+        <p14:creationId xmlns:p14="http://schemas.microsoft.com/office/powerpoint/2010/main" val="836463017"/>
       </p:ext>
     </p:extLst>
   </p:cSld>
@@ -10910,7 +11477,7 @@
           <a:p>
             <a:r>
               <a:rPr lang="en-US" smtClean="0"/>
-              <a:t>2012-12-14</a:t>
+              <a:t>2013-10-10</a:t>
             </a:r>
             <a:endParaRPr lang="en-US"/>
           </a:p>
@@ -10933,7 +11500,7 @@
           <a:p>
             <a:r>
               <a:rPr lang="en-US" smtClean="0"/>
-              <a:t>9th Annual Cytoscape Workshop: Developer Tutorial</a:t>
+              <a:t>10th Annual Cytoscape Workshop: Developer Tutorial</a:t>
             </a:r>
             <a:endParaRPr lang="en-US"/>
           </a:p>
@@ -11740,7 +12307,7 @@
           <a:p>
             <a:r>
               <a:rPr lang="en-US" smtClean="0"/>
-              <a:t>2012-12-14</a:t>
+              <a:t>2013-10-10</a:t>
             </a:r>
             <a:endParaRPr lang="en-US"/>
           </a:p>
@@ -11763,7 +12330,7 @@
           <a:p>
             <a:r>
               <a:rPr lang="en-US" smtClean="0"/>
-              <a:t>9th Annual Cytoscape Workshop: Developer Tutorial</a:t>
+              <a:t>10th Annual Cytoscape Workshop: Developer Tutorial</a:t>
             </a:r>
             <a:endParaRPr lang="en-US"/>
           </a:p>
@@ -12126,11 +12693,7 @@
             <a:pPr lvl="1"/>
             <a:r>
               <a:rPr lang="en-US" dirty="0" smtClean="0"/>
-              <a:t>Usually registered </a:t>
-            </a:r>
-            <a:r>
-              <a:rPr lang="en-US" dirty="0" smtClean="0"/>
-              <a:t>by a </a:t>
+              <a:t>Usually registered by a </a:t>
             </a:r>
             <a:r>
               <a:rPr lang="en-US" dirty="0" err="1" smtClean="0">
@@ -12187,7 +12750,7 @@
           <a:p>
             <a:r>
               <a:rPr lang="en-US" smtClean="0"/>
-              <a:t>2012-12-14</a:t>
+              <a:t>2013-10-10</a:t>
             </a:r>
             <a:endParaRPr lang="en-US"/>
           </a:p>
@@ -12210,7 +12773,7 @@
           <a:p>
             <a:r>
               <a:rPr lang="en-US" smtClean="0"/>
-              <a:t>9th Annual Cytoscape Workshop: Developer Tutorial</a:t>
+              <a:t>10th Annual Cytoscape Workshop: Developer Tutorial</a:t>
             </a:r>
             <a:endParaRPr lang="en-US"/>
           </a:p>
@@ -13253,7 +13816,7 @@
           <a:p>
             <a:r>
               <a:rPr lang="en-US" smtClean="0"/>
-              <a:t>2012-12-14</a:t>
+              <a:t>2013-10-10</a:t>
             </a:r>
             <a:endParaRPr lang="en-US"/>
           </a:p>
@@ -13276,7 +13839,7 @@
           <a:p>
             <a:r>
               <a:rPr lang="en-US" smtClean="0"/>
-              <a:t>9th Annual Cytoscape Workshop: Developer Tutorial</a:t>
+              <a:t>10th Annual Cytoscape Workshop: Developer Tutorial</a:t>
             </a:r>
             <a:endParaRPr lang="en-US"/>
           </a:p>
@@ -13886,7 +14449,7 @@
           <a:p>
             <a:r>
               <a:rPr lang="en-US" smtClean="0"/>
-              <a:t>2012-12-14</a:t>
+              <a:t>2013-10-10</a:t>
             </a:r>
             <a:endParaRPr lang="en-US"/>
           </a:p>
@@ -13909,7 +14472,7 @@
           <a:p>
             <a:r>
               <a:rPr lang="en-US" smtClean="0"/>
-              <a:t>9th Annual Cytoscape Workshop: Developer Tutorial</a:t>
+              <a:t>10th Annual Cytoscape Workshop: Developer Tutorial</a:t>
             </a:r>
             <a:endParaRPr lang="en-US"/>
           </a:p>
@@ -14473,7 +15036,7 @@
           <a:p>
             <a:r>
               <a:rPr lang="en-US" smtClean="0"/>
-              <a:t>2012-12-14</a:t>
+              <a:t>2013-10-10</a:t>
             </a:r>
             <a:endParaRPr lang="en-US"/>
           </a:p>
@@ -14496,7 +15059,7 @@
           <a:p>
             <a:r>
               <a:rPr lang="en-US" smtClean="0"/>
-              <a:t>9th Annual Cytoscape Workshop: Developer Tutorial</a:t>
+              <a:t>10th Annual Cytoscape Workshop: Developer Tutorial</a:t>
             </a:r>
             <a:endParaRPr lang="en-US"/>
           </a:p>
@@ -15016,7 +15579,7 @@
           <a:p>
             <a:r>
               <a:rPr lang="en-US" smtClean="0"/>
-              <a:t>2012-12-14</a:t>
+              <a:t>2013-10-10</a:t>
             </a:r>
             <a:endParaRPr lang="en-US"/>
           </a:p>
@@ -15039,7 +15602,7 @@
           <a:p>
             <a:r>
               <a:rPr lang="en-US" smtClean="0"/>
-              <a:t>9th Annual Cytoscape Workshop: Developer Tutorial</a:t>
+              <a:t>10th Annual Cytoscape Workshop: Developer Tutorial</a:t>
             </a:r>
             <a:endParaRPr lang="en-US"/>
           </a:p>
@@ -15442,7 +16005,7 @@
           <a:p>
             <a:r>
               <a:rPr lang="en-US" smtClean="0"/>
-              <a:t>2012-12-14</a:t>
+              <a:t>2013-10-10</a:t>
             </a:r>
             <a:endParaRPr lang="en-US"/>
           </a:p>
@@ -15465,7 +16028,7 @@
           <a:p>
             <a:r>
               <a:rPr lang="en-US" smtClean="0"/>
-              <a:t>9th Annual Cytoscape Workshop: Developer Tutorial</a:t>
+              <a:t>10th Annual Cytoscape Workshop: Developer Tutorial</a:t>
             </a:r>
             <a:endParaRPr lang="en-US"/>
           </a:p>
@@ -16494,7 +17057,7 @@
           <a:p>
             <a:r>
               <a:rPr lang="en-US" smtClean="0"/>
-              <a:t>2012-12-14</a:t>
+              <a:t>2013-10-10</a:t>
             </a:r>
             <a:endParaRPr lang="en-US"/>
           </a:p>
@@ -16517,7 +17080,7 @@
           <a:p>
             <a:r>
               <a:rPr lang="en-US" smtClean="0"/>
-              <a:t>9th Annual Cytoscape Workshop: Developer Tutorial</a:t>
+              <a:t>10th Annual Cytoscape Workshop: Developer Tutorial</a:t>
             </a:r>
             <a:endParaRPr lang="en-US"/>
           </a:p>
@@ -16924,7 +17487,7 @@
           <a:p>
             <a:r>
               <a:rPr lang="en-US" smtClean="0"/>
-              <a:t>2012-12-14</a:t>
+              <a:t>2013-10-10</a:t>
             </a:r>
             <a:endParaRPr lang="en-US"/>
           </a:p>
@@ -16947,7 +17510,7 @@
           <a:p>
             <a:r>
               <a:rPr lang="en-US" smtClean="0"/>
-              <a:t>9th Annual Cytoscape Workshop: Developer Tutorial</a:t>
+              <a:t>10th Annual Cytoscape Workshop: Developer Tutorial</a:t>
             </a:r>
             <a:endParaRPr lang="en-US"/>
           </a:p>
@@ -17154,7 +17717,7 @@
           <a:p>
             <a:r>
               <a:rPr lang="en-US" dirty="0" smtClean="0"/>
-              <a:t>Prerequisites</a:t>
+              <a:t>Overview</a:t>
             </a:r>
             <a:endParaRPr lang="en-US" dirty="0"/>
           </a:p>
@@ -17178,95 +17741,45 @@
           <a:lstStyle/>
           <a:p>
             <a:r>
-              <a:rPr lang="en-US" dirty="0"/>
-              <a:t>Java </a:t>
-            </a:r>
-            <a:r>
               <a:rPr lang="en-US" dirty="0" smtClean="0"/>
-              <a:t>6</a:t>
-            </a:r>
-          </a:p>
-          <a:p>
-            <a:r>
-              <a:rPr lang="en-US" dirty="0" err="1" smtClean="0"/>
-              <a:t>Cytoscape</a:t>
-            </a:r>
+              <a:t>Conceptual model</a:t>
+            </a:r>
+          </a:p>
+          <a:p>
+            <a:pPr lvl="1"/>
             <a:r>
               <a:rPr lang="en-US" dirty="0" smtClean="0"/>
-              <a:t> 3.0</a:t>
-            </a:r>
-          </a:p>
-          <a:p>
-            <a:pPr lvl="1"/>
-            <a:r>
-              <a:rPr lang="en-US" dirty="0">
-                <a:hlinkClick r:id="rId2"/>
-              </a:rPr>
-              <a:t>http://chianti.ucsd.edu/cytoscape-3.0.0</a:t>
-            </a:r>
-            <a:r>
-              <a:rPr lang="en-US" dirty="0" smtClean="0">
-                <a:hlinkClick r:id="rId2"/>
-              </a:rPr>
-              <a:t>/</a:t>
+              <a:t>Data</a:t>
+            </a:r>
+            <a:r>
+              <a:rPr lang="en-US" dirty="0" smtClean="0"/>
+              <a:t>/view model</a:t>
+            </a:r>
+          </a:p>
+          <a:p>
+            <a:r>
+              <a:rPr lang="en-US" dirty="0" smtClean="0"/>
+              <a:t>Architecture</a:t>
             </a:r>
             <a:endParaRPr lang="en-US" dirty="0" smtClean="0"/>
           </a:p>
           <a:p>
             <a:r>
               <a:rPr lang="en-US" dirty="0" smtClean="0"/>
-              <a:t>Maven </a:t>
+              <a:t>Sample </a:t>
             </a:r>
             <a:r>
               <a:rPr lang="en-US" dirty="0" smtClean="0"/>
-              <a:t>3.0</a:t>
-            </a:r>
-          </a:p>
-          <a:p>
-            <a:pPr lvl="1"/>
+              <a:t>apps</a:t>
+            </a:r>
+          </a:p>
+          <a:p>
             <a:r>
               <a:rPr lang="en-US" dirty="0" smtClean="0"/>
-              <a:t>Build system</a:t>
-            </a:r>
-          </a:p>
-          <a:p>
-            <a:pPr lvl="1"/>
-            <a:r>
-              <a:rPr lang="en-US" dirty="0">
-                <a:hlinkClick r:id="rId3"/>
-              </a:rPr>
-              <a:t>http://maven.apache.org/</a:t>
-            </a:r>
-            <a:r>
-              <a:rPr lang="en-US" dirty="0" smtClean="0">
-                <a:hlinkClick r:id="rId3"/>
-              </a:rPr>
-              <a:t>download.html</a:t>
+              <a:t>API tour</a:t>
             </a:r>
             <a:endParaRPr lang="en-US" dirty="0" smtClean="0"/>
           </a:p>
-          <a:p>
-            <a:r>
-              <a:rPr lang="en-US" dirty="0" smtClean="0"/>
-              <a:t>Starter code</a:t>
-            </a:r>
-          </a:p>
-          <a:p>
-            <a:pPr lvl="1"/>
-            <a:r>
-              <a:rPr lang="en-US" dirty="0">
-                <a:hlinkClick r:id="rId4"/>
-              </a:rPr>
-              <a:t>http://tinyurl.com/cy3-</a:t>
-            </a:r>
-            <a:r>
-              <a:rPr lang="en-US" dirty="0" smtClean="0">
-                <a:hlinkClick r:id="rId4"/>
-              </a:rPr>
-              <a:t>tutorial</a:t>
-            </a:r>
-            <a:endParaRPr lang="en-US" dirty="0" smtClean="0"/>
-          </a:p>
         </p:txBody>
       </p:sp>
       <p:sp>
@@ -17286,7 +17799,7 @@
           <a:p>
             <a:r>
               <a:rPr lang="en-US" smtClean="0"/>
-              <a:t>2012-12-14</a:t>
+              <a:t>2013-10-10</a:t>
             </a:r>
             <a:endParaRPr lang="en-US"/>
           </a:p>
@@ -17309,7 +17822,7 @@
           <a:p>
             <a:r>
               <a:rPr lang="en-US" smtClean="0"/>
-              <a:t>9th Annual Cytoscape Workshop: Developer Tutorial</a:t>
+              <a:t>10th Annual Cytoscape Workshop: Developer Tutorial</a:t>
             </a:r>
             <a:endParaRPr lang="en-US"/>
           </a:p>
@@ -17341,7 +17854,7 @@
     </p:spTree>
     <p:extLst>
       <p:ext uri="{BB962C8B-B14F-4D97-AF65-F5344CB8AC3E}">
-        <p14:creationId xmlns:p14="http://schemas.microsoft.com/office/powerpoint/2010/main" val="3702379997"/>
+        <p14:creationId xmlns:p14="http://schemas.microsoft.com/office/powerpoint/2010/main" val="338698625"/>
       </p:ext>
     </p:extLst>
   </p:cSld>
@@ -17351,355 +17864,9 @@
   <p:timing>
     <p:tnLst>
       <p:par>
-        <p:cTn xmlns:p14="http://schemas.microsoft.com/office/powerpoint/2010/main" id="1" dur="indefinite" restart="never" nodeType="tmRoot">
-          <p:childTnLst>
-            <p:seq concurrent="1" nextAc="seek">
-              <p:cTn id="2" dur="indefinite" nodeType="mainSeq">
-                <p:childTnLst>
-                  <p:par>
-                    <p:cTn id="3" fill="hold">
-                      <p:stCondLst>
-                        <p:cond delay="indefinite"/>
-                      </p:stCondLst>
-                      <p:childTnLst>
-                        <p:par>
-                          <p:cTn id="4" fill="hold">
-                            <p:stCondLst>
-                              <p:cond delay="0"/>
-                            </p:stCondLst>
-                            <p:childTnLst>
-                              <p:par>
-                                <p:cTn id="5" presetID="1" presetClass="entr" presetSubtype="0" fill="hold" grpId="0" nodeType="clickEffect">
-                                  <p:stCondLst>
-                                    <p:cond delay="0"/>
-                                  </p:stCondLst>
-                                  <p:childTnLst>
-                                    <p:set>
-                                      <p:cBhvr>
-                                        <p:cTn id="6" dur="1" fill="hold">
-                                          <p:stCondLst>
-                                            <p:cond delay="0"/>
-                                          </p:stCondLst>
-                                        </p:cTn>
-                                        <p:tgtEl>
-                                          <p:spTgt spid="3">
-                                            <p:txEl>
-                                              <p:pRg st="0" end="0"/>
-                                            </p:txEl>
-                                          </p:spTgt>
-                                        </p:tgtEl>
-                                        <p:attrNameLst>
-                                          <p:attrName>style.visibility</p:attrName>
-                                        </p:attrNameLst>
-                                      </p:cBhvr>
-                                      <p:to>
-                                        <p:strVal val="visible"/>
-                                      </p:to>
-                                    </p:set>
-                                  </p:childTnLst>
-                                </p:cTn>
-                              </p:par>
-                            </p:childTnLst>
-                          </p:cTn>
-                        </p:par>
-                      </p:childTnLst>
-                    </p:cTn>
-                  </p:par>
-                  <p:par>
-                    <p:cTn id="7" fill="hold">
-                      <p:stCondLst>
-                        <p:cond delay="indefinite"/>
-                      </p:stCondLst>
-                      <p:childTnLst>
-                        <p:par>
-                          <p:cTn id="8" fill="hold">
-                            <p:stCondLst>
-                              <p:cond delay="0"/>
-                            </p:stCondLst>
-                            <p:childTnLst>
-                              <p:par>
-                                <p:cTn id="9" presetID="1" presetClass="entr" presetSubtype="0" fill="hold" grpId="0" nodeType="clickEffect">
-                                  <p:stCondLst>
-                                    <p:cond delay="0"/>
-                                  </p:stCondLst>
-                                  <p:childTnLst>
-                                    <p:set>
-                                      <p:cBhvr>
-                                        <p:cTn id="10" dur="1" fill="hold">
-                                          <p:stCondLst>
-                                            <p:cond delay="0"/>
-                                          </p:stCondLst>
-                                        </p:cTn>
-                                        <p:tgtEl>
-                                          <p:spTgt spid="3">
-                                            <p:txEl>
-                                              <p:pRg st="1" end="1"/>
-                                            </p:txEl>
-                                          </p:spTgt>
-                                        </p:tgtEl>
-                                        <p:attrNameLst>
-                                          <p:attrName>style.visibility</p:attrName>
-                                        </p:attrNameLst>
-                                      </p:cBhvr>
-                                      <p:to>
-                                        <p:strVal val="visible"/>
-                                      </p:to>
-                                    </p:set>
-                                  </p:childTnLst>
-                                </p:cTn>
-                              </p:par>
-                              <p:par>
-                                <p:cTn id="11" presetID="1" presetClass="entr" presetSubtype="0" fill="hold" grpId="0" nodeType="withEffect">
-                                  <p:stCondLst>
-                                    <p:cond delay="0"/>
-                                  </p:stCondLst>
-                                  <p:childTnLst>
-                                    <p:set>
-                                      <p:cBhvr>
-                                        <p:cTn id="12" dur="1" fill="hold">
-                                          <p:stCondLst>
-                                            <p:cond delay="0"/>
-                                          </p:stCondLst>
-                                        </p:cTn>
-                                        <p:tgtEl>
-                                          <p:spTgt spid="3">
-                                            <p:txEl>
-                                              <p:pRg st="2" end="2"/>
-                                            </p:txEl>
-                                          </p:spTgt>
-                                        </p:tgtEl>
-                                        <p:attrNameLst>
-                                          <p:attrName>style.visibility</p:attrName>
-                                        </p:attrNameLst>
-                                      </p:cBhvr>
-                                      <p:to>
-                                        <p:strVal val="visible"/>
-                                      </p:to>
-                                    </p:set>
-                                  </p:childTnLst>
-                                </p:cTn>
-                              </p:par>
-                            </p:childTnLst>
-                          </p:cTn>
-                        </p:par>
-                      </p:childTnLst>
-                    </p:cTn>
-                  </p:par>
-                  <p:par>
-                    <p:cTn id="13" fill="hold">
-                      <p:stCondLst>
-                        <p:cond delay="indefinite"/>
-                      </p:stCondLst>
-                      <p:childTnLst>
-                        <p:par>
-                          <p:cTn id="14" fill="hold">
-                            <p:stCondLst>
-                              <p:cond delay="0"/>
-                            </p:stCondLst>
-                            <p:childTnLst>
-                              <p:par>
-                                <p:cTn id="15" presetID="1" presetClass="entr" presetSubtype="0" fill="hold" grpId="0" nodeType="clickEffect">
-                                  <p:stCondLst>
-                                    <p:cond delay="0"/>
-                                  </p:stCondLst>
-                                  <p:childTnLst>
-                                    <p:set>
-                                      <p:cBhvr>
-                                        <p:cTn id="16" dur="1" fill="hold">
-                                          <p:stCondLst>
-                                            <p:cond delay="0"/>
-                                          </p:stCondLst>
-                                        </p:cTn>
-                                        <p:tgtEl>
-                                          <p:spTgt spid="3">
-                                            <p:txEl>
-                                              <p:pRg st="3" end="3"/>
-                                            </p:txEl>
-                                          </p:spTgt>
-                                        </p:tgtEl>
-                                        <p:attrNameLst>
-                                          <p:attrName>style.visibility</p:attrName>
-                                        </p:attrNameLst>
-                                      </p:cBhvr>
-                                      <p:to>
-                                        <p:strVal val="visible"/>
-                                      </p:to>
-                                    </p:set>
-                                  </p:childTnLst>
-                                </p:cTn>
-                              </p:par>
-                              <p:par>
-                                <p:cTn id="17" presetID="1" presetClass="entr" presetSubtype="0" fill="hold" grpId="0" nodeType="withEffect">
-                                  <p:stCondLst>
-                                    <p:cond delay="0"/>
-                                  </p:stCondLst>
-                                  <p:childTnLst>
-                                    <p:set>
-                                      <p:cBhvr>
-                                        <p:cTn id="18" dur="1" fill="hold">
-                                          <p:stCondLst>
-                                            <p:cond delay="0"/>
-                                          </p:stCondLst>
-                                        </p:cTn>
-                                        <p:tgtEl>
-                                          <p:spTgt spid="3">
-                                            <p:txEl>
-                                              <p:pRg st="4" end="4"/>
-                                            </p:txEl>
-                                          </p:spTgt>
-                                        </p:tgtEl>
-                                        <p:attrNameLst>
-                                          <p:attrName>style.visibility</p:attrName>
-                                        </p:attrNameLst>
-                                      </p:cBhvr>
-                                      <p:to>
-                                        <p:strVal val="visible"/>
-                                      </p:to>
-                                    </p:set>
-                                  </p:childTnLst>
-                                </p:cTn>
-                              </p:par>
-                              <p:par>
-                                <p:cTn id="19" presetID="1" presetClass="entr" presetSubtype="0" fill="hold" grpId="0" nodeType="withEffect">
-                                  <p:stCondLst>
-                                    <p:cond delay="0"/>
-                                  </p:stCondLst>
-                                  <p:childTnLst>
-                                    <p:set>
-                                      <p:cBhvr>
-                                        <p:cTn id="20" dur="1" fill="hold">
-                                          <p:stCondLst>
-                                            <p:cond delay="0"/>
-                                          </p:stCondLst>
-                                        </p:cTn>
-                                        <p:tgtEl>
-                                          <p:spTgt spid="3">
-                                            <p:txEl>
-                                              <p:pRg st="5" end="5"/>
-                                            </p:txEl>
-                                          </p:spTgt>
-                                        </p:tgtEl>
-                                        <p:attrNameLst>
-                                          <p:attrName>style.visibility</p:attrName>
-                                        </p:attrNameLst>
-                                      </p:cBhvr>
-                                      <p:to>
-                                        <p:strVal val="visible"/>
-                                      </p:to>
-                                    </p:set>
-                                  </p:childTnLst>
-                                </p:cTn>
-                              </p:par>
-                            </p:childTnLst>
-                          </p:cTn>
-                        </p:par>
-                      </p:childTnLst>
-                    </p:cTn>
-                  </p:par>
-                  <p:par>
-                    <p:cTn id="21" fill="hold">
-                      <p:stCondLst>
-                        <p:cond delay="indefinite"/>
-                      </p:stCondLst>
-                      <p:childTnLst>
-                        <p:par>
-                          <p:cTn id="22" fill="hold">
-                            <p:stCondLst>
-                              <p:cond delay="0"/>
-                            </p:stCondLst>
-                            <p:childTnLst>
-                              <p:par>
-                                <p:cTn id="23" presetID="1" presetClass="entr" presetSubtype="0" fill="hold" grpId="0" nodeType="clickEffect">
-                                  <p:stCondLst>
-                                    <p:cond delay="0"/>
-                                  </p:stCondLst>
-                                  <p:childTnLst>
-                                    <p:set>
-                                      <p:cBhvr>
-                                        <p:cTn id="24" dur="1" fill="hold">
-                                          <p:stCondLst>
-                                            <p:cond delay="0"/>
-                                          </p:stCondLst>
-                                        </p:cTn>
-                                        <p:tgtEl>
-                                          <p:spTgt spid="3">
-                                            <p:txEl>
-                                              <p:pRg st="6" end="6"/>
-                                            </p:txEl>
-                                          </p:spTgt>
-                                        </p:tgtEl>
-                                        <p:attrNameLst>
-                                          <p:attrName>style.visibility</p:attrName>
-                                        </p:attrNameLst>
-                                      </p:cBhvr>
-                                      <p:to>
-                                        <p:strVal val="visible"/>
-                                      </p:to>
-                                    </p:set>
-                                  </p:childTnLst>
-                                </p:cTn>
-                              </p:par>
-                              <p:par>
-                                <p:cTn id="25" presetID="1" presetClass="entr" presetSubtype="0" fill="hold" grpId="0" nodeType="withEffect">
-                                  <p:stCondLst>
-                                    <p:cond delay="0"/>
-                                  </p:stCondLst>
-                                  <p:childTnLst>
-                                    <p:set>
-                                      <p:cBhvr>
-                                        <p:cTn id="26" dur="1" fill="hold">
-                                          <p:stCondLst>
-                                            <p:cond delay="0"/>
-                                          </p:stCondLst>
-                                        </p:cTn>
-                                        <p:tgtEl>
-                                          <p:spTgt spid="3">
-                                            <p:txEl>
-                                              <p:pRg st="7" end="7"/>
-                                            </p:txEl>
-                                          </p:spTgt>
-                                        </p:tgtEl>
-                                        <p:attrNameLst>
-                                          <p:attrName>style.visibility</p:attrName>
-                                        </p:attrNameLst>
-                                      </p:cBhvr>
-                                      <p:to>
-                                        <p:strVal val="visible"/>
-                                      </p:to>
-                                    </p:set>
-                                  </p:childTnLst>
-                                </p:cTn>
-                              </p:par>
-                            </p:childTnLst>
-                          </p:cTn>
-                        </p:par>
-                      </p:childTnLst>
-                    </p:cTn>
-                  </p:par>
-                </p:childTnLst>
-              </p:cTn>
-              <p:prevCondLst>
-                <p:cond evt="onPrev" delay="0">
-                  <p:tgtEl>
-                    <p:sldTgt/>
-                  </p:tgtEl>
-                </p:cond>
-              </p:prevCondLst>
-              <p:nextCondLst>
-                <p:cond evt="onNext" delay="0">
-                  <p:tgtEl>
-                    <p:sldTgt/>
-                  </p:tgtEl>
-                </p:cond>
-              </p:nextCondLst>
-            </p:seq>
-          </p:childTnLst>
-        </p:cTn>
+        <p:cTn xmlns:p14="http://schemas.microsoft.com/office/powerpoint/2010/main" id="1" dur="indefinite" restart="never" nodeType="tmRoot"/>
       </p:par>
     </p:tnLst>
-    <p:bldLst>
-      <p:bldP spid="3" grpId="0" build="p"/>
-    </p:bldLst>
   </p:timing>
 </p:sld>
 </file>
@@ -17876,7 +18043,7 @@
           <a:p>
             <a:r>
               <a:rPr lang="en-US" smtClean="0"/>
-              <a:t>2012-12-14</a:t>
+              <a:t>2013-10-10</a:t>
             </a:r>
             <a:endParaRPr lang="en-US"/>
           </a:p>
@@ -17899,7 +18066,7 @@
           <a:p>
             <a:r>
               <a:rPr lang="en-US" smtClean="0"/>
-              <a:t>9th Annual Cytoscape Workshop: Developer Tutorial</a:t>
+              <a:t>10th Annual Cytoscape Workshop: Developer Tutorial</a:t>
             </a:r>
             <a:endParaRPr lang="en-US"/>
           </a:p>
@@ -18444,7 +18611,7 @@
           <a:p>
             <a:r>
               <a:rPr lang="en-US" smtClean="0"/>
-              <a:t>2012-12-14</a:t>
+              <a:t>2013-10-10</a:t>
             </a:r>
             <a:endParaRPr lang="en-US"/>
           </a:p>
@@ -18467,7 +18634,7 @@
           <a:p>
             <a:r>
               <a:rPr lang="en-US" smtClean="0"/>
-              <a:t>9th Annual Cytoscape Workshop: Developer Tutorial</a:t>
+              <a:t>10th Annual Cytoscape Workshop: Developer Tutorial</a:t>
             </a:r>
             <a:endParaRPr lang="en-US"/>
           </a:p>
@@ -19278,7 +19445,7 @@
           <a:p>
             <a:r>
               <a:rPr lang="en-US" smtClean="0"/>
-              <a:t>2012-12-14</a:t>
+              <a:t>2013-10-10</a:t>
             </a:r>
             <a:endParaRPr lang="en-US"/>
           </a:p>
@@ -19301,7 +19468,7 @@
           <a:p>
             <a:r>
               <a:rPr lang="en-US" smtClean="0"/>
-              <a:t>9th Annual Cytoscape Workshop: Developer Tutorial</a:t>
+              <a:t>10th Annual Cytoscape Workshop: Developer Tutorial</a:t>
             </a:r>
             <a:endParaRPr lang="en-US"/>
           </a:p>
@@ -19719,7 +19886,7 @@
           <a:p>
             <a:r>
               <a:rPr lang="en-US" smtClean="0"/>
-              <a:t>2012-12-14</a:t>
+              <a:t>2013-10-10</a:t>
             </a:r>
             <a:endParaRPr lang="en-US"/>
           </a:p>
@@ -19742,7 +19909,7 @@
           <a:p>
             <a:r>
               <a:rPr lang="en-US" smtClean="0"/>
-              <a:t>9th Annual Cytoscape Workshop: Developer Tutorial</a:t>
+              <a:t>10th Annual Cytoscape Workshop: Developer Tutorial</a:t>
             </a:r>
             <a:endParaRPr lang="en-US"/>
           </a:p>
@@ -20160,7 +20327,7 @@
           <a:p>
             <a:r>
               <a:rPr lang="en-US" smtClean="0"/>
-              <a:t>2012-12-14</a:t>
+              <a:t>2013-10-10</a:t>
             </a:r>
             <a:endParaRPr lang="en-US"/>
           </a:p>
@@ -20183,7 +20350,7 @@
           <a:p>
             <a:r>
               <a:rPr lang="en-US" smtClean="0"/>
-              <a:t>9th Annual Cytoscape Workshop: Developer Tutorial</a:t>
+              <a:t>10th Annual Cytoscape Workshop: Developer Tutorial</a:t>
             </a:r>
             <a:endParaRPr lang="en-US"/>
           </a:p>
@@ -20523,7 +20690,7 @@
           <a:p>
             <a:r>
               <a:rPr lang="en-US" smtClean="0"/>
-              <a:t>2012-12-14</a:t>
+              <a:t>2013-10-10</a:t>
             </a:r>
             <a:endParaRPr lang="en-US"/>
           </a:p>
@@ -20546,7 +20713,7 @@
           <a:p>
             <a:r>
               <a:rPr lang="en-US" smtClean="0"/>
-              <a:t>9th Annual Cytoscape Workshop: Developer Tutorial</a:t>
+              <a:t>10th Annual Cytoscape Workshop: Developer Tutorial</a:t>
             </a:r>
             <a:endParaRPr lang="en-US"/>
           </a:p>
@@ -21029,7 +21196,7 @@
           <a:p>
             <a:r>
               <a:rPr lang="en-US" smtClean="0"/>
-              <a:t>2012-12-14</a:t>
+              <a:t>2013-10-10</a:t>
             </a:r>
             <a:endParaRPr lang="en-US"/>
           </a:p>
@@ -21052,7 +21219,7 @@
           <a:p>
             <a:r>
               <a:rPr lang="en-US" smtClean="0"/>
-              <a:t>9th Annual Cytoscape Workshop: Developer Tutorial</a:t>
+              <a:t>10th Annual Cytoscape Workshop: Developer Tutorial</a:t>
             </a:r>
             <a:endParaRPr lang="en-US"/>
           </a:p>
@@ -22082,11 +22249,7 @@
             <a:pPr lvl="1"/>
             <a:r>
               <a:rPr lang="en-US" dirty="0" smtClean="0"/>
-              <a:t>M</a:t>
-            </a:r>
-            <a:r>
-              <a:rPr lang="en-US" dirty="0" smtClean="0"/>
-              <a:t>ap “reachable” column to </a:t>
+              <a:t>Map “reachable” column to </a:t>
             </a:r>
             <a:r>
               <a:rPr lang="en-US" dirty="0" err="1" smtClean="0"/>
@@ -22113,7 +22276,7 @@
           <a:p>
             <a:r>
               <a:rPr lang="en-US" smtClean="0"/>
-              <a:t>2012-12-14</a:t>
+              <a:t>2013-10-10</a:t>
             </a:r>
             <a:endParaRPr lang="en-US"/>
           </a:p>
@@ -22136,7 +22299,7 @@
           <a:p>
             <a:r>
               <a:rPr lang="en-US" smtClean="0"/>
-              <a:t>9th Annual Cytoscape Workshop: Developer Tutorial</a:t>
+              <a:t>10th Annual Cytoscape Workshop: Developer Tutorial</a:t>
             </a:r>
             <a:endParaRPr lang="en-US"/>
           </a:p>
@@ -22374,7 +22537,7 @@
           <a:p>
             <a:r>
               <a:rPr lang="en-US" dirty="0" smtClean="0"/>
-              <a:t>Best Practices</a:t>
+              <a:t>Sample Code</a:t>
             </a:r>
             <a:endParaRPr lang="en-US" dirty="0"/>
           </a:p>
@@ -22392,65 +22555,158 @@
         </p:nvSpPr>
         <p:spPr/>
         <p:txBody>
+          <a:bodyPr>
+            <a:normAutofit lnSpcReduction="10000"/>
+          </a:bodyPr>
+          <a:lstStyle/>
+          <a:p>
+            <a:r>
+              <a:rPr lang="en-US" dirty="0" smtClean="0"/>
+              <a:t>Sample apps</a:t>
+            </a:r>
+          </a:p>
+          <a:p>
+            <a:pPr lvl="1"/>
+            <a:r>
+              <a:rPr lang="en-US" dirty="0" smtClean="0">
+                <a:hlinkClick r:id="rId2"/>
+              </a:rPr>
+              <a:t>https</a:t>
+            </a:r>
+            <a:r>
+              <a:rPr lang="en-US" dirty="0">
+                <a:hlinkClick r:id="rId2"/>
+              </a:rPr>
+              <a:t>://github.com/cytoscape/cytoscape-</a:t>
+            </a:r>
+            <a:r>
+              <a:rPr lang="en-US" dirty="0" smtClean="0">
+                <a:hlinkClick r:id="rId2"/>
+              </a:rPr>
+              <a:t>samples</a:t>
+            </a:r>
+            <a:endParaRPr lang="en-US" dirty="0" smtClean="0"/>
+          </a:p>
+          <a:p>
+            <a:pPr lvl="1"/>
+            <a:r>
+              <a:rPr lang="en-US" dirty="0" smtClean="0"/>
+              <a:t>Can use as template for your own </a:t>
+            </a:r>
+            <a:r>
+              <a:rPr lang="en-US" dirty="0" smtClean="0"/>
+              <a:t>apps</a:t>
+            </a:r>
+          </a:p>
+          <a:p>
+            <a:r>
+              <a:rPr lang="en-US" dirty="0" smtClean="0"/>
+              <a:t>Real app example:</a:t>
+            </a:r>
+          </a:p>
+          <a:p>
+            <a:pPr lvl="1"/>
+            <a:r>
+              <a:rPr lang="en-US" dirty="0" smtClean="0"/>
+              <a:t>SIREN: </a:t>
+            </a:r>
+            <a:r>
+              <a:rPr lang="en-US" dirty="0" err="1" smtClean="0"/>
+              <a:t>SIgning</a:t>
+            </a:r>
+            <a:r>
+              <a:rPr lang="en-US" dirty="0" smtClean="0"/>
+              <a:t> of </a:t>
+            </a:r>
+            <a:r>
+              <a:rPr lang="en-US" dirty="0" err="1" smtClean="0"/>
+              <a:t>REgulatory</a:t>
+            </a:r>
+            <a:r>
+              <a:rPr lang="en-US" dirty="0" smtClean="0"/>
+              <a:t> Networks</a:t>
+            </a:r>
+          </a:p>
+          <a:p>
+            <a:pPr lvl="1"/>
+            <a:r>
+              <a:rPr lang="en-US" dirty="0">
+                <a:hlinkClick r:id="rId3"/>
+              </a:rPr>
+              <a:t>http://baderlab.org/PegahKhosravi/</a:t>
+            </a:r>
+            <a:r>
+              <a:rPr lang="en-US" dirty="0" smtClean="0">
+                <a:hlinkClick r:id="rId3"/>
+              </a:rPr>
+              <a:t>SIREN</a:t>
+            </a:r>
+            <a:endParaRPr lang="en-US" dirty="0" smtClean="0"/>
+          </a:p>
+          <a:p>
+            <a:pPr lvl="1"/>
+            <a:r>
+              <a:rPr lang="en-US" dirty="0">
+                <a:hlinkClick r:id="rId4"/>
+              </a:rPr>
+              <a:t>https://github.com/BaderLab/</a:t>
+            </a:r>
+            <a:r>
+              <a:rPr lang="en-US" dirty="0" smtClean="0">
+                <a:hlinkClick r:id="rId4"/>
+              </a:rPr>
+              <a:t>SirenApp</a:t>
+            </a:r>
+            <a:endParaRPr lang="en-US" dirty="0" smtClean="0"/>
+          </a:p>
+          <a:p>
+            <a:r>
+              <a:rPr lang="en-US" dirty="0" smtClean="0"/>
+              <a:t>Some apps on app store link to their source code (e.g. </a:t>
+            </a:r>
+            <a:r>
+              <a:rPr lang="en-US" dirty="0" err="1" smtClean="0"/>
+              <a:t>DynNetwork</a:t>
+            </a:r>
+            <a:r>
+              <a:rPr lang="en-US" dirty="0" smtClean="0"/>
+              <a:t>)</a:t>
+            </a:r>
+            <a:endParaRPr lang="en-US" dirty="0"/>
+          </a:p>
+        </p:txBody>
+      </p:sp>
+      <p:sp>
+        <p:nvSpPr>
+          <p:cNvPr id="4" name="Date Placeholder 3"/>
+          <p:cNvSpPr>
+            <a:spLocks noGrp="1"/>
+          </p:cNvSpPr>
+          <p:nvPr>
+            <p:ph type="dt" sz="half" idx="10"/>
+          </p:nvPr>
+        </p:nvSpPr>
+        <p:spPr/>
+        <p:txBody>
           <a:bodyPr/>
           <a:lstStyle/>
           <a:p>
             <a:r>
-              <a:rPr lang="en-US" dirty="0" smtClean="0"/>
-              <a:t>Bundles should minimize what they export</a:t>
-            </a:r>
-          </a:p>
-          <a:p>
-            <a:pPr lvl="1"/>
-            <a:r>
-              <a:rPr lang="en-US" dirty="0" smtClean="0"/>
-              <a:t>Don’t make something API unless someone asks for it and you’re ready to commit to it long term</a:t>
-            </a:r>
-          </a:p>
-          <a:p>
-            <a:r>
-              <a:rPr lang="en-US" dirty="0" smtClean="0"/>
-              <a:t>Bundle activators should do as little work as possible</a:t>
-            </a:r>
-          </a:p>
-          <a:p>
-            <a:pPr lvl="1"/>
-            <a:r>
-              <a:rPr lang="en-US" dirty="0"/>
-              <a:t>I</a:t>
-            </a:r>
-            <a:r>
-              <a:rPr lang="en-US" dirty="0" smtClean="0"/>
-              <a:t>deally, just register services</a:t>
-            </a:r>
-          </a:p>
-          <a:p>
-            <a:pPr lvl="1"/>
-            <a:r>
-              <a:rPr lang="en-US" dirty="0" smtClean="0"/>
-              <a:t>Do expensive initialization as lazily as possible</a:t>
-            </a:r>
-          </a:p>
-          <a:p>
-            <a:pPr lvl="2"/>
-            <a:r>
-              <a:rPr lang="en-US" dirty="0" smtClean="0"/>
-              <a:t>E.g. during menu activation</a:t>
-            </a:r>
-          </a:p>
-          <a:p>
-            <a:endParaRPr lang="en-US" dirty="0"/>
-          </a:p>
-        </p:txBody>
-      </p:sp>
-      <p:sp>
-        <p:nvSpPr>
-          <p:cNvPr id="4" name="Date Placeholder 3"/>
+              <a:rPr lang="en-US" smtClean="0"/>
+              <a:t>2013-10-10</a:t>
+            </a:r>
+            <a:endParaRPr lang="en-US"/>
+          </a:p>
+        </p:txBody>
+      </p:sp>
+      <p:sp>
+        <p:nvSpPr>
+          <p:cNvPr id="5" name="Footer Placeholder 4"/>
           <p:cNvSpPr>
             <a:spLocks noGrp="1"/>
           </p:cNvSpPr>
           <p:nvPr>
-            <p:ph type="dt" sz="half" idx="10"/>
+            <p:ph type="ftr" sz="quarter" idx="11"/>
           </p:nvPr>
         </p:nvSpPr>
         <p:spPr/>
@@ -22460,30 +22716,7 @@
           <a:p>
             <a:r>
               <a:rPr lang="en-US" smtClean="0"/>
-              <a:t>2012-12-14</a:t>
-            </a:r>
-            <a:endParaRPr lang="en-US"/>
-          </a:p>
-        </p:txBody>
-      </p:sp>
-      <p:sp>
-        <p:nvSpPr>
-          <p:cNvPr id="5" name="Footer Placeholder 4"/>
-          <p:cNvSpPr>
-            <a:spLocks noGrp="1"/>
-          </p:cNvSpPr>
-          <p:nvPr>
-            <p:ph type="ftr" sz="quarter" idx="11"/>
-          </p:nvPr>
-        </p:nvSpPr>
-        <p:spPr/>
-        <p:txBody>
-          <a:bodyPr/>
-          <a:lstStyle/>
-          <a:p>
-            <a:r>
-              <a:rPr lang="en-US" smtClean="0"/>
-              <a:t>9th Annual Cytoscape Workshop: Developer Tutorial</a:t>
+              <a:t>10th Annual Cytoscape Workshop: Developer Tutorial</a:t>
             </a:r>
             <a:endParaRPr lang="en-US"/>
           </a:p>
@@ -22507,6 +22740,2473 @@
             <a:fld id="{C95C7C89-7756-A247-827B-20C7D5DE1444}" type="slidenum">
               <a:rPr lang="en-US" smtClean="0"/>
               <a:t>38</a:t>
+            </a:fld>
+            <a:endParaRPr lang="en-US"/>
+          </a:p>
+        </p:txBody>
+      </p:sp>
+    </p:spTree>
+    <p:extLst>
+      <p:ext uri="{BB962C8B-B14F-4D97-AF65-F5344CB8AC3E}">
+        <p14:creationId xmlns:p14="http://schemas.microsoft.com/office/powerpoint/2010/main" val="3972543471"/>
+      </p:ext>
+    </p:extLst>
+  </p:cSld>
+  <p:clrMapOvr>
+    <a:masterClrMapping/>
+  </p:clrMapOvr>
+</p:sld>
+</file>
+
+<file path=ppt/slides/slide39.xml><?xml version="1.0" encoding="utf-8"?>
+<p:sld xmlns:a="http://schemas.openxmlformats.org/drawingml/2006/main" xmlns:r="http://schemas.openxmlformats.org/officeDocument/2006/relationships" xmlns:p="http://schemas.openxmlformats.org/presentationml/2006/main">
+  <p:cSld>
+    <p:spTree>
+      <p:nvGrpSpPr>
+        <p:cNvPr id="1" name=""/>
+        <p:cNvGrpSpPr/>
+        <p:nvPr/>
+      </p:nvGrpSpPr>
+      <p:grpSpPr>
+        <a:xfrm>
+          <a:off x="0" y="0"/>
+          <a:ext cx="0" cy="0"/>
+          <a:chOff x="0" y="0"/>
+          <a:chExt cx="0" cy="0"/>
+        </a:xfrm>
+      </p:grpSpPr>
+      <p:sp>
+        <p:nvSpPr>
+          <p:cNvPr id="2" name="Title 1"/>
+          <p:cNvSpPr>
+            <a:spLocks noGrp="1"/>
+          </p:cNvSpPr>
+          <p:nvPr>
+            <p:ph type="title"/>
+          </p:nvPr>
+        </p:nvSpPr>
+        <p:spPr/>
+        <p:txBody>
+          <a:bodyPr/>
+          <a:lstStyle/>
+          <a:p>
+            <a:r>
+              <a:rPr lang="en-US" dirty="0" smtClean="0"/>
+              <a:t>API Tour</a:t>
+            </a:r>
+            <a:endParaRPr lang="en-US" dirty="0"/>
+          </a:p>
+        </p:txBody>
+      </p:sp>
+      <p:sp>
+        <p:nvSpPr>
+          <p:cNvPr id="3" name="Content Placeholder 2"/>
+          <p:cNvSpPr>
+            <a:spLocks noGrp="1"/>
+          </p:cNvSpPr>
+          <p:nvPr>
+            <p:ph idx="1"/>
+          </p:nvPr>
+        </p:nvSpPr>
+        <p:spPr/>
+        <p:txBody>
+          <a:bodyPr/>
+          <a:lstStyle/>
+          <a:p>
+            <a:r>
+              <a:rPr lang="en-US" dirty="0"/>
+              <a:t>http://</a:t>
+            </a:r>
+            <a:r>
+              <a:rPr lang="en-US" dirty="0" err="1"/>
+              <a:t>chianti.ucsd.edu</a:t>
+            </a:r>
+            <a:r>
+              <a:rPr lang="en-US" dirty="0"/>
+              <a:t>/cytoscape-3.0.2/API</a:t>
+            </a:r>
+            <a:r>
+              <a:rPr lang="en-US" dirty="0" smtClean="0"/>
+              <a:t>/</a:t>
+            </a:r>
+          </a:p>
+          <a:p>
+            <a:r>
+              <a:rPr lang="en-US" dirty="0"/>
+              <a:t>app-</a:t>
+            </a:r>
+            <a:r>
+              <a:rPr lang="en-US" dirty="0" err="1" smtClean="0"/>
+              <a:t>api</a:t>
+            </a:r>
+            <a:endParaRPr lang="en-US" dirty="0" smtClean="0"/>
+          </a:p>
+          <a:p>
+            <a:pPr lvl="1"/>
+            <a:r>
+              <a:rPr lang="en-US" dirty="0" smtClean="0"/>
+              <a:t>Simple </a:t>
+            </a:r>
+            <a:r>
+              <a:rPr lang="en-US" dirty="0"/>
+              <a:t>app API (to help Cy2 </a:t>
+            </a:r>
+            <a:r>
+              <a:rPr lang="en-US" dirty="0" smtClean="0"/>
+              <a:t>plugin developers</a:t>
+            </a:r>
+            <a:r>
+              <a:rPr lang="en-US" dirty="0" smtClean="0"/>
+              <a:t>; </a:t>
+            </a:r>
+            <a:r>
+              <a:rPr lang="en-US" dirty="0"/>
+              <a:t>not meant for bundle apps)</a:t>
+            </a:r>
+          </a:p>
+          <a:p>
+            <a:r>
+              <a:rPr lang="en-US" dirty="0"/>
+              <a:t>core-task-</a:t>
+            </a:r>
+            <a:r>
+              <a:rPr lang="en-US" dirty="0" err="1" smtClean="0"/>
+              <a:t>api</a:t>
+            </a:r>
+            <a:endParaRPr lang="en-US" dirty="0" smtClean="0"/>
+          </a:p>
+          <a:p>
+            <a:pPr lvl="1"/>
+            <a:r>
+              <a:rPr lang="en-US" dirty="0" smtClean="0"/>
+              <a:t>Commonly </a:t>
+            </a:r>
+            <a:r>
+              <a:rPr lang="en-US" dirty="0"/>
+              <a:t>used high-level </a:t>
+            </a:r>
+            <a:r>
+              <a:rPr lang="en-US" dirty="0" smtClean="0"/>
+              <a:t>tasks</a:t>
+            </a:r>
+          </a:p>
+          <a:p>
+            <a:pPr lvl="1"/>
+            <a:r>
+              <a:rPr lang="en-US" dirty="0" smtClean="0"/>
+              <a:t>e.g</a:t>
+            </a:r>
+            <a:r>
+              <a:rPr lang="en-US" dirty="0"/>
+              <a:t>. loading networks/styles/tables, applying </a:t>
+            </a:r>
+            <a:r>
+              <a:rPr lang="en-US" dirty="0" smtClean="0"/>
+              <a:t>layouts</a:t>
+            </a:r>
+            <a:endParaRPr lang="en-US" dirty="0"/>
+          </a:p>
+          <a:p>
+            <a:endParaRPr lang="en-US" dirty="0"/>
+          </a:p>
+        </p:txBody>
+      </p:sp>
+      <p:sp>
+        <p:nvSpPr>
+          <p:cNvPr id="4" name="Date Placeholder 3"/>
+          <p:cNvSpPr>
+            <a:spLocks noGrp="1"/>
+          </p:cNvSpPr>
+          <p:nvPr>
+            <p:ph type="dt" sz="half" idx="10"/>
+          </p:nvPr>
+        </p:nvSpPr>
+        <p:spPr/>
+        <p:txBody>
+          <a:bodyPr/>
+          <a:lstStyle/>
+          <a:p>
+            <a:r>
+              <a:rPr lang="en-US" smtClean="0"/>
+              <a:t>2013-10-10</a:t>
+            </a:r>
+            <a:endParaRPr lang="en-US"/>
+          </a:p>
+        </p:txBody>
+      </p:sp>
+      <p:sp>
+        <p:nvSpPr>
+          <p:cNvPr id="5" name="Footer Placeholder 4"/>
+          <p:cNvSpPr>
+            <a:spLocks noGrp="1"/>
+          </p:cNvSpPr>
+          <p:nvPr>
+            <p:ph type="ftr" sz="quarter" idx="11"/>
+          </p:nvPr>
+        </p:nvSpPr>
+        <p:spPr/>
+        <p:txBody>
+          <a:bodyPr/>
+          <a:lstStyle/>
+          <a:p>
+            <a:r>
+              <a:rPr lang="en-US" smtClean="0"/>
+              <a:t>10th Annual Cytoscape Workshop: Developer Tutorial</a:t>
+            </a:r>
+            <a:endParaRPr lang="en-US"/>
+          </a:p>
+        </p:txBody>
+      </p:sp>
+      <p:sp>
+        <p:nvSpPr>
+          <p:cNvPr id="6" name="Slide Number Placeholder 5"/>
+          <p:cNvSpPr>
+            <a:spLocks noGrp="1"/>
+          </p:cNvSpPr>
+          <p:nvPr>
+            <p:ph type="sldNum" sz="quarter" idx="12"/>
+          </p:nvPr>
+        </p:nvSpPr>
+        <p:spPr/>
+        <p:txBody>
+          <a:bodyPr/>
+          <a:lstStyle/>
+          <a:p>
+            <a:fld id="{C95C7C89-7756-A247-827B-20C7D5DE1444}" type="slidenum">
+              <a:rPr lang="en-US" smtClean="0"/>
+              <a:t>39</a:t>
+            </a:fld>
+            <a:endParaRPr lang="en-US"/>
+          </a:p>
+        </p:txBody>
+      </p:sp>
+    </p:spTree>
+    <p:extLst>
+      <p:ext uri="{BB962C8B-B14F-4D97-AF65-F5344CB8AC3E}">
+        <p14:creationId xmlns:p14="http://schemas.microsoft.com/office/powerpoint/2010/main" val="2155043941"/>
+      </p:ext>
+    </p:extLst>
+  </p:cSld>
+  <p:clrMapOvr>
+    <a:masterClrMapping/>
+  </p:clrMapOvr>
+</p:sld>
+</file>
+
+<file path=ppt/slides/slide4.xml><?xml version="1.0" encoding="utf-8"?>
+<p:sld xmlns:a="http://schemas.openxmlformats.org/drawingml/2006/main" xmlns:r="http://schemas.openxmlformats.org/officeDocument/2006/relationships" xmlns:p="http://schemas.openxmlformats.org/presentationml/2006/main">
+  <p:cSld>
+    <p:spTree>
+      <p:nvGrpSpPr>
+        <p:cNvPr id="1" name=""/>
+        <p:cNvGrpSpPr/>
+        <p:nvPr/>
+      </p:nvGrpSpPr>
+      <p:grpSpPr>
+        <a:xfrm>
+          <a:off x="0" y="0"/>
+          <a:ext cx="0" cy="0"/>
+          <a:chOff x="0" y="0"/>
+          <a:chExt cx="0" cy="0"/>
+        </a:xfrm>
+      </p:grpSpPr>
+      <p:sp>
+        <p:nvSpPr>
+          <p:cNvPr id="25" name="Rectangle 24"/>
+          <p:cNvSpPr/>
+          <p:nvPr/>
+        </p:nvSpPr>
+        <p:spPr>
+          <a:xfrm>
+            <a:off x="5179274" y="1397429"/>
+            <a:ext cx="2747852" cy="2363234"/>
+          </a:xfrm>
+          <a:prstGeom prst="rect">
+            <a:avLst/>
+          </a:prstGeom>
+          <a:ln>
+            <a:solidFill>
+              <a:schemeClr val="tx1">
+                <a:lumMod val="50000"/>
+                <a:lumOff val="50000"/>
+              </a:schemeClr>
+            </a:solidFill>
+            <a:prstDash val="dash"/>
+          </a:ln>
+        </p:spPr>
+        <p:style>
+          <a:lnRef idx="2">
+            <a:schemeClr val="accent5"/>
+          </a:lnRef>
+          <a:fillRef idx="1">
+            <a:schemeClr val="lt1"/>
+          </a:fillRef>
+          <a:effectRef idx="0">
+            <a:schemeClr val="accent5"/>
+          </a:effectRef>
+          <a:fontRef idx="minor">
+            <a:schemeClr val="dk1"/>
+          </a:fontRef>
+        </p:style>
+        <p:txBody>
+          <a:bodyPr rtlCol="0" anchor="ctr"/>
+          <a:lstStyle/>
+          <a:p>
+            <a:pPr algn="ctr"/>
+            <a:endParaRPr lang="en-US"/>
+          </a:p>
+        </p:txBody>
+      </p:sp>
+      <p:sp>
+        <p:nvSpPr>
+          <p:cNvPr id="2" name="Title 1"/>
+          <p:cNvSpPr>
+            <a:spLocks noGrp="1"/>
+          </p:cNvSpPr>
+          <p:nvPr>
+            <p:ph type="title"/>
+          </p:nvPr>
+        </p:nvSpPr>
+        <p:spPr/>
+        <p:txBody>
+          <a:bodyPr/>
+          <a:lstStyle/>
+          <a:p>
+            <a:r>
+              <a:rPr lang="en-US" dirty="0" smtClean="0"/>
+              <a:t>Concepts: Data Model</a:t>
+            </a:r>
+            <a:endParaRPr lang="en-US" dirty="0"/>
+          </a:p>
+        </p:txBody>
+      </p:sp>
+      <p:sp>
+        <p:nvSpPr>
+          <p:cNvPr id="3" name="Content Placeholder 2"/>
+          <p:cNvSpPr>
+            <a:spLocks noGrp="1"/>
+          </p:cNvSpPr>
+          <p:nvPr>
+            <p:ph sz="half" idx="1"/>
+          </p:nvPr>
+        </p:nvSpPr>
+        <p:spPr/>
+        <p:txBody>
+          <a:bodyPr>
+            <a:normAutofit fontScale="92500" lnSpcReduction="10000"/>
+          </a:bodyPr>
+          <a:lstStyle/>
+          <a:p>
+            <a:r>
+              <a:rPr lang="en-US" dirty="0" err="1" smtClean="0"/>
+              <a:t>CyNetwork</a:t>
+            </a:r>
+            <a:endParaRPr lang="en-US" dirty="0" smtClean="0"/>
+          </a:p>
+          <a:p>
+            <a:pPr lvl="1"/>
+            <a:r>
+              <a:rPr lang="en-US" dirty="0" err="1"/>
+              <a:t>Multigraph</a:t>
+            </a:r>
+            <a:endParaRPr lang="en-US" dirty="0"/>
+          </a:p>
+          <a:p>
+            <a:pPr lvl="1"/>
+            <a:r>
+              <a:rPr lang="en-US" dirty="0"/>
+              <a:t>Directed or undirected</a:t>
+            </a:r>
+          </a:p>
+          <a:p>
+            <a:pPr lvl="1"/>
+            <a:r>
+              <a:rPr lang="en-US" dirty="0" err="1" smtClean="0"/>
+              <a:t>CyNode</a:t>
+            </a:r>
+            <a:endParaRPr lang="en-US" dirty="0" smtClean="0"/>
+          </a:p>
+          <a:p>
+            <a:pPr lvl="1"/>
+            <a:r>
+              <a:rPr lang="en-US" dirty="0" err="1" smtClean="0"/>
+              <a:t>CyEdge</a:t>
+            </a:r>
+            <a:endParaRPr lang="en-US" dirty="0"/>
+          </a:p>
+          <a:p>
+            <a:r>
+              <a:rPr lang="en-US" dirty="0" err="1" smtClean="0"/>
+              <a:t>CyTable</a:t>
+            </a:r>
+            <a:endParaRPr lang="en-US" dirty="0" smtClean="0"/>
+          </a:p>
+          <a:p>
+            <a:pPr lvl="1"/>
+            <a:r>
+              <a:rPr lang="en-US" dirty="0" err="1" smtClean="0"/>
+              <a:t>CyColumn</a:t>
+            </a:r>
+            <a:endParaRPr lang="en-US" dirty="0" smtClean="0"/>
+          </a:p>
+          <a:p>
+            <a:pPr lvl="2"/>
+            <a:r>
+              <a:rPr lang="en-US" dirty="0" smtClean="0"/>
+              <a:t>Primary key</a:t>
+            </a:r>
+          </a:p>
+          <a:p>
+            <a:pPr lvl="1"/>
+            <a:r>
+              <a:rPr lang="en-US" dirty="0" err="1" smtClean="0"/>
+              <a:t>CyRow</a:t>
+            </a:r>
+            <a:endParaRPr lang="en-US" dirty="0" smtClean="0"/>
+          </a:p>
+          <a:p>
+            <a:r>
+              <a:rPr lang="en-US" dirty="0" smtClean="0"/>
+              <a:t>SUID</a:t>
+            </a:r>
+          </a:p>
+          <a:p>
+            <a:pPr lvl="1"/>
+            <a:r>
+              <a:rPr lang="en-US" dirty="0" smtClean="0"/>
+              <a:t>Session-unique identifier</a:t>
+            </a:r>
+            <a:endParaRPr lang="en-US" dirty="0"/>
+          </a:p>
+          <a:p>
+            <a:pPr lvl="1"/>
+            <a:endParaRPr lang="en-US" dirty="0"/>
+          </a:p>
+          <a:p>
+            <a:endParaRPr lang="en-US" dirty="0"/>
+          </a:p>
+        </p:txBody>
+      </p:sp>
+      <p:sp>
+        <p:nvSpPr>
+          <p:cNvPr id="5" name="Date Placeholder 4"/>
+          <p:cNvSpPr>
+            <a:spLocks noGrp="1"/>
+          </p:cNvSpPr>
+          <p:nvPr>
+            <p:ph type="dt" sz="half" idx="10"/>
+          </p:nvPr>
+        </p:nvSpPr>
+        <p:spPr/>
+        <p:txBody>
+          <a:bodyPr/>
+          <a:lstStyle/>
+          <a:p>
+            <a:r>
+              <a:rPr lang="en-US" smtClean="0"/>
+              <a:t>2013-10-10</a:t>
+            </a:r>
+            <a:endParaRPr lang="en-US"/>
+          </a:p>
+        </p:txBody>
+      </p:sp>
+      <p:sp>
+        <p:nvSpPr>
+          <p:cNvPr id="6" name="Footer Placeholder 5"/>
+          <p:cNvSpPr>
+            <a:spLocks noGrp="1"/>
+          </p:cNvSpPr>
+          <p:nvPr>
+            <p:ph type="ftr" sz="quarter" idx="11"/>
+          </p:nvPr>
+        </p:nvSpPr>
+        <p:spPr/>
+        <p:txBody>
+          <a:bodyPr/>
+          <a:lstStyle/>
+          <a:p>
+            <a:r>
+              <a:rPr lang="en-US" smtClean="0"/>
+              <a:t>10th Annual Cytoscape Workshop: Developer Tutorial</a:t>
+            </a:r>
+            <a:endParaRPr lang="en-US"/>
+          </a:p>
+        </p:txBody>
+      </p:sp>
+      <p:sp>
+        <p:nvSpPr>
+          <p:cNvPr id="7" name="Slide Number Placeholder 6"/>
+          <p:cNvSpPr>
+            <a:spLocks noGrp="1"/>
+          </p:cNvSpPr>
+          <p:nvPr>
+            <p:ph type="sldNum" sz="quarter" idx="12"/>
+          </p:nvPr>
+        </p:nvSpPr>
+        <p:spPr/>
+        <p:txBody>
+          <a:bodyPr/>
+          <a:lstStyle/>
+          <a:p>
+            <a:fld id="{C95C7C89-7756-A247-827B-20C7D5DE1444}" type="slidenum">
+              <a:rPr lang="en-US" smtClean="0"/>
+              <a:t>4</a:t>
+            </a:fld>
+            <a:endParaRPr lang="en-US"/>
+          </a:p>
+        </p:txBody>
+      </p:sp>
+      <p:sp>
+        <p:nvSpPr>
+          <p:cNvPr id="8" name="Oval 7"/>
+          <p:cNvSpPr/>
+          <p:nvPr/>
+        </p:nvSpPr>
+        <p:spPr>
+          <a:xfrm>
+            <a:off x="5704759" y="1746100"/>
+            <a:ext cx="700648" cy="700648"/>
+          </a:xfrm>
+          <a:prstGeom prst="ellipse">
+            <a:avLst/>
+          </a:prstGeom>
+          <a:ln>
+            <a:solidFill>
+              <a:srgbClr val="7F7F7F"/>
+            </a:solidFill>
+          </a:ln>
+        </p:spPr>
+        <p:style>
+          <a:lnRef idx="2">
+            <a:schemeClr val="dk1"/>
+          </a:lnRef>
+          <a:fillRef idx="1">
+            <a:schemeClr val="lt1"/>
+          </a:fillRef>
+          <a:effectRef idx="0">
+            <a:schemeClr val="dk1"/>
+          </a:effectRef>
+          <a:fontRef idx="minor">
+            <a:schemeClr val="dk1"/>
+          </a:fontRef>
+        </p:style>
+        <p:txBody>
+          <a:bodyPr rtlCol="0" anchor="ctr"/>
+          <a:lstStyle/>
+          <a:p>
+            <a:pPr algn="ctr"/>
+            <a:endParaRPr lang="en-US"/>
+          </a:p>
+        </p:txBody>
+      </p:sp>
+      <p:sp>
+        <p:nvSpPr>
+          <p:cNvPr id="9" name="Oval 8"/>
+          <p:cNvSpPr/>
+          <p:nvPr/>
+        </p:nvSpPr>
+        <p:spPr>
+          <a:xfrm>
+            <a:off x="6780839" y="2818157"/>
+            <a:ext cx="700648" cy="700648"/>
+          </a:xfrm>
+          <a:prstGeom prst="ellipse">
+            <a:avLst/>
+          </a:prstGeom>
+          <a:ln>
+            <a:solidFill>
+              <a:srgbClr val="7F7F7F"/>
+            </a:solidFill>
+          </a:ln>
+        </p:spPr>
+        <p:style>
+          <a:lnRef idx="2">
+            <a:schemeClr val="dk1"/>
+          </a:lnRef>
+          <a:fillRef idx="1">
+            <a:schemeClr val="lt1"/>
+          </a:fillRef>
+          <a:effectRef idx="0">
+            <a:schemeClr val="dk1"/>
+          </a:effectRef>
+          <a:fontRef idx="minor">
+            <a:schemeClr val="dk1"/>
+          </a:fontRef>
+        </p:style>
+        <p:txBody>
+          <a:bodyPr rtlCol="0" anchor="ctr"/>
+          <a:lstStyle/>
+          <a:p>
+            <a:pPr algn="ctr"/>
+            <a:endParaRPr lang="en-US"/>
+          </a:p>
+        </p:txBody>
+      </p:sp>
+      <p:cxnSp>
+        <p:nvCxnSpPr>
+          <p:cNvPr id="11" name="Straight Arrow Connector 10"/>
+          <p:cNvCxnSpPr>
+            <a:stCxn id="8" idx="5"/>
+            <a:endCxn id="9" idx="1"/>
+          </p:cNvCxnSpPr>
+          <p:nvPr/>
+        </p:nvCxnSpPr>
+        <p:spPr>
+          <a:xfrm>
+            <a:off x="6302799" y="2344140"/>
+            <a:ext cx="580648" cy="576625"/>
+          </a:xfrm>
+          <a:prstGeom prst="straightConnector1">
+            <a:avLst/>
+          </a:prstGeom>
+          <a:ln>
+            <a:solidFill>
+              <a:srgbClr val="7F7F7F"/>
+            </a:solidFill>
+            <a:tailEnd type="arrow"/>
+          </a:ln>
+        </p:spPr>
+        <p:style>
+          <a:lnRef idx="2">
+            <a:schemeClr val="dk1"/>
+          </a:lnRef>
+          <a:fillRef idx="1">
+            <a:schemeClr val="lt1"/>
+          </a:fillRef>
+          <a:effectRef idx="0">
+            <a:schemeClr val="dk1"/>
+          </a:effectRef>
+          <a:fontRef idx="minor">
+            <a:schemeClr val="dk1"/>
+          </a:fontRef>
+        </p:style>
+      </p:cxnSp>
+      <p:sp>
+        <p:nvSpPr>
+          <p:cNvPr id="15" name="Internal Storage 14"/>
+          <p:cNvSpPr/>
+          <p:nvPr/>
+        </p:nvSpPr>
+        <p:spPr>
+          <a:xfrm>
+            <a:off x="5911615" y="4456127"/>
+            <a:ext cx="1007281" cy="1007281"/>
+          </a:xfrm>
+          <a:prstGeom prst="flowChartInternalStorage">
+            <a:avLst/>
+          </a:prstGeom>
+        </p:spPr>
+        <p:style>
+          <a:lnRef idx="2">
+            <a:schemeClr val="dk1"/>
+          </a:lnRef>
+          <a:fillRef idx="1">
+            <a:schemeClr val="lt1"/>
+          </a:fillRef>
+          <a:effectRef idx="0">
+            <a:schemeClr val="dk1"/>
+          </a:effectRef>
+          <a:fontRef idx="minor">
+            <a:schemeClr val="dk1"/>
+          </a:fontRef>
+        </p:style>
+        <p:txBody>
+          <a:bodyPr wrap="none" rtlCol="0" anchor="ctr"/>
+          <a:lstStyle/>
+          <a:p>
+            <a:pPr algn="ctr"/>
+            <a:endParaRPr lang="en-US" dirty="0"/>
+          </a:p>
+        </p:txBody>
+      </p:sp>
+      <p:grpSp>
+        <p:nvGrpSpPr>
+          <p:cNvPr id="51" name="Group 50"/>
+          <p:cNvGrpSpPr/>
+          <p:nvPr/>
+        </p:nvGrpSpPr>
+        <p:grpSpPr>
+          <a:xfrm>
+            <a:off x="5911615" y="4456127"/>
+            <a:ext cx="1007281" cy="1007281"/>
+            <a:chOff x="5911615" y="4456127"/>
+            <a:chExt cx="1007281" cy="1007281"/>
+          </a:xfrm>
+        </p:grpSpPr>
+        <p:sp>
+          <p:nvSpPr>
+            <p:cNvPr id="47" name="Rectangle 46"/>
+            <p:cNvSpPr/>
+            <p:nvPr/>
+          </p:nvSpPr>
+          <p:spPr>
+            <a:xfrm>
+              <a:off x="5911615" y="4729843"/>
+              <a:ext cx="1007281" cy="164231"/>
+            </a:xfrm>
+            <a:prstGeom prst="rect">
+              <a:avLst/>
+            </a:prstGeom>
+            <a:solidFill>
+              <a:schemeClr val="accent2">
+                <a:lumMod val="40000"/>
+                <a:lumOff val="60000"/>
+              </a:schemeClr>
+            </a:solidFill>
+            <a:ln>
+              <a:prstDash val="dash"/>
+            </a:ln>
+          </p:spPr>
+          <p:style>
+            <a:lnRef idx="2">
+              <a:schemeClr val="accent2">
+                <a:shade val="50000"/>
+              </a:schemeClr>
+            </a:lnRef>
+            <a:fillRef idx="1">
+              <a:schemeClr val="accent2"/>
+            </a:fillRef>
+            <a:effectRef idx="0">
+              <a:schemeClr val="accent2"/>
+            </a:effectRef>
+            <a:fontRef idx="minor">
+              <a:schemeClr val="lt1"/>
+            </a:fontRef>
+          </p:style>
+          <p:txBody>
+            <a:bodyPr rtlCol="0" anchor="ctr"/>
+            <a:lstStyle/>
+            <a:p>
+              <a:pPr algn="ctr"/>
+              <a:endParaRPr lang="en-US"/>
+            </a:p>
+          </p:txBody>
+        </p:sp>
+        <p:sp>
+          <p:nvSpPr>
+            <p:cNvPr id="48" name="Rectangle 47"/>
+            <p:cNvSpPr/>
+            <p:nvPr/>
+          </p:nvSpPr>
+          <p:spPr>
+            <a:xfrm rot="5400000">
+              <a:off x="6164084" y="4877652"/>
+              <a:ext cx="1007281" cy="164231"/>
+            </a:xfrm>
+            <a:prstGeom prst="rect">
+              <a:avLst/>
+            </a:prstGeom>
+            <a:solidFill>
+              <a:schemeClr val="accent2">
+                <a:lumMod val="40000"/>
+                <a:lumOff val="60000"/>
+              </a:schemeClr>
+            </a:solidFill>
+            <a:ln>
+              <a:prstDash val="dash"/>
+            </a:ln>
+          </p:spPr>
+          <p:style>
+            <a:lnRef idx="2">
+              <a:schemeClr val="accent2">
+                <a:shade val="50000"/>
+              </a:schemeClr>
+            </a:lnRef>
+            <a:fillRef idx="1">
+              <a:schemeClr val="accent2"/>
+            </a:fillRef>
+            <a:effectRef idx="0">
+              <a:schemeClr val="accent2"/>
+            </a:effectRef>
+            <a:fontRef idx="minor">
+              <a:schemeClr val="lt1"/>
+            </a:fontRef>
+          </p:style>
+          <p:txBody>
+            <a:bodyPr rtlCol="0" anchor="ctr"/>
+            <a:lstStyle/>
+            <a:p>
+              <a:pPr algn="ctr"/>
+              <a:endParaRPr lang="en-US"/>
+            </a:p>
+          </p:txBody>
+        </p:sp>
+      </p:grpSp>
+      <p:sp>
+        <p:nvSpPr>
+          <p:cNvPr id="50" name="Oval 49"/>
+          <p:cNvSpPr/>
+          <p:nvPr/>
+        </p:nvSpPr>
+        <p:spPr>
+          <a:xfrm>
+            <a:off x="6561879" y="1515329"/>
+            <a:ext cx="700648" cy="700648"/>
+          </a:xfrm>
+          <a:prstGeom prst="ellipse">
+            <a:avLst/>
+          </a:prstGeom>
+          <a:ln>
+            <a:solidFill>
+              <a:srgbClr val="7F7F7F"/>
+            </a:solidFill>
+          </a:ln>
+        </p:spPr>
+        <p:style>
+          <a:lnRef idx="2">
+            <a:schemeClr val="dk1"/>
+          </a:lnRef>
+          <a:fillRef idx="1">
+            <a:schemeClr val="lt1"/>
+          </a:fillRef>
+          <a:effectRef idx="0">
+            <a:schemeClr val="dk1"/>
+          </a:effectRef>
+          <a:fontRef idx="minor">
+            <a:schemeClr val="dk1"/>
+          </a:fontRef>
+        </p:style>
+        <p:txBody>
+          <a:bodyPr rtlCol="0" anchor="ctr"/>
+          <a:lstStyle/>
+          <a:p>
+            <a:pPr algn="ctr"/>
+            <a:endParaRPr lang="en-US"/>
+          </a:p>
+        </p:txBody>
+      </p:sp>
+    </p:spTree>
+    <p:extLst>
+      <p:ext uri="{BB962C8B-B14F-4D97-AF65-F5344CB8AC3E}">
+        <p14:creationId xmlns:p14="http://schemas.microsoft.com/office/powerpoint/2010/main" val="3569398443"/>
+      </p:ext>
+    </p:extLst>
+  </p:cSld>
+  <p:clrMapOvr>
+    <a:masterClrMapping/>
+  </p:clrMapOvr>
+  <p:timing>
+    <p:tnLst>
+      <p:par>
+        <p:cTn xmlns:p14="http://schemas.microsoft.com/office/powerpoint/2010/main" id="1" dur="indefinite" restart="never" nodeType="tmRoot">
+          <p:childTnLst>
+            <p:seq concurrent="1" nextAc="seek">
+              <p:cTn id="2" dur="indefinite" nodeType="mainSeq">
+                <p:childTnLst>
+                  <p:par>
+                    <p:cTn id="3" fill="hold">
+                      <p:stCondLst>
+                        <p:cond delay="indefinite"/>
+                        <p:cond evt="onBegin" delay="0">
+                          <p:tn val="2"/>
+                        </p:cond>
+                      </p:stCondLst>
+                      <p:childTnLst>
+                        <p:par>
+                          <p:cTn id="4" fill="hold">
+                            <p:stCondLst>
+                              <p:cond delay="0"/>
+                            </p:stCondLst>
+                            <p:childTnLst>
+                              <p:par>
+                                <p:cTn id="5" presetID="1" presetClass="entr" presetSubtype="0" fill="hold" grpId="0" nodeType="withEffect">
+                                  <p:stCondLst>
+                                    <p:cond delay="0"/>
+                                  </p:stCondLst>
+                                  <p:childTnLst>
+                                    <p:set>
+                                      <p:cBhvr>
+                                        <p:cTn id="6" dur="1" fill="hold">
+                                          <p:stCondLst>
+                                            <p:cond delay="0"/>
+                                          </p:stCondLst>
+                                        </p:cTn>
+                                        <p:tgtEl>
+                                          <p:spTgt spid="3">
+                                            <p:txEl>
+                                              <p:pRg st="0" end="0"/>
+                                            </p:txEl>
+                                          </p:spTgt>
+                                        </p:tgtEl>
+                                        <p:attrNameLst>
+                                          <p:attrName>style.visibility</p:attrName>
+                                        </p:attrNameLst>
+                                      </p:cBhvr>
+                                      <p:to>
+                                        <p:strVal val="visible"/>
+                                      </p:to>
+                                    </p:set>
+                                  </p:childTnLst>
+                                </p:cTn>
+                              </p:par>
+                              <p:par>
+                                <p:cTn id="7" presetID="1" presetClass="entr" presetSubtype="0" fill="hold" grpId="0" nodeType="withEffect">
+                                  <p:stCondLst>
+                                    <p:cond delay="0"/>
+                                  </p:stCondLst>
+                                  <p:childTnLst>
+                                    <p:set>
+                                      <p:cBhvr>
+                                        <p:cTn id="8" dur="1" fill="hold">
+                                          <p:stCondLst>
+                                            <p:cond delay="0"/>
+                                          </p:stCondLst>
+                                        </p:cTn>
+                                        <p:tgtEl>
+                                          <p:spTgt spid="3">
+                                            <p:txEl>
+                                              <p:pRg st="1" end="1"/>
+                                            </p:txEl>
+                                          </p:spTgt>
+                                        </p:tgtEl>
+                                        <p:attrNameLst>
+                                          <p:attrName>style.visibility</p:attrName>
+                                        </p:attrNameLst>
+                                      </p:cBhvr>
+                                      <p:to>
+                                        <p:strVal val="visible"/>
+                                      </p:to>
+                                    </p:set>
+                                  </p:childTnLst>
+                                </p:cTn>
+                              </p:par>
+                              <p:par>
+                                <p:cTn id="9" presetID="1" presetClass="entr" presetSubtype="0" fill="hold" grpId="0" nodeType="withEffect">
+                                  <p:stCondLst>
+                                    <p:cond delay="0"/>
+                                  </p:stCondLst>
+                                  <p:childTnLst>
+                                    <p:set>
+                                      <p:cBhvr>
+                                        <p:cTn id="10" dur="1" fill="hold">
+                                          <p:stCondLst>
+                                            <p:cond delay="0"/>
+                                          </p:stCondLst>
+                                        </p:cTn>
+                                        <p:tgtEl>
+                                          <p:spTgt spid="3">
+                                            <p:txEl>
+                                              <p:pRg st="2" end="2"/>
+                                            </p:txEl>
+                                          </p:spTgt>
+                                        </p:tgtEl>
+                                        <p:attrNameLst>
+                                          <p:attrName>style.visibility</p:attrName>
+                                        </p:attrNameLst>
+                                      </p:cBhvr>
+                                      <p:to>
+                                        <p:strVal val="visible"/>
+                                      </p:to>
+                                    </p:set>
+                                  </p:childTnLst>
+                                </p:cTn>
+                              </p:par>
+                              <p:par>
+                                <p:cTn id="11" presetID="1" presetClass="entr" presetSubtype="0" fill="hold" grpId="0" nodeType="withEffect">
+                                  <p:stCondLst>
+                                    <p:cond delay="0"/>
+                                  </p:stCondLst>
+                                  <p:childTnLst>
+                                    <p:set>
+                                      <p:cBhvr>
+                                        <p:cTn id="12" dur="1" fill="hold">
+                                          <p:stCondLst>
+                                            <p:cond delay="0"/>
+                                          </p:stCondLst>
+                                        </p:cTn>
+                                        <p:tgtEl>
+                                          <p:spTgt spid="3">
+                                            <p:txEl>
+                                              <p:pRg st="3" end="3"/>
+                                            </p:txEl>
+                                          </p:spTgt>
+                                        </p:tgtEl>
+                                        <p:attrNameLst>
+                                          <p:attrName>style.visibility</p:attrName>
+                                        </p:attrNameLst>
+                                      </p:cBhvr>
+                                      <p:to>
+                                        <p:strVal val="visible"/>
+                                      </p:to>
+                                    </p:set>
+                                  </p:childTnLst>
+                                </p:cTn>
+                              </p:par>
+                              <p:par>
+                                <p:cTn id="13" presetID="1" presetClass="entr" presetSubtype="0" fill="hold" grpId="0" nodeType="withEffect">
+                                  <p:stCondLst>
+                                    <p:cond delay="0"/>
+                                  </p:stCondLst>
+                                  <p:childTnLst>
+                                    <p:set>
+                                      <p:cBhvr>
+                                        <p:cTn id="14" dur="1" fill="hold">
+                                          <p:stCondLst>
+                                            <p:cond delay="0"/>
+                                          </p:stCondLst>
+                                        </p:cTn>
+                                        <p:tgtEl>
+                                          <p:spTgt spid="3">
+                                            <p:txEl>
+                                              <p:pRg st="4" end="4"/>
+                                            </p:txEl>
+                                          </p:spTgt>
+                                        </p:tgtEl>
+                                        <p:attrNameLst>
+                                          <p:attrName>style.visibility</p:attrName>
+                                        </p:attrNameLst>
+                                      </p:cBhvr>
+                                      <p:to>
+                                        <p:strVal val="visible"/>
+                                      </p:to>
+                                    </p:set>
+                                  </p:childTnLst>
+                                </p:cTn>
+                              </p:par>
+                            </p:childTnLst>
+                          </p:cTn>
+                        </p:par>
+                      </p:childTnLst>
+                    </p:cTn>
+                  </p:par>
+                  <p:par>
+                    <p:cTn id="15" fill="hold">
+                      <p:stCondLst>
+                        <p:cond delay="indefinite"/>
+                      </p:stCondLst>
+                      <p:childTnLst>
+                        <p:par>
+                          <p:cTn id="16" fill="hold">
+                            <p:stCondLst>
+                              <p:cond delay="0"/>
+                            </p:stCondLst>
+                            <p:childTnLst>
+                              <p:par>
+                                <p:cTn id="17" presetID="1" presetClass="entr" presetSubtype="0" fill="hold" grpId="0" nodeType="clickEffect">
+                                  <p:stCondLst>
+                                    <p:cond delay="0"/>
+                                  </p:stCondLst>
+                                  <p:childTnLst>
+                                    <p:set>
+                                      <p:cBhvr>
+                                        <p:cTn id="18" dur="1" fill="hold">
+                                          <p:stCondLst>
+                                            <p:cond delay="0"/>
+                                          </p:stCondLst>
+                                        </p:cTn>
+                                        <p:tgtEl>
+                                          <p:spTgt spid="3">
+                                            <p:txEl>
+                                              <p:pRg st="5" end="5"/>
+                                            </p:txEl>
+                                          </p:spTgt>
+                                        </p:tgtEl>
+                                        <p:attrNameLst>
+                                          <p:attrName>style.visibility</p:attrName>
+                                        </p:attrNameLst>
+                                      </p:cBhvr>
+                                      <p:to>
+                                        <p:strVal val="visible"/>
+                                      </p:to>
+                                    </p:set>
+                                  </p:childTnLst>
+                                </p:cTn>
+                              </p:par>
+                              <p:par>
+                                <p:cTn id="19" presetID="1" presetClass="entr" presetSubtype="0" fill="hold" grpId="0" nodeType="withEffect">
+                                  <p:stCondLst>
+                                    <p:cond delay="0"/>
+                                  </p:stCondLst>
+                                  <p:childTnLst>
+                                    <p:set>
+                                      <p:cBhvr>
+                                        <p:cTn id="20" dur="1" fill="hold">
+                                          <p:stCondLst>
+                                            <p:cond delay="0"/>
+                                          </p:stCondLst>
+                                        </p:cTn>
+                                        <p:tgtEl>
+                                          <p:spTgt spid="3">
+                                            <p:txEl>
+                                              <p:pRg st="6" end="6"/>
+                                            </p:txEl>
+                                          </p:spTgt>
+                                        </p:tgtEl>
+                                        <p:attrNameLst>
+                                          <p:attrName>style.visibility</p:attrName>
+                                        </p:attrNameLst>
+                                      </p:cBhvr>
+                                      <p:to>
+                                        <p:strVal val="visible"/>
+                                      </p:to>
+                                    </p:set>
+                                  </p:childTnLst>
+                                </p:cTn>
+                              </p:par>
+                              <p:par>
+                                <p:cTn id="21" presetID="1" presetClass="entr" presetSubtype="0" fill="hold" grpId="0" nodeType="withEffect">
+                                  <p:stCondLst>
+                                    <p:cond delay="0"/>
+                                  </p:stCondLst>
+                                  <p:childTnLst>
+                                    <p:set>
+                                      <p:cBhvr>
+                                        <p:cTn id="22" dur="1" fill="hold">
+                                          <p:stCondLst>
+                                            <p:cond delay="0"/>
+                                          </p:stCondLst>
+                                        </p:cTn>
+                                        <p:tgtEl>
+                                          <p:spTgt spid="3">
+                                            <p:txEl>
+                                              <p:pRg st="7" end="7"/>
+                                            </p:txEl>
+                                          </p:spTgt>
+                                        </p:tgtEl>
+                                        <p:attrNameLst>
+                                          <p:attrName>style.visibility</p:attrName>
+                                        </p:attrNameLst>
+                                      </p:cBhvr>
+                                      <p:to>
+                                        <p:strVal val="visible"/>
+                                      </p:to>
+                                    </p:set>
+                                  </p:childTnLst>
+                                </p:cTn>
+                              </p:par>
+                              <p:par>
+                                <p:cTn id="23" presetID="1" presetClass="entr" presetSubtype="0" fill="hold" grpId="0" nodeType="withEffect">
+                                  <p:stCondLst>
+                                    <p:cond delay="0"/>
+                                  </p:stCondLst>
+                                  <p:childTnLst>
+                                    <p:set>
+                                      <p:cBhvr>
+                                        <p:cTn id="24" dur="1" fill="hold">
+                                          <p:stCondLst>
+                                            <p:cond delay="0"/>
+                                          </p:stCondLst>
+                                        </p:cTn>
+                                        <p:tgtEl>
+                                          <p:spTgt spid="3">
+                                            <p:txEl>
+                                              <p:pRg st="8" end="8"/>
+                                            </p:txEl>
+                                          </p:spTgt>
+                                        </p:tgtEl>
+                                        <p:attrNameLst>
+                                          <p:attrName>style.visibility</p:attrName>
+                                        </p:attrNameLst>
+                                      </p:cBhvr>
+                                      <p:to>
+                                        <p:strVal val="visible"/>
+                                      </p:to>
+                                    </p:set>
+                                  </p:childTnLst>
+                                </p:cTn>
+                              </p:par>
+                              <p:par>
+                                <p:cTn id="25" presetID="1" presetClass="entr" presetSubtype="0" fill="hold" grpId="0" nodeType="withEffect">
+                                  <p:stCondLst>
+                                    <p:cond delay="0"/>
+                                  </p:stCondLst>
+                                  <p:childTnLst>
+                                    <p:set>
+                                      <p:cBhvr>
+                                        <p:cTn id="26" dur="1" fill="hold">
+                                          <p:stCondLst>
+                                            <p:cond delay="0"/>
+                                          </p:stCondLst>
+                                        </p:cTn>
+                                        <p:tgtEl>
+                                          <p:spTgt spid="15"/>
+                                        </p:tgtEl>
+                                        <p:attrNameLst>
+                                          <p:attrName>style.visibility</p:attrName>
+                                        </p:attrNameLst>
+                                      </p:cBhvr>
+                                      <p:to>
+                                        <p:strVal val="visible"/>
+                                      </p:to>
+                                    </p:set>
+                                  </p:childTnLst>
+                                </p:cTn>
+                              </p:par>
+                            </p:childTnLst>
+                          </p:cTn>
+                        </p:par>
+                      </p:childTnLst>
+                    </p:cTn>
+                  </p:par>
+                  <p:par>
+                    <p:cTn id="27" fill="hold">
+                      <p:stCondLst>
+                        <p:cond delay="indefinite"/>
+                      </p:stCondLst>
+                      <p:childTnLst>
+                        <p:par>
+                          <p:cTn id="28" fill="hold">
+                            <p:stCondLst>
+                              <p:cond delay="0"/>
+                            </p:stCondLst>
+                            <p:childTnLst>
+                              <p:par>
+                                <p:cTn id="29" presetID="1" presetClass="entr" presetSubtype="0" fill="hold" nodeType="clickEffect">
+                                  <p:stCondLst>
+                                    <p:cond delay="0"/>
+                                  </p:stCondLst>
+                                  <p:childTnLst>
+                                    <p:set>
+                                      <p:cBhvr>
+                                        <p:cTn id="30" dur="1" fill="hold">
+                                          <p:stCondLst>
+                                            <p:cond delay="0"/>
+                                          </p:stCondLst>
+                                        </p:cTn>
+                                        <p:tgtEl>
+                                          <p:spTgt spid="51"/>
+                                        </p:tgtEl>
+                                        <p:attrNameLst>
+                                          <p:attrName>style.visibility</p:attrName>
+                                        </p:attrNameLst>
+                                      </p:cBhvr>
+                                      <p:to>
+                                        <p:strVal val="visible"/>
+                                      </p:to>
+                                    </p:set>
+                                  </p:childTnLst>
+                                </p:cTn>
+                              </p:par>
+                            </p:childTnLst>
+                          </p:cTn>
+                        </p:par>
+                      </p:childTnLst>
+                    </p:cTn>
+                  </p:par>
+                  <p:par>
+                    <p:cTn id="31" fill="hold">
+                      <p:stCondLst>
+                        <p:cond delay="indefinite"/>
+                      </p:stCondLst>
+                      <p:childTnLst>
+                        <p:par>
+                          <p:cTn id="32" fill="hold">
+                            <p:stCondLst>
+                              <p:cond delay="0"/>
+                            </p:stCondLst>
+                            <p:childTnLst>
+                              <p:par>
+                                <p:cTn id="33" presetID="1" presetClass="entr" presetSubtype="0" fill="hold" grpId="0" nodeType="clickEffect">
+                                  <p:stCondLst>
+                                    <p:cond delay="0"/>
+                                  </p:stCondLst>
+                                  <p:childTnLst>
+                                    <p:set>
+                                      <p:cBhvr>
+                                        <p:cTn id="34" dur="1" fill="hold">
+                                          <p:stCondLst>
+                                            <p:cond delay="0"/>
+                                          </p:stCondLst>
+                                        </p:cTn>
+                                        <p:tgtEl>
+                                          <p:spTgt spid="3">
+                                            <p:txEl>
+                                              <p:pRg st="9" end="9"/>
+                                            </p:txEl>
+                                          </p:spTgt>
+                                        </p:tgtEl>
+                                        <p:attrNameLst>
+                                          <p:attrName>style.visibility</p:attrName>
+                                        </p:attrNameLst>
+                                      </p:cBhvr>
+                                      <p:to>
+                                        <p:strVal val="visible"/>
+                                      </p:to>
+                                    </p:set>
+                                  </p:childTnLst>
+                                </p:cTn>
+                              </p:par>
+                              <p:par>
+                                <p:cTn id="35" presetID="1" presetClass="entr" presetSubtype="0" fill="hold" grpId="0" nodeType="withEffect">
+                                  <p:stCondLst>
+                                    <p:cond delay="0"/>
+                                  </p:stCondLst>
+                                  <p:childTnLst>
+                                    <p:set>
+                                      <p:cBhvr>
+                                        <p:cTn id="36" dur="1" fill="hold">
+                                          <p:stCondLst>
+                                            <p:cond delay="0"/>
+                                          </p:stCondLst>
+                                        </p:cTn>
+                                        <p:tgtEl>
+                                          <p:spTgt spid="3">
+                                            <p:txEl>
+                                              <p:pRg st="10" end="10"/>
+                                            </p:txEl>
+                                          </p:spTgt>
+                                        </p:tgtEl>
+                                        <p:attrNameLst>
+                                          <p:attrName>style.visibility</p:attrName>
+                                        </p:attrNameLst>
+                                      </p:cBhvr>
+                                      <p:to>
+                                        <p:strVal val="visible"/>
+                                      </p:to>
+                                    </p:set>
+                                  </p:childTnLst>
+                                </p:cTn>
+                              </p:par>
+                            </p:childTnLst>
+                          </p:cTn>
+                        </p:par>
+                      </p:childTnLst>
+                    </p:cTn>
+                  </p:par>
+                </p:childTnLst>
+              </p:cTn>
+              <p:prevCondLst>
+                <p:cond evt="onPrev" delay="0">
+                  <p:tgtEl>
+                    <p:sldTgt/>
+                  </p:tgtEl>
+                </p:cond>
+              </p:prevCondLst>
+              <p:nextCondLst>
+                <p:cond evt="onNext" delay="0">
+                  <p:tgtEl>
+                    <p:sldTgt/>
+                  </p:tgtEl>
+                </p:cond>
+              </p:nextCondLst>
+            </p:seq>
+          </p:childTnLst>
+        </p:cTn>
+      </p:par>
+    </p:tnLst>
+    <p:bldLst>
+      <p:bldP spid="3" grpId="0" build="p"/>
+      <p:bldP spid="15" grpId="0" animBg="1"/>
+    </p:bldLst>
+  </p:timing>
+</p:sld>
+</file>
+
+<file path=ppt/slides/slide40.xml><?xml version="1.0" encoding="utf-8"?>
+<p:sld xmlns:a="http://schemas.openxmlformats.org/drawingml/2006/main" xmlns:r="http://schemas.openxmlformats.org/officeDocument/2006/relationships" xmlns:p="http://schemas.openxmlformats.org/presentationml/2006/main">
+  <p:cSld>
+    <p:spTree>
+      <p:nvGrpSpPr>
+        <p:cNvPr id="1" name=""/>
+        <p:cNvGrpSpPr/>
+        <p:nvPr/>
+      </p:nvGrpSpPr>
+      <p:grpSpPr>
+        <a:xfrm>
+          <a:off x="0" y="0"/>
+          <a:ext cx="0" cy="0"/>
+          <a:chOff x="0" y="0"/>
+          <a:chExt cx="0" cy="0"/>
+        </a:xfrm>
+      </p:grpSpPr>
+      <p:sp>
+        <p:nvSpPr>
+          <p:cNvPr id="2" name="Title 1"/>
+          <p:cNvSpPr>
+            <a:spLocks noGrp="1"/>
+          </p:cNvSpPr>
+          <p:nvPr>
+            <p:ph type="title"/>
+          </p:nvPr>
+        </p:nvSpPr>
+        <p:spPr/>
+        <p:txBody>
+          <a:bodyPr/>
+          <a:lstStyle/>
+          <a:p>
+            <a:r>
+              <a:rPr lang="en-US" dirty="0" smtClean="0"/>
+              <a:t>API Tour</a:t>
+            </a:r>
+            <a:endParaRPr lang="en-US" dirty="0"/>
+          </a:p>
+        </p:txBody>
+      </p:sp>
+      <p:sp>
+        <p:nvSpPr>
+          <p:cNvPr id="3" name="Content Placeholder 2"/>
+          <p:cNvSpPr>
+            <a:spLocks noGrp="1"/>
+          </p:cNvSpPr>
+          <p:nvPr>
+            <p:ph idx="1"/>
+          </p:nvPr>
+        </p:nvSpPr>
+        <p:spPr/>
+        <p:txBody>
+          <a:bodyPr/>
+          <a:lstStyle/>
+          <a:p>
+            <a:r>
+              <a:rPr lang="en-US" dirty="0"/>
+              <a:t>model-</a:t>
+            </a:r>
+            <a:r>
+              <a:rPr lang="en-US" dirty="0" err="1" smtClean="0"/>
+              <a:t>api</a:t>
+            </a:r>
+            <a:endParaRPr lang="en-US" dirty="0" smtClean="0"/>
+          </a:p>
+          <a:p>
+            <a:pPr lvl="1"/>
+            <a:r>
+              <a:rPr lang="en-US" dirty="0" smtClean="0"/>
+              <a:t>Network</a:t>
+            </a:r>
+            <a:r>
+              <a:rPr lang="en-US" dirty="0"/>
+              <a:t>, table model</a:t>
+            </a:r>
+          </a:p>
+          <a:p>
+            <a:r>
+              <a:rPr lang="en-US" dirty="0"/>
+              <a:t>event-</a:t>
+            </a:r>
+            <a:r>
+              <a:rPr lang="en-US" dirty="0" err="1" smtClean="0"/>
+              <a:t>api</a:t>
+            </a:r>
+            <a:endParaRPr lang="en-US" dirty="0" smtClean="0"/>
+          </a:p>
+          <a:p>
+            <a:pPr lvl="1"/>
+            <a:r>
+              <a:rPr lang="en-US" dirty="0" smtClean="0"/>
+              <a:t>Event </a:t>
+            </a:r>
+            <a:r>
+              <a:rPr lang="en-US" dirty="0"/>
+              <a:t>model</a:t>
+            </a:r>
+          </a:p>
+          <a:p>
+            <a:r>
+              <a:rPr lang="en-US" dirty="0"/>
+              <a:t>work-</a:t>
+            </a:r>
+            <a:r>
+              <a:rPr lang="en-US" dirty="0" err="1" smtClean="0"/>
+              <a:t>api</a:t>
+            </a:r>
+            <a:endParaRPr lang="en-US" dirty="0" smtClean="0"/>
+          </a:p>
+          <a:p>
+            <a:pPr lvl="1"/>
+            <a:r>
+              <a:rPr lang="en-US" dirty="0" smtClean="0"/>
+              <a:t>Tasks</a:t>
+            </a:r>
+            <a:r>
+              <a:rPr lang="en-US" dirty="0"/>
+              <a:t>, </a:t>
+            </a:r>
+            <a:r>
+              <a:rPr lang="en-US" dirty="0" err="1"/>
+              <a:t>TaskFactory</a:t>
+            </a:r>
+            <a:endParaRPr lang="en-US" dirty="0"/>
+          </a:p>
+          <a:p>
+            <a:r>
+              <a:rPr lang="en-US" dirty="0"/>
+              <a:t>layout-</a:t>
+            </a:r>
+            <a:r>
+              <a:rPr lang="en-US" dirty="0" err="1" smtClean="0"/>
+              <a:t>api</a:t>
+            </a:r>
+            <a:endParaRPr lang="en-US" dirty="0" smtClean="0"/>
+          </a:p>
+          <a:p>
+            <a:pPr lvl="1"/>
+            <a:r>
+              <a:rPr lang="en-US" dirty="0" smtClean="0"/>
+              <a:t>Defining </a:t>
+            </a:r>
+            <a:r>
+              <a:rPr lang="en-US" dirty="0"/>
+              <a:t>layouts</a:t>
+            </a:r>
+          </a:p>
+          <a:p>
+            <a:endParaRPr lang="en-US" dirty="0"/>
+          </a:p>
+        </p:txBody>
+      </p:sp>
+      <p:sp>
+        <p:nvSpPr>
+          <p:cNvPr id="4" name="Date Placeholder 3"/>
+          <p:cNvSpPr>
+            <a:spLocks noGrp="1"/>
+          </p:cNvSpPr>
+          <p:nvPr>
+            <p:ph type="dt" sz="half" idx="10"/>
+          </p:nvPr>
+        </p:nvSpPr>
+        <p:spPr/>
+        <p:txBody>
+          <a:bodyPr/>
+          <a:lstStyle/>
+          <a:p>
+            <a:r>
+              <a:rPr lang="en-US" smtClean="0"/>
+              <a:t>2013-10-10</a:t>
+            </a:r>
+            <a:endParaRPr lang="en-US"/>
+          </a:p>
+        </p:txBody>
+      </p:sp>
+      <p:sp>
+        <p:nvSpPr>
+          <p:cNvPr id="5" name="Footer Placeholder 4"/>
+          <p:cNvSpPr>
+            <a:spLocks noGrp="1"/>
+          </p:cNvSpPr>
+          <p:nvPr>
+            <p:ph type="ftr" sz="quarter" idx="11"/>
+          </p:nvPr>
+        </p:nvSpPr>
+        <p:spPr/>
+        <p:txBody>
+          <a:bodyPr/>
+          <a:lstStyle/>
+          <a:p>
+            <a:r>
+              <a:rPr lang="en-US" smtClean="0"/>
+              <a:t>10th Annual Cytoscape Workshop: Developer Tutorial</a:t>
+            </a:r>
+            <a:endParaRPr lang="en-US"/>
+          </a:p>
+        </p:txBody>
+      </p:sp>
+      <p:sp>
+        <p:nvSpPr>
+          <p:cNvPr id="6" name="Slide Number Placeholder 5"/>
+          <p:cNvSpPr>
+            <a:spLocks noGrp="1"/>
+          </p:cNvSpPr>
+          <p:nvPr>
+            <p:ph type="sldNum" sz="quarter" idx="12"/>
+          </p:nvPr>
+        </p:nvSpPr>
+        <p:spPr/>
+        <p:txBody>
+          <a:bodyPr/>
+          <a:lstStyle/>
+          <a:p>
+            <a:fld id="{C95C7C89-7756-A247-827B-20C7D5DE1444}" type="slidenum">
+              <a:rPr lang="en-US" smtClean="0"/>
+              <a:t>40</a:t>
+            </a:fld>
+            <a:endParaRPr lang="en-US"/>
+          </a:p>
+        </p:txBody>
+      </p:sp>
+    </p:spTree>
+    <p:extLst>
+      <p:ext uri="{BB962C8B-B14F-4D97-AF65-F5344CB8AC3E}">
+        <p14:creationId xmlns:p14="http://schemas.microsoft.com/office/powerpoint/2010/main" val="3024961004"/>
+      </p:ext>
+    </p:extLst>
+  </p:cSld>
+  <p:clrMapOvr>
+    <a:masterClrMapping/>
+  </p:clrMapOvr>
+</p:sld>
+</file>
+
+<file path=ppt/slides/slide41.xml><?xml version="1.0" encoding="utf-8"?>
+<p:sld xmlns:a="http://schemas.openxmlformats.org/drawingml/2006/main" xmlns:r="http://schemas.openxmlformats.org/officeDocument/2006/relationships" xmlns:p="http://schemas.openxmlformats.org/presentationml/2006/main">
+  <p:cSld>
+    <p:spTree>
+      <p:nvGrpSpPr>
+        <p:cNvPr id="1" name=""/>
+        <p:cNvGrpSpPr/>
+        <p:nvPr/>
+      </p:nvGrpSpPr>
+      <p:grpSpPr>
+        <a:xfrm>
+          <a:off x="0" y="0"/>
+          <a:ext cx="0" cy="0"/>
+          <a:chOff x="0" y="0"/>
+          <a:chExt cx="0" cy="0"/>
+        </a:xfrm>
+      </p:grpSpPr>
+      <p:sp>
+        <p:nvSpPr>
+          <p:cNvPr id="2" name="Title 1"/>
+          <p:cNvSpPr>
+            <a:spLocks noGrp="1"/>
+          </p:cNvSpPr>
+          <p:nvPr>
+            <p:ph type="title"/>
+          </p:nvPr>
+        </p:nvSpPr>
+        <p:spPr/>
+        <p:txBody>
+          <a:bodyPr/>
+          <a:lstStyle/>
+          <a:p>
+            <a:r>
+              <a:rPr lang="en-US" dirty="0" smtClean="0"/>
+              <a:t>API Tour</a:t>
+            </a:r>
+            <a:endParaRPr lang="en-US" dirty="0"/>
+          </a:p>
+        </p:txBody>
+      </p:sp>
+      <p:sp>
+        <p:nvSpPr>
+          <p:cNvPr id="3" name="Content Placeholder 2"/>
+          <p:cNvSpPr>
+            <a:spLocks noGrp="1"/>
+          </p:cNvSpPr>
+          <p:nvPr>
+            <p:ph idx="1"/>
+          </p:nvPr>
+        </p:nvSpPr>
+        <p:spPr/>
+        <p:txBody>
+          <a:bodyPr>
+            <a:normAutofit lnSpcReduction="10000"/>
+          </a:bodyPr>
+          <a:lstStyle/>
+          <a:p>
+            <a:r>
+              <a:rPr lang="en-US" dirty="0"/>
+              <a:t>presentation-</a:t>
+            </a:r>
+            <a:r>
+              <a:rPr lang="en-US" dirty="0" err="1" smtClean="0"/>
+              <a:t>api</a:t>
+            </a:r>
+            <a:endParaRPr lang="en-US" dirty="0" smtClean="0"/>
+          </a:p>
+          <a:p>
+            <a:pPr lvl="1"/>
+            <a:r>
+              <a:rPr lang="en-US" dirty="0" smtClean="0"/>
+              <a:t>Visual </a:t>
+            </a:r>
+            <a:r>
+              <a:rPr lang="en-US" dirty="0"/>
+              <a:t>property definitions</a:t>
+            </a:r>
+          </a:p>
+          <a:p>
+            <a:r>
+              <a:rPr lang="en-US" dirty="0" err="1"/>
+              <a:t>viewmodel-</a:t>
+            </a:r>
+            <a:r>
+              <a:rPr lang="en-US" dirty="0" err="1" smtClean="0"/>
+              <a:t>api</a:t>
+            </a:r>
+            <a:endParaRPr lang="en-US" dirty="0" smtClean="0"/>
+          </a:p>
+          <a:p>
+            <a:pPr lvl="1"/>
+            <a:r>
+              <a:rPr lang="en-US" dirty="0" smtClean="0"/>
+              <a:t>Setting </a:t>
+            </a:r>
+            <a:r>
+              <a:rPr lang="en-US" dirty="0"/>
+              <a:t>visual properties</a:t>
+            </a:r>
+          </a:p>
+          <a:p>
+            <a:r>
+              <a:rPr lang="en-US" dirty="0" err="1"/>
+              <a:t>vizmap-</a:t>
+            </a:r>
+            <a:r>
+              <a:rPr lang="en-US" dirty="0" err="1" smtClean="0"/>
+              <a:t>api</a:t>
+            </a:r>
+            <a:endParaRPr lang="en-US" dirty="0" smtClean="0"/>
+          </a:p>
+          <a:p>
+            <a:pPr lvl="1"/>
+            <a:r>
+              <a:rPr lang="en-US" dirty="0" smtClean="0"/>
+              <a:t>Visual mapping</a:t>
+            </a:r>
+          </a:p>
+          <a:p>
+            <a:r>
+              <a:rPr lang="en-US" dirty="0"/>
+              <a:t>swing-</a:t>
+            </a:r>
+            <a:r>
+              <a:rPr lang="en-US" dirty="0" err="1" smtClean="0"/>
+              <a:t>util</a:t>
+            </a:r>
+            <a:endParaRPr lang="en-US" dirty="0" smtClean="0"/>
+          </a:p>
+          <a:p>
+            <a:pPr lvl="1"/>
+            <a:r>
+              <a:rPr lang="en-US" dirty="0" smtClean="0"/>
+              <a:t>GUI </a:t>
+            </a:r>
+            <a:r>
+              <a:rPr lang="en-US" dirty="0"/>
+              <a:t>utilities; e.g. file load/save dialog; color chooser dialog</a:t>
+            </a:r>
+          </a:p>
+          <a:p>
+            <a:pPr lvl="1"/>
+            <a:endParaRPr lang="en-US" dirty="0"/>
+          </a:p>
+          <a:p>
+            <a:endParaRPr lang="en-US" dirty="0"/>
+          </a:p>
+        </p:txBody>
+      </p:sp>
+      <p:sp>
+        <p:nvSpPr>
+          <p:cNvPr id="4" name="Date Placeholder 3"/>
+          <p:cNvSpPr>
+            <a:spLocks noGrp="1"/>
+          </p:cNvSpPr>
+          <p:nvPr>
+            <p:ph type="dt" sz="half" idx="10"/>
+          </p:nvPr>
+        </p:nvSpPr>
+        <p:spPr/>
+        <p:txBody>
+          <a:bodyPr/>
+          <a:lstStyle/>
+          <a:p>
+            <a:r>
+              <a:rPr lang="en-US" smtClean="0"/>
+              <a:t>2013-10-10</a:t>
+            </a:r>
+            <a:endParaRPr lang="en-US"/>
+          </a:p>
+        </p:txBody>
+      </p:sp>
+      <p:sp>
+        <p:nvSpPr>
+          <p:cNvPr id="5" name="Footer Placeholder 4"/>
+          <p:cNvSpPr>
+            <a:spLocks noGrp="1"/>
+          </p:cNvSpPr>
+          <p:nvPr>
+            <p:ph type="ftr" sz="quarter" idx="11"/>
+          </p:nvPr>
+        </p:nvSpPr>
+        <p:spPr/>
+        <p:txBody>
+          <a:bodyPr/>
+          <a:lstStyle/>
+          <a:p>
+            <a:r>
+              <a:rPr lang="en-US" smtClean="0"/>
+              <a:t>10th Annual Cytoscape Workshop: Developer Tutorial</a:t>
+            </a:r>
+            <a:endParaRPr lang="en-US"/>
+          </a:p>
+        </p:txBody>
+      </p:sp>
+      <p:sp>
+        <p:nvSpPr>
+          <p:cNvPr id="6" name="Slide Number Placeholder 5"/>
+          <p:cNvSpPr>
+            <a:spLocks noGrp="1"/>
+          </p:cNvSpPr>
+          <p:nvPr>
+            <p:ph type="sldNum" sz="quarter" idx="12"/>
+          </p:nvPr>
+        </p:nvSpPr>
+        <p:spPr/>
+        <p:txBody>
+          <a:bodyPr/>
+          <a:lstStyle/>
+          <a:p>
+            <a:fld id="{C95C7C89-7756-A247-827B-20C7D5DE1444}" type="slidenum">
+              <a:rPr lang="en-US" smtClean="0"/>
+              <a:t>41</a:t>
+            </a:fld>
+            <a:endParaRPr lang="en-US"/>
+          </a:p>
+        </p:txBody>
+      </p:sp>
+    </p:spTree>
+    <p:extLst>
+      <p:ext uri="{BB962C8B-B14F-4D97-AF65-F5344CB8AC3E}">
+        <p14:creationId xmlns:p14="http://schemas.microsoft.com/office/powerpoint/2010/main" val="2891594269"/>
+      </p:ext>
+    </p:extLst>
+  </p:cSld>
+  <p:clrMapOvr>
+    <a:masterClrMapping/>
+  </p:clrMapOvr>
+</p:sld>
+</file>
+
+<file path=ppt/slides/slide42.xml><?xml version="1.0" encoding="utf-8"?>
+<p:sld xmlns:a="http://schemas.openxmlformats.org/drawingml/2006/main" xmlns:r="http://schemas.openxmlformats.org/officeDocument/2006/relationships" xmlns:p="http://schemas.openxmlformats.org/presentationml/2006/main">
+  <p:cSld>
+    <p:spTree>
+      <p:nvGrpSpPr>
+        <p:cNvPr id="1" name=""/>
+        <p:cNvGrpSpPr/>
+        <p:nvPr/>
+      </p:nvGrpSpPr>
+      <p:grpSpPr>
+        <a:xfrm>
+          <a:off x="0" y="0"/>
+          <a:ext cx="0" cy="0"/>
+          <a:chOff x="0" y="0"/>
+          <a:chExt cx="0" cy="0"/>
+        </a:xfrm>
+      </p:grpSpPr>
+      <p:sp>
+        <p:nvSpPr>
+          <p:cNvPr id="2" name="Title 1"/>
+          <p:cNvSpPr>
+            <a:spLocks noGrp="1"/>
+          </p:cNvSpPr>
+          <p:nvPr>
+            <p:ph type="title"/>
+          </p:nvPr>
+        </p:nvSpPr>
+        <p:spPr/>
+        <p:txBody>
+          <a:bodyPr/>
+          <a:lstStyle/>
+          <a:p>
+            <a:r>
+              <a:rPr lang="en-US" dirty="0" smtClean="0"/>
+              <a:t>API Tour</a:t>
+            </a:r>
+            <a:endParaRPr lang="en-US" dirty="0"/>
+          </a:p>
+        </p:txBody>
+      </p:sp>
+      <p:sp>
+        <p:nvSpPr>
+          <p:cNvPr id="3" name="Content Placeholder 2"/>
+          <p:cNvSpPr>
+            <a:spLocks noGrp="1"/>
+          </p:cNvSpPr>
+          <p:nvPr>
+            <p:ph idx="1"/>
+          </p:nvPr>
+        </p:nvSpPr>
+        <p:spPr/>
+        <p:txBody>
+          <a:bodyPr>
+            <a:normAutofit lnSpcReduction="10000"/>
+          </a:bodyPr>
+          <a:lstStyle/>
+          <a:p>
+            <a:r>
+              <a:rPr lang="en-US" dirty="0"/>
+              <a:t>equations-</a:t>
+            </a:r>
+            <a:r>
+              <a:rPr lang="en-US" dirty="0" err="1" smtClean="0"/>
+              <a:t>api</a:t>
+            </a:r>
+            <a:endParaRPr lang="en-US" dirty="0" smtClean="0"/>
+          </a:p>
+          <a:p>
+            <a:pPr lvl="1"/>
+            <a:r>
+              <a:rPr lang="en-US" dirty="0" smtClean="0"/>
+              <a:t>Defining </a:t>
+            </a:r>
+            <a:r>
+              <a:rPr lang="en-US" dirty="0" err="1"/>
+              <a:t>CyTable</a:t>
+            </a:r>
+            <a:r>
+              <a:rPr lang="en-US" dirty="0"/>
+              <a:t> equations (like Excel functions)</a:t>
+            </a:r>
+          </a:p>
+          <a:p>
+            <a:r>
+              <a:rPr lang="en-US" dirty="0"/>
+              <a:t>group-</a:t>
+            </a:r>
+            <a:r>
+              <a:rPr lang="en-US" dirty="0" err="1" smtClean="0"/>
+              <a:t>api</a:t>
+            </a:r>
+            <a:endParaRPr lang="en-US" dirty="0" smtClean="0"/>
+          </a:p>
+          <a:p>
+            <a:pPr lvl="1"/>
+            <a:r>
+              <a:rPr lang="en-US" dirty="0" smtClean="0"/>
+              <a:t>Working </a:t>
+            </a:r>
+            <a:r>
+              <a:rPr lang="en-US" dirty="0"/>
+              <a:t>with </a:t>
+            </a:r>
+            <a:r>
+              <a:rPr lang="en-US" dirty="0" err="1" smtClean="0"/>
+              <a:t>CyGroups</a:t>
+            </a:r>
+            <a:r>
+              <a:rPr lang="en-US" dirty="0" smtClean="0"/>
+              <a:t> (</a:t>
+            </a:r>
+            <a:r>
+              <a:rPr lang="en-US" dirty="0" err="1" smtClean="0"/>
+              <a:t>a.k.a</a:t>
+            </a:r>
+            <a:r>
+              <a:rPr lang="en-US" dirty="0" smtClean="0"/>
+              <a:t> </a:t>
+            </a:r>
+            <a:r>
+              <a:rPr lang="en-US" dirty="0" err="1" smtClean="0"/>
+              <a:t>metanodes</a:t>
+            </a:r>
+            <a:r>
+              <a:rPr lang="en-US" dirty="0" smtClean="0"/>
+              <a:t>)</a:t>
+            </a:r>
+            <a:endParaRPr lang="en-US" dirty="0"/>
+          </a:p>
+          <a:p>
+            <a:r>
+              <a:rPr lang="en-US" dirty="0" err="1"/>
+              <a:t>io-</a:t>
+            </a:r>
+            <a:r>
+              <a:rPr lang="en-US" dirty="0" err="1" smtClean="0"/>
+              <a:t>api</a:t>
+            </a:r>
+            <a:endParaRPr lang="en-US" dirty="0" smtClean="0"/>
+          </a:p>
+          <a:p>
+            <a:pPr lvl="1"/>
+            <a:r>
+              <a:rPr lang="en-US" dirty="0" smtClean="0"/>
+              <a:t>Defining </a:t>
+            </a:r>
+            <a:r>
+              <a:rPr lang="en-US" dirty="0"/>
+              <a:t>importers/exporters; reading </a:t>
+            </a:r>
+            <a:r>
+              <a:rPr lang="en-US" dirty="0" smtClean="0"/>
+              <a:t>streams</a:t>
+            </a:r>
+          </a:p>
+          <a:p>
+            <a:r>
+              <a:rPr lang="en-US" dirty="0" smtClean="0"/>
+              <a:t>(swing-)application-</a:t>
+            </a:r>
+            <a:r>
+              <a:rPr lang="en-US" dirty="0" err="1" smtClean="0"/>
+              <a:t>api</a:t>
+            </a:r>
+            <a:endParaRPr lang="en-US" dirty="0" smtClean="0"/>
+          </a:p>
+          <a:p>
+            <a:pPr lvl="1"/>
+            <a:r>
+              <a:rPr lang="en-US" dirty="0" smtClean="0"/>
+              <a:t>Accessing s</a:t>
+            </a:r>
+            <a:r>
+              <a:rPr lang="en-US" dirty="0" smtClean="0"/>
+              <a:t>ystem-level state and events (e.g. UI panels, toolbar, menus, main </a:t>
+            </a:r>
+            <a:r>
+              <a:rPr lang="en-US" dirty="0" err="1" smtClean="0"/>
+              <a:t>JFrame</a:t>
+            </a:r>
+            <a:r>
+              <a:rPr lang="en-US" dirty="0" smtClean="0"/>
+              <a:t>)</a:t>
+            </a:r>
+            <a:endParaRPr lang="en-US" dirty="0"/>
+          </a:p>
+          <a:p>
+            <a:endParaRPr lang="en-US" dirty="0"/>
+          </a:p>
+        </p:txBody>
+      </p:sp>
+      <p:sp>
+        <p:nvSpPr>
+          <p:cNvPr id="4" name="Date Placeholder 3"/>
+          <p:cNvSpPr>
+            <a:spLocks noGrp="1"/>
+          </p:cNvSpPr>
+          <p:nvPr>
+            <p:ph type="dt" sz="half" idx="10"/>
+          </p:nvPr>
+        </p:nvSpPr>
+        <p:spPr/>
+        <p:txBody>
+          <a:bodyPr/>
+          <a:lstStyle/>
+          <a:p>
+            <a:r>
+              <a:rPr lang="en-US" smtClean="0"/>
+              <a:t>2013-10-10</a:t>
+            </a:r>
+            <a:endParaRPr lang="en-US"/>
+          </a:p>
+        </p:txBody>
+      </p:sp>
+      <p:sp>
+        <p:nvSpPr>
+          <p:cNvPr id="5" name="Footer Placeholder 4"/>
+          <p:cNvSpPr>
+            <a:spLocks noGrp="1"/>
+          </p:cNvSpPr>
+          <p:nvPr>
+            <p:ph type="ftr" sz="quarter" idx="11"/>
+          </p:nvPr>
+        </p:nvSpPr>
+        <p:spPr/>
+        <p:txBody>
+          <a:bodyPr/>
+          <a:lstStyle/>
+          <a:p>
+            <a:r>
+              <a:rPr lang="en-US" smtClean="0"/>
+              <a:t>10th Annual Cytoscape Workshop: Developer Tutorial</a:t>
+            </a:r>
+            <a:endParaRPr lang="en-US"/>
+          </a:p>
+        </p:txBody>
+      </p:sp>
+      <p:sp>
+        <p:nvSpPr>
+          <p:cNvPr id="6" name="Slide Number Placeholder 5"/>
+          <p:cNvSpPr>
+            <a:spLocks noGrp="1"/>
+          </p:cNvSpPr>
+          <p:nvPr>
+            <p:ph type="sldNum" sz="quarter" idx="12"/>
+          </p:nvPr>
+        </p:nvSpPr>
+        <p:spPr/>
+        <p:txBody>
+          <a:bodyPr/>
+          <a:lstStyle/>
+          <a:p>
+            <a:fld id="{C95C7C89-7756-A247-827B-20C7D5DE1444}" type="slidenum">
+              <a:rPr lang="en-US" smtClean="0"/>
+              <a:t>42</a:t>
+            </a:fld>
+            <a:endParaRPr lang="en-US"/>
+          </a:p>
+        </p:txBody>
+      </p:sp>
+    </p:spTree>
+    <p:extLst>
+      <p:ext uri="{BB962C8B-B14F-4D97-AF65-F5344CB8AC3E}">
+        <p14:creationId xmlns:p14="http://schemas.microsoft.com/office/powerpoint/2010/main" val="200661016"/>
+      </p:ext>
+    </p:extLst>
+  </p:cSld>
+  <p:clrMapOvr>
+    <a:masterClrMapping/>
+  </p:clrMapOvr>
+</p:sld>
+</file>
+
+<file path=ppt/slides/slide43.xml><?xml version="1.0" encoding="utf-8"?>
+<p:sld xmlns:a="http://schemas.openxmlformats.org/drawingml/2006/main" xmlns:r="http://schemas.openxmlformats.org/officeDocument/2006/relationships" xmlns:p="http://schemas.openxmlformats.org/presentationml/2006/main">
+  <p:cSld>
+    <p:spTree>
+      <p:nvGrpSpPr>
+        <p:cNvPr id="1" name=""/>
+        <p:cNvGrpSpPr/>
+        <p:nvPr/>
+      </p:nvGrpSpPr>
+      <p:grpSpPr>
+        <a:xfrm>
+          <a:off x="0" y="0"/>
+          <a:ext cx="0" cy="0"/>
+          <a:chOff x="0" y="0"/>
+          <a:chExt cx="0" cy="0"/>
+        </a:xfrm>
+      </p:grpSpPr>
+      <p:sp>
+        <p:nvSpPr>
+          <p:cNvPr id="2" name="Title 1"/>
+          <p:cNvSpPr>
+            <a:spLocks noGrp="1"/>
+          </p:cNvSpPr>
+          <p:nvPr>
+            <p:ph type="title"/>
+          </p:nvPr>
+        </p:nvSpPr>
+        <p:spPr/>
+        <p:txBody>
+          <a:bodyPr/>
+          <a:lstStyle/>
+          <a:p>
+            <a:r>
+              <a:rPr lang="en-US" dirty="0" smtClean="0"/>
+              <a:t>API Tour</a:t>
+            </a:r>
+            <a:endParaRPr lang="en-US" dirty="0"/>
+          </a:p>
+        </p:txBody>
+      </p:sp>
+      <p:sp>
+        <p:nvSpPr>
+          <p:cNvPr id="3" name="Content Placeholder 2"/>
+          <p:cNvSpPr>
+            <a:spLocks noGrp="1"/>
+          </p:cNvSpPr>
+          <p:nvPr>
+            <p:ph idx="1"/>
+          </p:nvPr>
+        </p:nvSpPr>
+        <p:spPr/>
+        <p:txBody>
+          <a:bodyPr>
+            <a:normAutofit lnSpcReduction="10000"/>
+          </a:bodyPr>
+          <a:lstStyle/>
+          <a:p>
+            <a:r>
+              <a:rPr lang="en-US" dirty="0"/>
+              <a:t>property-</a:t>
+            </a:r>
+            <a:r>
+              <a:rPr lang="en-US" dirty="0" err="1" smtClean="0"/>
+              <a:t>api</a:t>
+            </a:r>
+            <a:endParaRPr lang="en-US" dirty="0" smtClean="0"/>
+          </a:p>
+          <a:p>
+            <a:pPr lvl="1"/>
+            <a:r>
+              <a:rPr lang="en-US" dirty="0" smtClean="0"/>
+              <a:t>Access</a:t>
+            </a:r>
+            <a:r>
+              <a:rPr lang="en-US" dirty="0"/>
+              <a:t>/define system properties; Access session-level properties</a:t>
+            </a:r>
+          </a:p>
+          <a:p>
+            <a:r>
+              <a:rPr lang="en-US" dirty="0"/>
+              <a:t>service-</a:t>
+            </a:r>
+            <a:r>
+              <a:rPr lang="en-US" dirty="0" err="1" smtClean="0"/>
+              <a:t>api</a:t>
+            </a:r>
+            <a:endParaRPr lang="en-US" dirty="0" smtClean="0"/>
+          </a:p>
+          <a:p>
+            <a:pPr lvl="1"/>
+            <a:r>
+              <a:rPr lang="en-US" dirty="0" err="1" smtClean="0"/>
+              <a:t>AbstractCyActivator</a:t>
+            </a:r>
+            <a:r>
+              <a:rPr lang="en-US" dirty="0" smtClean="0"/>
+              <a:t>; service </a:t>
+            </a:r>
+            <a:r>
+              <a:rPr lang="en-US" dirty="0"/>
+              <a:t>(un)registration; service listener registration</a:t>
+            </a:r>
+          </a:p>
+          <a:p>
+            <a:r>
+              <a:rPr lang="en-US" dirty="0"/>
+              <a:t>session-</a:t>
+            </a:r>
+            <a:r>
+              <a:rPr lang="en-US" dirty="0" err="1" smtClean="0"/>
+              <a:t>api</a:t>
+            </a:r>
+            <a:endParaRPr lang="en-US" dirty="0" smtClean="0"/>
+          </a:p>
+          <a:p>
+            <a:pPr lvl="1"/>
+            <a:r>
+              <a:rPr lang="en-US" dirty="0" smtClean="0"/>
+              <a:t>Access </a:t>
+            </a:r>
+            <a:r>
+              <a:rPr lang="en-US" dirty="0"/>
+              <a:t>current session file name; take snapshot of current session</a:t>
+            </a:r>
+          </a:p>
+        </p:txBody>
+      </p:sp>
+      <p:sp>
+        <p:nvSpPr>
+          <p:cNvPr id="4" name="Date Placeholder 3"/>
+          <p:cNvSpPr>
+            <a:spLocks noGrp="1"/>
+          </p:cNvSpPr>
+          <p:nvPr>
+            <p:ph type="dt" sz="half" idx="10"/>
+          </p:nvPr>
+        </p:nvSpPr>
+        <p:spPr/>
+        <p:txBody>
+          <a:bodyPr/>
+          <a:lstStyle/>
+          <a:p>
+            <a:r>
+              <a:rPr lang="en-US" smtClean="0"/>
+              <a:t>2013-10-10</a:t>
+            </a:r>
+            <a:endParaRPr lang="en-US"/>
+          </a:p>
+        </p:txBody>
+      </p:sp>
+      <p:sp>
+        <p:nvSpPr>
+          <p:cNvPr id="5" name="Footer Placeholder 4"/>
+          <p:cNvSpPr>
+            <a:spLocks noGrp="1"/>
+          </p:cNvSpPr>
+          <p:nvPr>
+            <p:ph type="ftr" sz="quarter" idx="11"/>
+          </p:nvPr>
+        </p:nvSpPr>
+        <p:spPr/>
+        <p:txBody>
+          <a:bodyPr/>
+          <a:lstStyle/>
+          <a:p>
+            <a:r>
+              <a:rPr lang="en-US" smtClean="0"/>
+              <a:t>10th Annual Cytoscape Workshop: Developer Tutorial</a:t>
+            </a:r>
+            <a:endParaRPr lang="en-US"/>
+          </a:p>
+        </p:txBody>
+      </p:sp>
+      <p:sp>
+        <p:nvSpPr>
+          <p:cNvPr id="6" name="Slide Number Placeholder 5"/>
+          <p:cNvSpPr>
+            <a:spLocks noGrp="1"/>
+          </p:cNvSpPr>
+          <p:nvPr>
+            <p:ph type="sldNum" sz="quarter" idx="12"/>
+          </p:nvPr>
+        </p:nvSpPr>
+        <p:spPr/>
+        <p:txBody>
+          <a:bodyPr/>
+          <a:lstStyle/>
+          <a:p>
+            <a:fld id="{C95C7C89-7756-A247-827B-20C7D5DE1444}" type="slidenum">
+              <a:rPr lang="en-US" smtClean="0"/>
+              <a:t>43</a:t>
+            </a:fld>
+            <a:endParaRPr lang="en-US"/>
+          </a:p>
+        </p:txBody>
+      </p:sp>
+    </p:spTree>
+    <p:extLst>
+      <p:ext uri="{BB962C8B-B14F-4D97-AF65-F5344CB8AC3E}">
+        <p14:creationId xmlns:p14="http://schemas.microsoft.com/office/powerpoint/2010/main" val="2836551226"/>
+      </p:ext>
+    </p:extLst>
+  </p:cSld>
+  <p:clrMapOvr>
+    <a:masterClrMapping/>
+  </p:clrMapOvr>
+</p:sld>
+</file>
+
+<file path=ppt/slides/slide44.xml><?xml version="1.0" encoding="utf-8"?>
+<p:sld xmlns:a="http://schemas.openxmlformats.org/drawingml/2006/main" xmlns:r="http://schemas.openxmlformats.org/officeDocument/2006/relationships" xmlns:p="http://schemas.openxmlformats.org/presentationml/2006/main">
+  <p:cSld>
+    <p:spTree>
+      <p:nvGrpSpPr>
+        <p:cNvPr id="1" name=""/>
+        <p:cNvGrpSpPr/>
+        <p:nvPr/>
+      </p:nvGrpSpPr>
+      <p:grpSpPr>
+        <a:xfrm>
+          <a:off x="0" y="0"/>
+          <a:ext cx="0" cy="0"/>
+          <a:chOff x="0" y="0"/>
+          <a:chExt cx="0" cy="0"/>
+        </a:xfrm>
+      </p:grpSpPr>
+      <p:sp>
+        <p:nvSpPr>
+          <p:cNvPr id="2" name="Title 1"/>
+          <p:cNvSpPr>
+            <a:spLocks noGrp="1"/>
+          </p:cNvSpPr>
+          <p:nvPr>
+            <p:ph type="title"/>
+          </p:nvPr>
+        </p:nvSpPr>
+        <p:spPr/>
+        <p:txBody>
+          <a:bodyPr/>
+          <a:lstStyle/>
+          <a:p>
+            <a:r>
+              <a:rPr lang="en-US" dirty="0" smtClean="0"/>
+              <a:t>Best Practices</a:t>
+            </a:r>
+            <a:endParaRPr lang="en-US" dirty="0"/>
+          </a:p>
+        </p:txBody>
+      </p:sp>
+      <p:sp>
+        <p:nvSpPr>
+          <p:cNvPr id="3" name="Content Placeholder 2"/>
+          <p:cNvSpPr>
+            <a:spLocks noGrp="1"/>
+          </p:cNvSpPr>
+          <p:nvPr>
+            <p:ph idx="1"/>
+          </p:nvPr>
+        </p:nvSpPr>
+        <p:spPr/>
+        <p:txBody>
+          <a:bodyPr/>
+          <a:lstStyle/>
+          <a:p>
+            <a:r>
+              <a:rPr lang="en-US" dirty="0" smtClean="0"/>
+              <a:t>Bundles should minimize what they export</a:t>
+            </a:r>
+          </a:p>
+          <a:p>
+            <a:pPr lvl="1"/>
+            <a:r>
+              <a:rPr lang="en-US" dirty="0" smtClean="0"/>
+              <a:t>Don’t make something API unless someone asks for it and you’re ready to commit to it long term</a:t>
+            </a:r>
+          </a:p>
+          <a:p>
+            <a:r>
+              <a:rPr lang="en-US" dirty="0" smtClean="0"/>
+              <a:t>Bundle activators should do as little work as possible</a:t>
+            </a:r>
+          </a:p>
+          <a:p>
+            <a:pPr lvl="1"/>
+            <a:r>
+              <a:rPr lang="en-US" dirty="0"/>
+              <a:t>I</a:t>
+            </a:r>
+            <a:r>
+              <a:rPr lang="en-US" dirty="0" smtClean="0"/>
+              <a:t>deally, just register services</a:t>
+            </a:r>
+          </a:p>
+          <a:p>
+            <a:pPr lvl="1"/>
+            <a:r>
+              <a:rPr lang="en-US" dirty="0" smtClean="0"/>
+              <a:t>Do expensive initialization as lazily as possible</a:t>
+            </a:r>
+          </a:p>
+          <a:p>
+            <a:pPr lvl="2"/>
+            <a:r>
+              <a:rPr lang="en-US" dirty="0" smtClean="0"/>
+              <a:t>E.g. during menu activation</a:t>
+            </a:r>
+          </a:p>
+          <a:p>
+            <a:endParaRPr lang="en-US" dirty="0"/>
+          </a:p>
+        </p:txBody>
+      </p:sp>
+      <p:sp>
+        <p:nvSpPr>
+          <p:cNvPr id="4" name="Date Placeholder 3"/>
+          <p:cNvSpPr>
+            <a:spLocks noGrp="1"/>
+          </p:cNvSpPr>
+          <p:nvPr>
+            <p:ph type="dt" sz="half" idx="10"/>
+          </p:nvPr>
+        </p:nvSpPr>
+        <p:spPr/>
+        <p:txBody>
+          <a:bodyPr/>
+          <a:lstStyle/>
+          <a:p>
+            <a:r>
+              <a:rPr lang="en-US" smtClean="0"/>
+              <a:t>2013-10-10</a:t>
+            </a:r>
+            <a:endParaRPr lang="en-US"/>
+          </a:p>
+        </p:txBody>
+      </p:sp>
+      <p:sp>
+        <p:nvSpPr>
+          <p:cNvPr id="5" name="Footer Placeholder 4"/>
+          <p:cNvSpPr>
+            <a:spLocks noGrp="1"/>
+          </p:cNvSpPr>
+          <p:nvPr>
+            <p:ph type="ftr" sz="quarter" idx="11"/>
+          </p:nvPr>
+        </p:nvSpPr>
+        <p:spPr/>
+        <p:txBody>
+          <a:bodyPr/>
+          <a:lstStyle/>
+          <a:p>
+            <a:r>
+              <a:rPr lang="en-US" smtClean="0"/>
+              <a:t>10th Annual Cytoscape Workshop: Developer Tutorial</a:t>
+            </a:r>
+            <a:endParaRPr lang="en-US"/>
+          </a:p>
+        </p:txBody>
+      </p:sp>
+      <p:sp>
+        <p:nvSpPr>
+          <p:cNvPr id="6" name="Slide Number Placeholder 5"/>
+          <p:cNvSpPr>
+            <a:spLocks noGrp="1"/>
+          </p:cNvSpPr>
+          <p:nvPr>
+            <p:ph type="sldNum" sz="quarter" idx="12"/>
+          </p:nvPr>
+        </p:nvSpPr>
+        <p:spPr/>
+        <p:txBody>
+          <a:bodyPr/>
+          <a:lstStyle/>
+          <a:p>
+            <a:fld id="{C95C7C89-7756-A247-827B-20C7D5DE1444}" type="slidenum">
+              <a:rPr lang="en-US" smtClean="0"/>
+              <a:t>44</a:t>
             </a:fld>
             <a:endParaRPr lang="en-US"/>
           </a:p>
@@ -22834,7 +25534,7 @@
 </p:sld>
 </file>
 
-<file path=ppt/slides/slide39.xml><?xml version="1.0" encoding="utf-8"?>
+<file path=ppt/slides/slide45.xml><?xml version="1.0" encoding="utf-8"?>
 <p:sld xmlns:a="http://schemas.openxmlformats.org/drawingml/2006/main" xmlns:r="http://schemas.openxmlformats.org/officeDocument/2006/relationships" xmlns:p="http://schemas.openxmlformats.org/presentationml/2006/main">
   <p:cSld>
     <p:spTree>
@@ -22914,7 +25614,7 @@
           <a:p>
             <a:r>
               <a:rPr lang="en-US" smtClean="0"/>
-              <a:t>2012-12-14</a:t>
+              <a:t>2013-10-10</a:t>
             </a:r>
             <a:endParaRPr lang="en-US"/>
           </a:p>
@@ -22937,7 +25637,7 @@
           <a:p>
             <a:r>
               <a:rPr lang="en-US" smtClean="0"/>
-              <a:t>9th Annual Cytoscape Workshop: Developer Tutorial</a:t>
+              <a:t>10th Annual Cytoscape Workshop: Developer Tutorial</a:t>
             </a:r>
             <a:endParaRPr lang="en-US"/>
           </a:p>
@@ -22960,7 +25660,7 @@
           <a:p>
             <a:fld id="{C95C7C89-7756-A247-827B-20C7D5DE1444}" type="slidenum">
               <a:rPr lang="en-US" smtClean="0"/>
-              <a:t>39</a:t>
+              <a:t>45</a:t>
             </a:fld>
             <a:endParaRPr lang="en-US"/>
           </a:p>
@@ -23061,7 +25761,7 @@
 </p:sld>
 </file>
 
-<file path=ppt/slides/slide4.xml><?xml version="1.0" encoding="utf-8"?>
+<file path=ppt/slides/slide5.xml><?xml version="1.0" encoding="utf-8"?>
 <p:sld xmlns:a="http://schemas.openxmlformats.org/drawingml/2006/main" xmlns:r="http://schemas.openxmlformats.org/officeDocument/2006/relationships" xmlns:p="http://schemas.openxmlformats.org/presentationml/2006/main">
   <p:cSld>
     <p:spTree>
@@ -23161,7 +25861,7 @@
         <p:spPr/>
         <p:txBody>
           <a:bodyPr>
-            <a:normAutofit/>
+            <a:normAutofit fontScale="92500" lnSpcReduction="10000"/>
           </a:bodyPr>
           <a:lstStyle/>
           <a:p>
@@ -23175,6 +25875,21 @@
             <a:pPr lvl="1"/>
             <a:r>
               <a:rPr lang="en-US" dirty="0" err="1" smtClean="0"/>
+              <a:t>Multigraph</a:t>
+            </a:r>
+            <a:endParaRPr lang="en-US" dirty="0" smtClean="0"/>
+          </a:p>
+          <a:p>
+            <a:pPr lvl="1"/>
+            <a:r>
+              <a:rPr lang="en-US" dirty="0" smtClean="0"/>
+              <a:t>Directed or undirected</a:t>
+            </a:r>
+          </a:p>
+          <a:p>
+            <a:pPr lvl="1"/>
+            <a:r>
+              <a:rPr lang="en-US" dirty="0" err="1" smtClean="0"/>
               <a:t>CyNode</a:t>
             </a:r>
             <a:endParaRPr lang="en-US" dirty="0" smtClean="0"/>
@@ -23222,14 +25937,18 @@
               <a:rPr lang="en-US" dirty="0" smtClean="0"/>
               <a:t>SUID</a:t>
             </a:r>
+            <a:endParaRPr lang="en-US" dirty="0"/>
           </a:p>
           <a:p>
             <a:pPr lvl="1"/>
             <a:r>
+              <a:rPr lang="en-US" dirty="0"/>
+              <a:t>Session-unique </a:t>
+            </a:r>
+            <a:r>
               <a:rPr lang="en-US" dirty="0" smtClean="0"/>
-              <a:t>Session-unique identifier</a:t>
-            </a:r>
-            <a:endParaRPr lang="en-US" dirty="0"/>
+              <a:t>identifier</a:t>
+            </a:r>
           </a:p>
           <a:p>
             <a:pPr lvl="1"/>
@@ -23257,7 +25976,7 @@
           <a:p>
             <a:r>
               <a:rPr lang="en-US" smtClean="0"/>
-              <a:t>2012-12-14</a:t>
+              <a:t>2013-10-10</a:t>
             </a:r>
             <a:endParaRPr lang="en-US"/>
           </a:p>
@@ -23280,1049 +25999,7 @@
           <a:p>
             <a:r>
               <a:rPr lang="en-US" smtClean="0"/>
-              <a:t>9th Annual Cytoscape Workshop: Developer Tutorial</a:t>
-            </a:r>
-            <a:endParaRPr lang="en-US"/>
-          </a:p>
-        </p:txBody>
-      </p:sp>
-      <p:sp>
-        <p:nvSpPr>
-          <p:cNvPr id="7" name="Slide Number Placeholder 6"/>
-          <p:cNvSpPr>
-            <a:spLocks noGrp="1"/>
-          </p:cNvSpPr>
-          <p:nvPr>
-            <p:ph type="sldNum" sz="quarter" idx="12"/>
-          </p:nvPr>
-        </p:nvSpPr>
-        <p:spPr/>
-        <p:txBody>
-          <a:bodyPr/>
-          <a:lstStyle/>
-          <a:p>
-            <a:fld id="{C95C7C89-7756-A247-827B-20C7D5DE1444}" type="slidenum">
-              <a:rPr lang="en-US" smtClean="0"/>
-              <a:t>4</a:t>
-            </a:fld>
-            <a:endParaRPr lang="en-US"/>
-          </a:p>
-        </p:txBody>
-      </p:sp>
-      <p:sp>
-        <p:nvSpPr>
-          <p:cNvPr id="8" name="Oval 7"/>
-          <p:cNvSpPr/>
-          <p:nvPr/>
-        </p:nvSpPr>
-        <p:spPr>
-          <a:xfrm>
-            <a:off x="5704759" y="1746100"/>
-            <a:ext cx="700648" cy="700648"/>
-          </a:xfrm>
-          <a:prstGeom prst="ellipse">
-            <a:avLst/>
-          </a:prstGeom>
-          <a:ln>
-            <a:solidFill>
-              <a:srgbClr val="7F7F7F"/>
-            </a:solidFill>
-          </a:ln>
-        </p:spPr>
-        <p:style>
-          <a:lnRef idx="2">
-            <a:schemeClr val="dk1"/>
-          </a:lnRef>
-          <a:fillRef idx="1">
-            <a:schemeClr val="lt1"/>
-          </a:fillRef>
-          <a:effectRef idx="0">
-            <a:schemeClr val="dk1"/>
-          </a:effectRef>
-          <a:fontRef idx="minor">
-            <a:schemeClr val="dk1"/>
-          </a:fontRef>
-        </p:style>
-        <p:txBody>
-          <a:bodyPr rtlCol="0" anchor="ctr"/>
-          <a:lstStyle/>
-          <a:p>
-            <a:pPr algn="ctr"/>
-            <a:endParaRPr lang="en-US"/>
-          </a:p>
-        </p:txBody>
-      </p:sp>
-      <p:sp>
-        <p:nvSpPr>
-          <p:cNvPr id="9" name="Oval 8"/>
-          <p:cNvSpPr/>
-          <p:nvPr/>
-        </p:nvSpPr>
-        <p:spPr>
-          <a:xfrm>
-            <a:off x="6780839" y="2818157"/>
-            <a:ext cx="700648" cy="700648"/>
-          </a:xfrm>
-          <a:prstGeom prst="ellipse">
-            <a:avLst/>
-          </a:prstGeom>
-          <a:ln>
-            <a:solidFill>
-              <a:srgbClr val="7F7F7F"/>
-            </a:solidFill>
-          </a:ln>
-        </p:spPr>
-        <p:style>
-          <a:lnRef idx="2">
-            <a:schemeClr val="dk1"/>
-          </a:lnRef>
-          <a:fillRef idx="1">
-            <a:schemeClr val="lt1"/>
-          </a:fillRef>
-          <a:effectRef idx="0">
-            <a:schemeClr val="dk1"/>
-          </a:effectRef>
-          <a:fontRef idx="minor">
-            <a:schemeClr val="dk1"/>
-          </a:fontRef>
-        </p:style>
-        <p:txBody>
-          <a:bodyPr rtlCol="0" anchor="ctr"/>
-          <a:lstStyle/>
-          <a:p>
-            <a:pPr algn="ctr"/>
-            <a:endParaRPr lang="en-US"/>
-          </a:p>
-        </p:txBody>
-      </p:sp>
-      <p:cxnSp>
-        <p:nvCxnSpPr>
-          <p:cNvPr id="11" name="Straight Arrow Connector 10"/>
-          <p:cNvCxnSpPr>
-            <a:stCxn id="8" idx="5"/>
-            <a:endCxn id="9" idx="1"/>
-          </p:cNvCxnSpPr>
-          <p:nvPr/>
-        </p:nvCxnSpPr>
-        <p:spPr>
-          <a:xfrm>
-            <a:off x="6302799" y="2344140"/>
-            <a:ext cx="580648" cy="576625"/>
-          </a:xfrm>
-          <a:prstGeom prst="straightConnector1">
-            <a:avLst/>
-          </a:prstGeom>
-          <a:ln>
-            <a:solidFill>
-              <a:srgbClr val="7F7F7F"/>
-            </a:solidFill>
-            <a:tailEnd type="arrow"/>
-          </a:ln>
-        </p:spPr>
-        <p:style>
-          <a:lnRef idx="2">
-            <a:schemeClr val="dk1"/>
-          </a:lnRef>
-          <a:fillRef idx="1">
-            <a:schemeClr val="lt1"/>
-          </a:fillRef>
-          <a:effectRef idx="0">
-            <a:schemeClr val="dk1"/>
-          </a:effectRef>
-          <a:fontRef idx="minor">
-            <a:schemeClr val="dk1"/>
-          </a:fontRef>
-        </p:style>
-      </p:cxnSp>
-      <p:sp>
-        <p:nvSpPr>
-          <p:cNvPr id="15" name="Internal Storage 14"/>
-          <p:cNvSpPr/>
-          <p:nvPr/>
-        </p:nvSpPr>
-        <p:spPr>
-          <a:xfrm>
-            <a:off x="5911615" y="4456127"/>
-            <a:ext cx="1007281" cy="1007281"/>
-          </a:xfrm>
-          <a:prstGeom prst="flowChartInternalStorage">
-            <a:avLst/>
-          </a:prstGeom>
-        </p:spPr>
-        <p:style>
-          <a:lnRef idx="2">
-            <a:schemeClr val="dk1"/>
-          </a:lnRef>
-          <a:fillRef idx="1">
-            <a:schemeClr val="lt1"/>
-          </a:fillRef>
-          <a:effectRef idx="0">
-            <a:schemeClr val="dk1"/>
-          </a:effectRef>
-          <a:fontRef idx="minor">
-            <a:schemeClr val="dk1"/>
-          </a:fontRef>
-        </p:style>
-        <p:txBody>
-          <a:bodyPr wrap="none" rtlCol="0" anchor="ctr"/>
-          <a:lstStyle/>
-          <a:p>
-            <a:pPr algn="ctr"/>
-            <a:endParaRPr lang="en-US" dirty="0"/>
-          </a:p>
-        </p:txBody>
-      </p:sp>
-      <p:grpSp>
-        <p:nvGrpSpPr>
-          <p:cNvPr id="51" name="Group 50"/>
-          <p:cNvGrpSpPr/>
-          <p:nvPr/>
-        </p:nvGrpSpPr>
-        <p:grpSpPr>
-          <a:xfrm>
-            <a:off x="5911615" y="4456127"/>
-            <a:ext cx="1007281" cy="1007281"/>
-            <a:chOff x="5911615" y="4456127"/>
-            <a:chExt cx="1007281" cy="1007281"/>
-          </a:xfrm>
-        </p:grpSpPr>
-        <p:sp>
-          <p:nvSpPr>
-            <p:cNvPr id="47" name="Rectangle 46"/>
-            <p:cNvSpPr/>
-            <p:nvPr/>
-          </p:nvSpPr>
-          <p:spPr>
-            <a:xfrm>
-              <a:off x="5911615" y="4729843"/>
-              <a:ext cx="1007281" cy="164231"/>
-            </a:xfrm>
-            <a:prstGeom prst="rect">
-              <a:avLst/>
-            </a:prstGeom>
-            <a:solidFill>
-              <a:schemeClr val="accent2">
-                <a:lumMod val="40000"/>
-                <a:lumOff val="60000"/>
-              </a:schemeClr>
-            </a:solidFill>
-            <a:ln>
-              <a:prstDash val="dash"/>
-            </a:ln>
-          </p:spPr>
-          <p:style>
-            <a:lnRef idx="2">
-              <a:schemeClr val="accent2">
-                <a:shade val="50000"/>
-              </a:schemeClr>
-            </a:lnRef>
-            <a:fillRef idx="1">
-              <a:schemeClr val="accent2"/>
-            </a:fillRef>
-            <a:effectRef idx="0">
-              <a:schemeClr val="accent2"/>
-            </a:effectRef>
-            <a:fontRef idx="minor">
-              <a:schemeClr val="lt1"/>
-            </a:fontRef>
-          </p:style>
-          <p:txBody>
-            <a:bodyPr rtlCol="0" anchor="ctr"/>
-            <a:lstStyle/>
-            <a:p>
-              <a:pPr algn="ctr"/>
-              <a:endParaRPr lang="en-US"/>
-            </a:p>
-          </p:txBody>
-        </p:sp>
-        <p:sp>
-          <p:nvSpPr>
-            <p:cNvPr id="48" name="Rectangle 47"/>
-            <p:cNvSpPr/>
-            <p:nvPr/>
-          </p:nvSpPr>
-          <p:spPr>
-            <a:xfrm rot="5400000">
-              <a:off x="6164084" y="4877652"/>
-              <a:ext cx="1007281" cy="164231"/>
-            </a:xfrm>
-            <a:prstGeom prst="rect">
-              <a:avLst/>
-            </a:prstGeom>
-            <a:solidFill>
-              <a:schemeClr val="accent2">
-                <a:lumMod val="40000"/>
-                <a:lumOff val="60000"/>
-              </a:schemeClr>
-            </a:solidFill>
-            <a:ln>
-              <a:prstDash val="dash"/>
-            </a:ln>
-          </p:spPr>
-          <p:style>
-            <a:lnRef idx="2">
-              <a:schemeClr val="accent2">
-                <a:shade val="50000"/>
-              </a:schemeClr>
-            </a:lnRef>
-            <a:fillRef idx="1">
-              <a:schemeClr val="accent2"/>
-            </a:fillRef>
-            <a:effectRef idx="0">
-              <a:schemeClr val="accent2"/>
-            </a:effectRef>
-            <a:fontRef idx="minor">
-              <a:schemeClr val="lt1"/>
-            </a:fontRef>
-          </p:style>
-          <p:txBody>
-            <a:bodyPr rtlCol="0" anchor="ctr"/>
-            <a:lstStyle/>
-            <a:p>
-              <a:pPr algn="ctr"/>
-              <a:endParaRPr lang="en-US"/>
-            </a:p>
-          </p:txBody>
-        </p:sp>
-      </p:grpSp>
-      <p:sp>
-        <p:nvSpPr>
-          <p:cNvPr id="50" name="Oval 49"/>
-          <p:cNvSpPr/>
-          <p:nvPr/>
-        </p:nvSpPr>
-        <p:spPr>
-          <a:xfrm>
-            <a:off x="6561879" y="1515329"/>
-            <a:ext cx="700648" cy="700648"/>
-          </a:xfrm>
-          <a:prstGeom prst="ellipse">
-            <a:avLst/>
-          </a:prstGeom>
-          <a:ln>
-            <a:solidFill>
-              <a:srgbClr val="7F7F7F"/>
-            </a:solidFill>
-          </a:ln>
-        </p:spPr>
-        <p:style>
-          <a:lnRef idx="2">
-            <a:schemeClr val="dk1"/>
-          </a:lnRef>
-          <a:fillRef idx="1">
-            <a:schemeClr val="lt1"/>
-          </a:fillRef>
-          <a:effectRef idx="0">
-            <a:schemeClr val="dk1"/>
-          </a:effectRef>
-          <a:fontRef idx="minor">
-            <a:schemeClr val="dk1"/>
-          </a:fontRef>
-        </p:style>
-        <p:txBody>
-          <a:bodyPr rtlCol="0" anchor="ctr"/>
-          <a:lstStyle/>
-          <a:p>
-            <a:pPr algn="ctr"/>
-            <a:endParaRPr lang="en-US"/>
-          </a:p>
-        </p:txBody>
-      </p:sp>
-    </p:spTree>
-    <p:extLst>
-      <p:ext uri="{BB962C8B-B14F-4D97-AF65-F5344CB8AC3E}">
-        <p14:creationId xmlns:p14="http://schemas.microsoft.com/office/powerpoint/2010/main" val="3569398443"/>
-      </p:ext>
-    </p:extLst>
-  </p:cSld>
-  <p:clrMapOvr>
-    <a:masterClrMapping/>
-  </p:clrMapOvr>
-  <p:timing>
-    <p:tnLst>
-      <p:par>
-        <p:cTn xmlns:p14="http://schemas.microsoft.com/office/powerpoint/2010/main" id="1" dur="indefinite" restart="never" nodeType="tmRoot">
-          <p:childTnLst>
-            <p:seq concurrent="1" nextAc="seek">
-              <p:cTn id="2" dur="indefinite" nodeType="mainSeq">
-                <p:childTnLst>
-                  <p:par>
-                    <p:cTn id="3" fill="hold">
-                      <p:stCondLst>
-                        <p:cond delay="indefinite"/>
-                        <p:cond evt="onBegin" delay="0">
-                          <p:tn val="2"/>
-                        </p:cond>
-                      </p:stCondLst>
-                      <p:childTnLst>
-                        <p:par>
-                          <p:cTn id="4" fill="hold">
-                            <p:stCondLst>
-                              <p:cond delay="0"/>
-                            </p:stCondLst>
-                            <p:childTnLst>
-                              <p:par>
-                                <p:cTn id="5" presetID="1" presetClass="entr" presetSubtype="0" fill="hold" grpId="0" nodeType="withEffect">
-                                  <p:stCondLst>
-                                    <p:cond delay="0"/>
-                                  </p:stCondLst>
-                                  <p:childTnLst>
-                                    <p:set>
-                                      <p:cBhvr>
-                                        <p:cTn id="6" dur="1" fill="hold">
-                                          <p:stCondLst>
-                                            <p:cond delay="0"/>
-                                          </p:stCondLst>
-                                        </p:cTn>
-                                        <p:tgtEl>
-                                          <p:spTgt spid="3">
-                                            <p:txEl>
-                                              <p:pRg st="0" end="0"/>
-                                            </p:txEl>
-                                          </p:spTgt>
-                                        </p:tgtEl>
-                                        <p:attrNameLst>
-                                          <p:attrName>style.visibility</p:attrName>
-                                        </p:attrNameLst>
-                                      </p:cBhvr>
-                                      <p:to>
-                                        <p:strVal val="visible"/>
-                                      </p:to>
-                                    </p:set>
-                                  </p:childTnLst>
-                                </p:cTn>
-                              </p:par>
-                              <p:par>
-                                <p:cTn id="7" presetID="1" presetClass="entr" presetSubtype="0" fill="hold" grpId="0" nodeType="withEffect">
-                                  <p:stCondLst>
-                                    <p:cond delay="0"/>
-                                  </p:stCondLst>
-                                  <p:childTnLst>
-                                    <p:set>
-                                      <p:cBhvr>
-                                        <p:cTn id="8" dur="1" fill="hold">
-                                          <p:stCondLst>
-                                            <p:cond delay="0"/>
-                                          </p:stCondLst>
-                                        </p:cTn>
-                                        <p:tgtEl>
-                                          <p:spTgt spid="3">
-                                            <p:txEl>
-                                              <p:pRg st="1" end="1"/>
-                                            </p:txEl>
-                                          </p:spTgt>
-                                        </p:tgtEl>
-                                        <p:attrNameLst>
-                                          <p:attrName>style.visibility</p:attrName>
-                                        </p:attrNameLst>
-                                      </p:cBhvr>
-                                      <p:to>
-                                        <p:strVal val="visible"/>
-                                      </p:to>
-                                    </p:set>
-                                  </p:childTnLst>
-                                </p:cTn>
-                              </p:par>
-                              <p:par>
-                                <p:cTn id="9" presetID="1" presetClass="entr" presetSubtype="0" fill="hold" grpId="0" nodeType="withEffect">
-                                  <p:stCondLst>
-                                    <p:cond delay="0"/>
-                                  </p:stCondLst>
-                                  <p:childTnLst>
-                                    <p:set>
-                                      <p:cBhvr>
-                                        <p:cTn id="10" dur="1" fill="hold">
-                                          <p:stCondLst>
-                                            <p:cond delay="0"/>
-                                          </p:stCondLst>
-                                        </p:cTn>
-                                        <p:tgtEl>
-                                          <p:spTgt spid="3">
-                                            <p:txEl>
-                                              <p:pRg st="2" end="2"/>
-                                            </p:txEl>
-                                          </p:spTgt>
-                                        </p:tgtEl>
-                                        <p:attrNameLst>
-                                          <p:attrName>style.visibility</p:attrName>
-                                        </p:attrNameLst>
-                                      </p:cBhvr>
-                                      <p:to>
-                                        <p:strVal val="visible"/>
-                                      </p:to>
-                                    </p:set>
-                                  </p:childTnLst>
-                                </p:cTn>
-                              </p:par>
-                            </p:childTnLst>
-                          </p:cTn>
-                        </p:par>
-                      </p:childTnLst>
-                    </p:cTn>
-                  </p:par>
-                  <p:par>
-                    <p:cTn id="11" fill="hold">
-                      <p:stCondLst>
-                        <p:cond delay="indefinite"/>
-                      </p:stCondLst>
-                      <p:childTnLst>
-                        <p:par>
-                          <p:cTn id="12" fill="hold">
-                            <p:stCondLst>
-                              <p:cond delay="0"/>
-                            </p:stCondLst>
-                            <p:childTnLst>
-                              <p:par>
-                                <p:cTn id="13" presetID="1" presetClass="entr" presetSubtype="0" fill="hold" grpId="0" nodeType="clickEffect">
-                                  <p:stCondLst>
-                                    <p:cond delay="0"/>
-                                  </p:stCondLst>
-                                  <p:childTnLst>
-                                    <p:set>
-                                      <p:cBhvr>
-                                        <p:cTn id="14" dur="1" fill="hold">
-                                          <p:stCondLst>
-                                            <p:cond delay="0"/>
-                                          </p:stCondLst>
-                                        </p:cTn>
-                                        <p:tgtEl>
-                                          <p:spTgt spid="3">
-                                            <p:txEl>
-                                              <p:pRg st="3" end="3"/>
-                                            </p:txEl>
-                                          </p:spTgt>
-                                        </p:tgtEl>
-                                        <p:attrNameLst>
-                                          <p:attrName>style.visibility</p:attrName>
-                                        </p:attrNameLst>
-                                      </p:cBhvr>
-                                      <p:to>
-                                        <p:strVal val="visible"/>
-                                      </p:to>
-                                    </p:set>
-                                  </p:childTnLst>
-                                </p:cTn>
-                              </p:par>
-                              <p:par>
-                                <p:cTn id="15" presetID="1" presetClass="entr" presetSubtype="0" fill="hold" grpId="0" nodeType="withEffect">
-                                  <p:stCondLst>
-                                    <p:cond delay="0"/>
-                                  </p:stCondLst>
-                                  <p:childTnLst>
-                                    <p:set>
-                                      <p:cBhvr>
-                                        <p:cTn id="16" dur="1" fill="hold">
-                                          <p:stCondLst>
-                                            <p:cond delay="0"/>
-                                          </p:stCondLst>
-                                        </p:cTn>
-                                        <p:tgtEl>
-                                          <p:spTgt spid="3">
-                                            <p:txEl>
-                                              <p:pRg st="4" end="4"/>
-                                            </p:txEl>
-                                          </p:spTgt>
-                                        </p:tgtEl>
-                                        <p:attrNameLst>
-                                          <p:attrName>style.visibility</p:attrName>
-                                        </p:attrNameLst>
-                                      </p:cBhvr>
-                                      <p:to>
-                                        <p:strVal val="visible"/>
-                                      </p:to>
-                                    </p:set>
-                                  </p:childTnLst>
-                                </p:cTn>
-                              </p:par>
-                              <p:par>
-                                <p:cTn id="17" presetID="1" presetClass="entr" presetSubtype="0" fill="hold" grpId="0" nodeType="withEffect">
-                                  <p:stCondLst>
-                                    <p:cond delay="0"/>
-                                  </p:stCondLst>
-                                  <p:childTnLst>
-                                    <p:set>
-                                      <p:cBhvr>
-                                        <p:cTn id="18" dur="1" fill="hold">
-                                          <p:stCondLst>
-                                            <p:cond delay="0"/>
-                                          </p:stCondLst>
-                                        </p:cTn>
-                                        <p:tgtEl>
-                                          <p:spTgt spid="3">
-                                            <p:txEl>
-                                              <p:pRg st="5" end="5"/>
-                                            </p:txEl>
-                                          </p:spTgt>
-                                        </p:tgtEl>
-                                        <p:attrNameLst>
-                                          <p:attrName>style.visibility</p:attrName>
-                                        </p:attrNameLst>
-                                      </p:cBhvr>
-                                      <p:to>
-                                        <p:strVal val="visible"/>
-                                      </p:to>
-                                    </p:set>
-                                  </p:childTnLst>
-                                </p:cTn>
-                              </p:par>
-                              <p:par>
-                                <p:cTn id="19" presetID="1" presetClass="entr" presetSubtype="0" fill="hold" grpId="0" nodeType="withEffect">
-                                  <p:stCondLst>
-                                    <p:cond delay="0"/>
-                                  </p:stCondLst>
-                                  <p:childTnLst>
-                                    <p:set>
-                                      <p:cBhvr>
-                                        <p:cTn id="20" dur="1" fill="hold">
-                                          <p:stCondLst>
-                                            <p:cond delay="0"/>
-                                          </p:stCondLst>
-                                        </p:cTn>
-                                        <p:tgtEl>
-                                          <p:spTgt spid="3">
-                                            <p:txEl>
-                                              <p:pRg st="6" end="6"/>
-                                            </p:txEl>
-                                          </p:spTgt>
-                                        </p:tgtEl>
-                                        <p:attrNameLst>
-                                          <p:attrName>style.visibility</p:attrName>
-                                        </p:attrNameLst>
-                                      </p:cBhvr>
-                                      <p:to>
-                                        <p:strVal val="visible"/>
-                                      </p:to>
-                                    </p:set>
-                                  </p:childTnLst>
-                                </p:cTn>
-                              </p:par>
-                              <p:par>
-                                <p:cTn id="21" presetID="1" presetClass="entr" presetSubtype="0" fill="hold" grpId="0" nodeType="withEffect">
-                                  <p:stCondLst>
-                                    <p:cond delay="0"/>
-                                  </p:stCondLst>
-                                  <p:childTnLst>
-                                    <p:set>
-                                      <p:cBhvr>
-                                        <p:cTn id="22" dur="1" fill="hold">
-                                          <p:stCondLst>
-                                            <p:cond delay="0"/>
-                                          </p:stCondLst>
-                                        </p:cTn>
-                                        <p:tgtEl>
-                                          <p:spTgt spid="15"/>
-                                        </p:tgtEl>
-                                        <p:attrNameLst>
-                                          <p:attrName>style.visibility</p:attrName>
-                                        </p:attrNameLst>
-                                      </p:cBhvr>
-                                      <p:to>
-                                        <p:strVal val="visible"/>
-                                      </p:to>
-                                    </p:set>
-                                  </p:childTnLst>
-                                </p:cTn>
-                              </p:par>
-                            </p:childTnLst>
-                          </p:cTn>
-                        </p:par>
-                      </p:childTnLst>
-                    </p:cTn>
-                  </p:par>
-                  <p:par>
-                    <p:cTn id="23" fill="hold">
-                      <p:stCondLst>
-                        <p:cond delay="indefinite"/>
-                      </p:stCondLst>
-                      <p:childTnLst>
-                        <p:par>
-                          <p:cTn id="24" fill="hold">
-                            <p:stCondLst>
-                              <p:cond delay="0"/>
-                            </p:stCondLst>
-                            <p:childTnLst>
-                              <p:par>
-                                <p:cTn id="25" presetID="1" presetClass="entr" presetSubtype="0" fill="hold" nodeType="clickEffect">
-                                  <p:stCondLst>
-                                    <p:cond delay="0"/>
-                                  </p:stCondLst>
-                                  <p:childTnLst>
-                                    <p:set>
-                                      <p:cBhvr>
-                                        <p:cTn id="26" dur="1" fill="hold">
-                                          <p:stCondLst>
-                                            <p:cond delay="0"/>
-                                          </p:stCondLst>
-                                        </p:cTn>
-                                        <p:tgtEl>
-                                          <p:spTgt spid="51"/>
-                                        </p:tgtEl>
-                                        <p:attrNameLst>
-                                          <p:attrName>style.visibility</p:attrName>
-                                        </p:attrNameLst>
-                                      </p:cBhvr>
-                                      <p:to>
-                                        <p:strVal val="visible"/>
-                                      </p:to>
-                                    </p:set>
-                                  </p:childTnLst>
-                                </p:cTn>
-                              </p:par>
-                            </p:childTnLst>
-                          </p:cTn>
-                        </p:par>
-                      </p:childTnLst>
-                    </p:cTn>
-                  </p:par>
-                  <p:par>
-                    <p:cTn id="27" fill="hold">
-                      <p:stCondLst>
-                        <p:cond delay="indefinite"/>
-                      </p:stCondLst>
-                      <p:childTnLst>
-                        <p:par>
-                          <p:cTn id="28" fill="hold">
-                            <p:stCondLst>
-                              <p:cond delay="0"/>
-                            </p:stCondLst>
-                            <p:childTnLst>
-                              <p:par>
-                                <p:cTn id="29" presetID="1" presetClass="entr" presetSubtype="0" fill="hold" grpId="0" nodeType="clickEffect">
-                                  <p:stCondLst>
-                                    <p:cond delay="0"/>
-                                  </p:stCondLst>
-                                  <p:childTnLst>
-                                    <p:set>
-                                      <p:cBhvr>
-                                        <p:cTn id="30" dur="1" fill="hold">
-                                          <p:stCondLst>
-                                            <p:cond delay="0"/>
-                                          </p:stCondLst>
-                                        </p:cTn>
-                                        <p:tgtEl>
-                                          <p:spTgt spid="3">
-                                            <p:txEl>
-                                              <p:pRg st="7" end="7"/>
-                                            </p:txEl>
-                                          </p:spTgt>
-                                        </p:tgtEl>
-                                        <p:attrNameLst>
-                                          <p:attrName>style.visibility</p:attrName>
-                                        </p:attrNameLst>
-                                      </p:cBhvr>
-                                      <p:to>
-                                        <p:strVal val="visible"/>
-                                      </p:to>
-                                    </p:set>
-                                  </p:childTnLst>
-                                </p:cTn>
-                              </p:par>
-                              <p:par>
-                                <p:cTn id="31" presetID="1" presetClass="entr" presetSubtype="0" fill="hold" grpId="0" nodeType="withEffect">
-                                  <p:stCondLst>
-                                    <p:cond delay="0"/>
-                                  </p:stCondLst>
-                                  <p:childTnLst>
-                                    <p:set>
-                                      <p:cBhvr>
-                                        <p:cTn id="32" dur="1" fill="hold">
-                                          <p:stCondLst>
-                                            <p:cond delay="0"/>
-                                          </p:stCondLst>
-                                        </p:cTn>
-                                        <p:tgtEl>
-                                          <p:spTgt spid="3">
-                                            <p:txEl>
-                                              <p:pRg st="8" end="8"/>
-                                            </p:txEl>
-                                          </p:spTgt>
-                                        </p:tgtEl>
-                                        <p:attrNameLst>
-                                          <p:attrName>style.visibility</p:attrName>
-                                        </p:attrNameLst>
-                                      </p:cBhvr>
-                                      <p:to>
-                                        <p:strVal val="visible"/>
-                                      </p:to>
-                                    </p:set>
-                                  </p:childTnLst>
-                                </p:cTn>
-                              </p:par>
-                            </p:childTnLst>
-                          </p:cTn>
-                        </p:par>
-                      </p:childTnLst>
-                    </p:cTn>
-                  </p:par>
-                </p:childTnLst>
-              </p:cTn>
-              <p:prevCondLst>
-                <p:cond evt="onPrev" delay="0">
-                  <p:tgtEl>
-                    <p:sldTgt/>
-                  </p:tgtEl>
-                </p:cond>
-              </p:prevCondLst>
-              <p:nextCondLst>
-                <p:cond evt="onNext" delay="0">
-                  <p:tgtEl>
-                    <p:sldTgt/>
-                  </p:tgtEl>
-                </p:cond>
-              </p:nextCondLst>
-            </p:seq>
-          </p:childTnLst>
-        </p:cTn>
-      </p:par>
-    </p:tnLst>
-    <p:bldLst>
-      <p:bldP spid="3" grpId="0" build="p"/>
-      <p:bldP spid="15" grpId="0" animBg="1"/>
-    </p:bldLst>
-  </p:timing>
-</p:sld>
-</file>
-
-<file path=ppt/slides/slide5.xml><?xml version="1.0" encoding="utf-8"?>
-<p:sld xmlns:a="http://schemas.openxmlformats.org/drawingml/2006/main" xmlns:r="http://schemas.openxmlformats.org/officeDocument/2006/relationships" xmlns:p="http://schemas.openxmlformats.org/presentationml/2006/main">
-  <p:cSld>
-    <p:spTree>
-      <p:nvGrpSpPr>
-        <p:cNvPr id="1" name=""/>
-        <p:cNvGrpSpPr/>
-        <p:nvPr/>
-      </p:nvGrpSpPr>
-      <p:grpSpPr>
-        <a:xfrm>
-          <a:off x="0" y="0"/>
-          <a:ext cx="0" cy="0"/>
-          <a:chOff x="0" y="0"/>
-          <a:chExt cx="0" cy="0"/>
-        </a:xfrm>
-      </p:grpSpPr>
-      <p:sp>
-        <p:nvSpPr>
-          <p:cNvPr id="25" name="Rectangle 24"/>
-          <p:cNvSpPr/>
-          <p:nvPr/>
-        </p:nvSpPr>
-        <p:spPr>
-          <a:xfrm>
-            <a:off x="5179274" y="1397429"/>
-            <a:ext cx="2747852" cy="2363234"/>
-          </a:xfrm>
-          <a:prstGeom prst="rect">
-            <a:avLst/>
-          </a:prstGeom>
-          <a:ln>
-            <a:solidFill>
-              <a:schemeClr val="tx1">
-                <a:lumMod val="50000"/>
-                <a:lumOff val="50000"/>
-              </a:schemeClr>
-            </a:solidFill>
-            <a:prstDash val="dash"/>
-          </a:ln>
-        </p:spPr>
-        <p:style>
-          <a:lnRef idx="2">
-            <a:schemeClr val="accent5"/>
-          </a:lnRef>
-          <a:fillRef idx="1">
-            <a:schemeClr val="lt1"/>
-          </a:fillRef>
-          <a:effectRef idx="0">
-            <a:schemeClr val="accent5"/>
-          </a:effectRef>
-          <a:fontRef idx="minor">
-            <a:schemeClr val="dk1"/>
-          </a:fontRef>
-        </p:style>
-        <p:txBody>
-          <a:bodyPr rtlCol="0" anchor="ctr"/>
-          <a:lstStyle/>
-          <a:p>
-            <a:pPr algn="ctr"/>
-            <a:endParaRPr lang="en-US"/>
-          </a:p>
-        </p:txBody>
-      </p:sp>
-      <p:sp>
-        <p:nvSpPr>
-          <p:cNvPr id="2" name="Title 1"/>
-          <p:cNvSpPr>
-            <a:spLocks noGrp="1"/>
-          </p:cNvSpPr>
-          <p:nvPr>
-            <p:ph type="title"/>
-          </p:nvPr>
-        </p:nvSpPr>
-        <p:spPr/>
-        <p:txBody>
-          <a:bodyPr/>
-          <a:lstStyle/>
-          <a:p>
-            <a:r>
-              <a:rPr lang="en-US" dirty="0" smtClean="0"/>
-              <a:t>Concepts: Data Model</a:t>
-            </a:r>
-            <a:endParaRPr lang="en-US" dirty="0"/>
-          </a:p>
-        </p:txBody>
-      </p:sp>
-      <p:sp>
-        <p:nvSpPr>
-          <p:cNvPr id="3" name="Content Placeholder 2"/>
-          <p:cNvSpPr>
-            <a:spLocks noGrp="1"/>
-          </p:cNvSpPr>
-          <p:nvPr>
-            <p:ph sz="half" idx="1"/>
-          </p:nvPr>
-        </p:nvSpPr>
-        <p:spPr/>
-        <p:txBody>
-          <a:bodyPr>
-            <a:normAutofit fontScale="92500" lnSpcReduction="10000"/>
-          </a:bodyPr>
-          <a:lstStyle/>
-          <a:p>
-            <a:r>
-              <a:rPr lang="en-US" dirty="0" err="1" smtClean="0"/>
-              <a:t>CyNetwork</a:t>
-            </a:r>
-            <a:endParaRPr lang="en-US" dirty="0" smtClean="0"/>
-          </a:p>
-          <a:p>
-            <a:pPr lvl="1"/>
-            <a:r>
-              <a:rPr lang="en-US" dirty="0" err="1" smtClean="0"/>
-              <a:t>Multigraph</a:t>
-            </a:r>
-            <a:endParaRPr lang="en-US" dirty="0" smtClean="0"/>
-          </a:p>
-          <a:p>
-            <a:pPr lvl="1"/>
-            <a:r>
-              <a:rPr lang="en-US" dirty="0" smtClean="0"/>
-              <a:t>Directed or undirected</a:t>
-            </a:r>
-            <a:endParaRPr lang="en-US" dirty="0" smtClean="0"/>
-          </a:p>
-          <a:p>
-            <a:pPr lvl="1"/>
-            <a:r>
-              <a:rPr lang="en-US" dirty="0" err="1" smtClean="0"/>
-              <a:t>CyNode</a:t>
-            </a:r>
-            <a:endParaRPr lang="en-US" dirty="0" smtClean="0"/>
-          </a:p>
-          <a:p>
-            <a:pPr lvl="1"/>
-            <a:r>
-              <a:rPr lang="en-US" dirty="0" err="1" smtClean="0"/>
-              <a:t>CyEdge</a:t>
-            </a:r>
-            <a:endParaRPr lang="en-US" dirty="0"/>
-          </a:p>
-          <a:p>
-            <a:r>
-              <a:rPr lang="en-US" dirty="0" err="1" smtClean="0"/>
-              <a:t>CyTable</a:t>
-            </a:r>
-            <a:endParaRPr lang="en-US" dirty="0" smtClean="0"/>
-          </a:p>
-          <a:p>
-            <a:pPr lvl="1"/>
-            <a:r>
-              <a:rPr lang="en-US" dirty="0" err="1" smtClean="0"/>
-              <a:t>CyColumn</a:t>
-            </a:r>
-            <a:endParaRPr lang="en-US" dirty="0" smtClean="0"/>
-          </a:p>
-          <a:p>
-            <a:pPr lvl="2"/>
-            <a:r>
-              <a:rPr lang="en-US" dirty="0" smtClean="0"/>
-              <a:t>Primary key</a:t>
-            </a:r>
-          </a:p>
-          <a:p>
-            <a:pPr lvl="1"/>
-            <a:r>
-              <a:rPr lang="en-US" dirty="0" err="1" smtClean="0"/>
-              <a:t>CyRow</a:t>
-            </a:r>
-            <a:endParaRPr lang="en-US" dirty="0" smtClean="0"/>
-          </a:p>
-          <a:p>
-            <a:r>
-              <a:rPr lang="en-US" dirty="0" smtClean="0"/>
-              <a:t>SUID</a:t>
-            </a:r>
-            <a:endParaRPr lang="en-US" dirty="0"/>
-          </a:p>
-          <a:p>
-            <a:pPr lvl="1"/>
-            <a:r>
-              <a:rPr lang="en-US" dirty="0"/>
-              <a:t>Session-unique </a:t>
-            </a:r>
-            <a:r>
-              <a:rPr lang="en-US" dirty="0" smtClean="0"/>
-              <a:t>identifier</a:t>
-            </a:r>
-          </a:p>
-          <a:p>
-            <a:pPr lvl="1"/>
-            <a:endParaRPr lang="en-US" dirty="0"/>
-          </a:p>
-          <a:p>
-            <a:endParaRPr lang="en-US" dirty="0"/>
-          </a:p>
-        </p:txBody>
-      </p:sp>
-      <p:sp>
-        <p:nvSpPr>
-          <p:cNvPr id="5" name="Date Placeholder 4"/>
-          <p:cNvSpPr>
-            <a:spLocks noGrp="1"/>
-          </p:cNvSpPr>
-          <p:nvPr>
-            <p:ph type="dt" sz="half" idx="10"/>
-          </p:nvPr>
-        </p:nvSpPr>
-        <p:spPr/>
-        <p:txBody>
-          <a:bodyPr/>
-          <a:lstStyle/>
-          <a:p>
-            <a:r>
-              <a:rPr lang="en-US" smtClean="0"/>
-              <a:t>2012-12-14</a:t>
-            </a:r>
-            <a:endParaRPr lang="en-US"/>
-          </a:p>
-        </p:txBody>
-      </p:sp>
-      <p:sp>
-        <p:nvSpPr>
-          <p:cNvPr id="6" name="Footer Placeholder 5"/>
-          <p:cNvSpPr>
-            <a:spLocks noGrp="1"/>
-          </p:cNvSpPr>
-          <p:nvPr>
-            <p:ph type="ftr" sz="quarter" idx="11"/>
-          </p:nvPr>
-        </p:nvSpPr>
-        <p:spPr/>
-        <p:txBody>
-          <a:bodyPr/>
-          <a:lstStyle/>
-          <a:p>
-            <a:r>
-              <a:rPr lang="en-US" smtClean="0"/>
-              <a:t>9th Annual Cytoscape Workshop: Developer Tutorial</a:t>
+              <a:t>10th Annual Cytoscape Workshop: Developer Tutorial</a:t>
             </a:r>
             <a:endParaRPr lang="en-US"/>
           </a:p>
@@ -25541,7 +27218,7 @@
           <a:p>
             <a:r>
               <a:rPr lang="en-US" smtClean="0"/>
-              <a:t>2012-12-14</a:t>
+              <a:t>2013-10-10</a:t>
             </a:r>
             <a:endParaRPr lang="en-US"/>
           </a:p>
@@ -25564,7 +27241,7 @@
           <a:p>
             <a:r>
               <a:rPr lang="en-US" smtClean="0"/>
-              <a:t>9th Annual Cytoscape Workshop: Developer Tutorial</a:t>
+              <a:t>10th Annual Cytoscape Workshop: Developer Tutorial</a:t>
             </a:r>
             <a:endParaRPr lang="en-US"/>
           </a:p>
@@ -26643,7 +28320,7 @@
           <a:p>
             <a:r>
               <a:rPr lang="en-US" smtClean="0"/>
-              <a:t>2012-12-14</a:t>
+              <a:t>2013-10-10</a:t>
             </a:r>
             <a:endParaRPr lang="en-US"/>
           </a:p>
@@ -26666,7 +28343,7 @@
           <a:p>
             <a:r>
               <a:rPr lang="en-US" smtClean="0"/>
-              <a:t>9th Annual Cytoscape Workshop: Developer Tutorial</a:t>
+              <a:t>10th Annual Cytoscape Workshop: Developer Tutorial</a:t>
             </a:r>
             <a:endParaRPr lang="en-US"/>
           </a:p>
@@ -27099,7 +28776,7 @@
           <a:p>
             <a:r>
               <a:rPr lang="en-US" smtClean="0"/>
-              <a:t>2012-12-14</a:t>
+              <a:t>2013-10-10</a:t>
             </a:r>
             <a:endParaRPr lang="en-US"/>
           </a:p>
@@ -27122,7 +28799,7 @@
           <a:p>
             <a:r>
               <a:rPr lang="en-US" smtClean="0"/>
-              <a:t>9th Annual Cytoscape Workshop: Developer Tutorial</a:t>
+              <a:t>10th Annual Cytoscape Workshop: Developer Tutorial</a:t>
             </a:r>
             <a:endParaRPr lang="en-US"/>
           </a:p>
@@ -27362,7 +29039,7 @@
           <a:p>
             <a:r>
               <a:rPr lang="en-US" smtClean="0"/>
-              <a:t>2012-12-14</a:t>
+              <a:t>2013-10-10</a:t>
             </a:r>
             <a:endParaRPr lang="en-US"/>
           </a:p>
@@ -27385,7 +29062,7 @@
           <a:p>
             <a:r>
               <a:rPr lang="en-US" smtClean="0"/>
-              <a:t>9th Annual Cytoscape Workshop: Developer Tutorial</a:t>
+              <a:t>10th Annual Cytoscape Workshop: Developer Tutorial</a:t>
             </a:r>
             <a:endParaRPr lang="en-US"/>
           </a:p>
